--- a/DAP_Project/데분프 발표.pptx
+++ b/DAP_Project/데분프 발표.pptx
@@ -1,51 +1,32 @@
 
 <file path=ppt/presentation.xml><?xml version="1.0" encoding="utf-8"?>
-<p:presentation xmlns:a="http://schemas.openxmlformats.org/drawingml/2006/main" xmlns:r="http://schemas.openxmlformats.org/officeDocument/2006/relationships" xmlns:p="http://schemas.openxmlformats.org/presentationml/2006/main" embedTrueTypeFonts="1" saveSubsetFonts="1">
+<p:presentation xmlns:r="http://schemas.openxmlformats.org/officeDocument/2006/relationships" xmlns:c="http://schemas.openxmlformats.org/drawingml/2006/chart" xmlns:a="http://schemas.openxmlformats.org/drawingml/2006/main" xmlns:dgm="http://schemas.openxmlformats.org/drawingml/2006/diagram" xmlns:dsp="http://schemas.microsoft.com/office/drawing/2008/diagram" xmlns:p="http://schemas.openxmlformats.org/presentationml/2006/main" embedTrueTypeFonts="1" saveSubsetFonts="1">
   <p:sldMasterIdLst>
-    <p:sldMasterId id="2147483744" r:id="rId1"/>
+    <p:sldMasterId id="2147483761" r:id="rId1"/>
   </p:sldMasterIdLst>
   <p:notesMasterIdLst>
-    <p:notesMasterId r:id="rId18"/>
+    <p:notesMasterId r:id="rId2"/>
   </p:notesMasterIdLst>
   <p:sldIdLst>
-    <p:sldId id="256" r:id="rId2"/>
-    <p:sldId id="257" r:id="rId3"/>
-    <p:sldId id="258" r:id="rId4"/>
-    <p:sldId id="259" r:id="rId5"/>
-    <p:sldId id="260" r:id="rId6"/>
-    <p:sldId id="261" r:id="rId7"/>
-    <p:sldId id="262" r:id="rId8"/>
-    <p:sldId id="267" r:id="rId9"/>
-    <p:sldId id="268" r:id="rId10"/>
-    <p:sldId id="269" r:id="rId11"/>
-    <p:sldId id="270" r:id="rId12"/>
-    <p:sldId id="271" r:id="rId13"/>
-    <p:sldId id="272" r:id="rId14"/>
-    <p:sldId id="273" r:id="rId15"/>
-    <p:sldId id="274" r:id="rId16"/>
-    <p:sldId id="275" r:id="rId17"/>
+    <p:sldId id="256" r:id="rId3"/>
+    <p:sldId id="257" r:id="rId4"/>
+    <p:sldId id="258" r:id="rId5"/>
+    <p:sldId id="259" r:id="rId6"/>
+    <p:sldId id="260" r:id="rId7"/>
+    <p:sldId id="261" r:id="rId8"/>
+    <p:sldId id="262" r:id="rId9"/>
+    <p:sldId id="263" r:id="rId10"/>
+    <p:sldId id="264" r:id="rId11"/>
+    <p:sldId id="265" r:id="rId12"/>
+    <p:sldId id="266" r:id="rId13"/>
+    <p:sldId id="267" r:id="rId14"/>
+    <p:sldId id="268" r:id="rId15"/>
+    <p:sldId id="269" r:id="rId16"/>
+    <p:sldId id="270" r:id="rId17"/>
+    <p:sldId id="271" r:id="rId18"/>
   </p:sldIdLst>
   <p:sldSz cx="12192000" cy="6858000"/>
   <p:notesSz cx="6858000" cy="9144000"/>
-  <p:embeddedFontLst>
-    <p:embeddedFont>
-      <p:font typeface="배달의민족 주아" panose="02020603020101020101" pitchFamily="18" charset="-127"/>
-      <p:regular r:id="rId19"/>
-    </p:embeddedFont>
-    <p:embeddedFont>
-      <p:font typeface="맑은 고딕" panose="020B0503020000020004" pitchFamily="50" charset="-127"/>
-      <p:regular r:id="rId20"/>
-      <p:bold r:id="rId21"/>
-    </p:embeddedFont>
-    <p:embeddedFont>
-      <p:font typeface="Wingdings 3" panose="05040102010807070707" pitchFamily="18" charset="2"/>
-      <p:regular r:id="rId22"/>
-    </p:embeddedFont>
-    <p:embeddedFont>
-      <p:font typeface="Arial Black" panose="020B0A04020102020204" pitchFamily="34" charset="0"/>
-      <p:bold r:id="rId23"/>
-    </p:embeddedFont>
-  </p:embeddedFontLst>
   <p:defaultTextStyle>
     <a:defPPr>
       <a:defRPr lang="ko-KR"/>
@@ -141,16 +122,11 @@
       </a:defRPr>
     </a:lvl9pPr>
   </p:defaultTextStyle>
-  <p:extLst>
-    <p:ext uri="{EFAFB233-063F-42B5-8137-9DF3F51BA10A}">
-      <p15:sldGuideLst xmlns:p15="http://schemas.microsoft.com/office/powerpoint/2012/main"/>
-    </p:ext>
-  </p:extLst>
 </p:presentation>
 </file>
 
 <file path=ppt/notesMasters/notesMaster1.xml><?xml version="1.0" encoding="utf-8"?>
-<p:notesMaster xmlns:a="http://schemas.openxmlformats.org/drawingml/2006/main" xmlns:r="http://schemas.openxmlformats.org/officeDocument/2006/relationships" xmlns:p="http://schemas.openxmlformats.org/presentationml/2006/main">
+<p:notesMaster xmlns:r="http://schemas.openxmlformats.org/officeDocument/2006/relationships" xmlns:c="http://schemas.openxmlformats.org/drawingml/2006/chart" xmlns:a="http://schemas.openxmlformats.org/drawingml/2006/main" xmlns:dgm="http://schemas.openxmlformats.org/drawingml/2006/diagram" xmlns:dsp="http://schemas.microsoft.com/office/drawing/2008/diagram" xmlns:p="http://schemas.openxmlformats.org/presentationml/2006/main">
   <p:cSld>
     <p:bg>
       <p:bgRef idx="1001">
@@ -178,7 +154,7 @@
             <a:spLocks noGrp="1"/>
           </p:cNvSpPr>
           <p:nvPr>
-            <p:ph type="hdr" sz="quarter"/>
+            <p:ph type="hdr" sz="quarter" idx="0"/>
           </p:nvPr>
         </p:nvSpPr>
         <p:spPr>
@@ -191,13 +167,20 @@
           </a:prstGeom>
         </p:spPr>
         <p:txBody>
-          <a:bodyPr vert="horz" lIns="91440" tIns="45720" rIns="91440" bIns="45720" rtlCol="0"/>
+          <a:bodyPr vert="horz" lIns="91440" tIns="45720" rIns="91440" bIns="45720"/>
           <a:lstStyle>
             <a:lvl1pPr algn="l">
               <a:defRPr sz="1200"/>
             </a:lvl1pPr>
           </a:lstStyle>
           <a:p>
+            <a:pPr lvl="0">
+              <a:defRPr lang="ko-KR" altLang="en-US"/>
+            </a:pPr>
+            <a:r>
+              <a:rPr lang="ko-KR" altLang="en-US"/>
+              <a:t/>
+            </a:r>
             <a:endParaRPr lang="ko-KR" altLang="en-US"/>
           </a:p>
         </p:txBody>
@@ -222,16 +205,22 @@
           </a:prstGeom>
         </p:spPr>
         <p:txBody>
-          <a:bodyPr vert="horz" lIns="91440" tIns="45720" rIns="91440" bIns="45720" rtlCol="0"/>
+          <a:bodyPr vert="horz" lIns="91440" tIns="45720" rIns="91440" bIns="45720"/>
           <a:lstStyle>
             <a:lvl1pPr algn="r">
               <a:defRPr sz="1200"/>
             </a:lvl1pPr>
           </a:lstStyle>
           <a:p>
-            <a:fld id="{0BAC1BCD-7516-4E0F-BCD5-12A21E7C0F06}" type="datetimeFigureOut">
-              <a:rPr lang="ko-KR" altLang="en-US" smtClean="0"/>
-              <a:t>2021-12-16</a:t>
+            <a:pPr lvl="0">
+              <a:defRPr lang="ko-KR" altLang="en-US"/>
+            </a:pPr>
+            <a:fld id="{0BAC1BCD-7516-4E0F-BCD5-12A21E7C0F06}" type="datetime1">
+              <a:rPr lang="ko-KR" altLang="en-US"/>
+              <a:pPr lvl="0">
+                <a:defRPr lang="ko-KR" altLang="en-US"/>
+              </a:pPr>
+              <a:t>2021-12-17</a:t>
             </a:fld>
             <a:endParaRPr lang="ko-KR" altLang="en-US"/>
           </a:p>
@@ -241,7 +230,7 @@
         <p:nvSpPr>
           <p:cNvPr id="4" name="슬라이드 이미지 개체 틀 3"/>
           <p:cNvSpPr>
-            <a:spLocks noGrp="1" noRot="1" noChangeAspect="1"/>
+            <a:spLocks noGrp="1" noRot="1" noChangeAspect="1" noTextEdit="1"/>
           </p:cNvSpPr>
           <p:nvPr>
             <p:ph type="sldImg" idx="2"/>
@@ -263,9 +252,12 @@
           </a:ln>
         </p:spPr>
         <p:txBody>
-          <a:bodyPr vert="horz" lIns="91440" tIns="45720" rIns="91440" bIns="45720" rtlCol="0" anchor="ctr"/>
-          <a:lstStyle/>
-          <a:p>
+          <a:bodyPr vert="horz" lIns="91440" tIns="45720" rIns="91440" bIns="45720" anchor="ctr"/>
+          <a:lstStyle/>
+          <a:p>
+            <a:pPr lvl="0">
+              <a:defRPr lang="ko-KR" altLang="en-US"/>
+            </a:pPr>
             <a:endParaRPr lang="ko-KR" altLang="en-US"/>
           </a:p>
         </p:txBody>
@@ -290,40 +282,54 @@
           </a:prstGeom>
         </p:spPr>
         <p:txBody>
-          <a:bodyPr vert="horz" lIns="91440" tIns="45720" rIns="91440" bIns="45720" rtlCol="0"/>
-          <a:lstStyle/>
-          <a:p>
-            <a:pPr lvl="0"/>
-            <a:r>
-              <a:rPr lang="ko-KR" altLang="en-US" smtClean="0"/>
+          <a:bodyPr vert="horz" lIns="91440" tIns="45720" rIns="91440" bIns="45720"/>
+          <a:lstStyle/>
+          <a:p>
+            <a:pPr lvl="0">
+              <a:defRPr lang="ko-KR" altLang="en-US"/>
+            </a:pPr>
+            <a:r>
+              <a:rPr lang="ko-KR" altLang="en-US"/>
               <a:t>마스터 텍스트 스타일 편집</a:t>
             </a:r>
-          </a:p>
-          <a:p>
-            <a:pPr lvl="1"/>
-            <a:r>
-              <a:rPr lang="ko-KR" altLang="en-US" smtClean="0"/>
+            <a:endParaRPr lang="ko-KR" altLang="en-US"/>
+          </a:p>
+          <a:p>
+            <a:pPr lvl="1">
+              <a:defRPr lang="ko-KR" altLang="en-US"/>
+            </a:pPr>
+            <a:r>
+              <a:rPr lang="ko-KR" altLang="en-US"/>
               <a:t>둘째 수준</a:t>
             </a:r>
-          </a:p>
-          <a:p>
-            <a:pPr lvl="2"/>
-            <a:r>
-              <a:rPr lang="ko-KR" altLang="en-US" smtClean="0"/>
+            <a:endParaRPr lang="ko-KR" altLang="en-US"/>
+          </a:p>
+          <a:p>
+            <a:pPr lvl="2">
+              <a:defRPr lang="ko-KR" altLang="en-US"/>
+            </a:pPr>
+            <a:r>
+              <a:rPr lang="ko-KR" altLang="en-US"/>
               <a:t>셋째 수준</a:t>
             </a:r>
-          </a:p>
-          <a:p>
-            <a:pPr lvl="3"/>
-            <a:r>
-              <a:rPr lang="ko-KR" altLang="en-US" smtClean="0"/>
+            <a:endParaRPr lang="ko-KR" altLang="en-US"/>
+          </a:p>
+          <a:p>
+            <a:pPr lvl="3">
+              <a:defRPr lang="ko-KR" altLang="en-US"/>
+            </a:pPr>
+            <a:r>
+              <a:rPr lang="ko-KR" altLang="en-US"/>
               <a:t>넷째 수준</a:t>
             </a:r>
-          </a:p>
-          <a:p>
-            <a:pPr lvl="4"/>
-            <a:r>
-              <a:rPr lang="ko-KR" altLang="en-US" smtClean="0"/>
+            <a:endParaRPr lang="ko-KR" altLang="en-US"/>
+          </a:p>
+          <a:p>
+            <a:pPr lvl="4">
+              <a:defRPr lang="ko-KR" altLang="en-US"/>
+            </a:pPr>
+            <a:r>
+              <a:rPr lang="ko-KR" altLang="en-US"/>
               <a:t>다섯째 수준</a:t>
             </a:r>
             <a:endParaRPr lang="ko-KR" altLang="en-US"/>
@@ -350,13 +356,20 @@
           </a:prstGeom>
         </p:spPr>
         <p:txBody>
-          <a:bodyPr vert="horz" lIns="91440" tIns="45720" rIns="91440" bIns="45720" rtlCol="0" anchor="b"/>
+          <a:bodyPr vert="horz" lIns="91440" tIns="45720" rIns="91440" bIns="45720" anchor="b"/>
           <a:lstStyle>
             <a:lvl1pPr algn="l">
               <a:defRPr sz="1200"/>
             </a:lvl1pPr>
           </a:lstStyle>
           <a:p>
+            <a:pPr lvl="0">
+              <a:defRPr lang="ko-KR" altLang="en-US"/>
+            </a:pPr>
+            <a:r>
+              <a:rPr lang="ko-KR" altLang="en-US"/>
+              <a:t/>
+            </a:r>
             <a:endParaRPr lang="ko-KR" altLang="en-US"/>
           </a:p>
         </p:txBody>
@@ -381,15 +394,21 @@
           </a:prstGeom>
         </p:spPr>
         <p:txBody>
-          <a:bodyPr vert="horz" lIns="91440" tIns="45720" rIns="91440" bIns="45720" rtlCol="0" anchor="b"/>
+          <a:bodyPr vert="horz" lIns="91440" tIns="45720" rIns="91440" bIns="45720" anchor="b"/>
           <a:lstStyle>
             <a:lvl1pPr algn="r">
               <a:defRPr sz="1200"/>
             </a:lvl1pPr>
           </a:lstStyle>
           <a:p>
+            <a:pPr lvl="0">
+              <a:defRPr lang="ko-KR" altLang="en-US"/>
+            </a:pPr>
             <a:fld id="{DB113216-76A2-447F-8814-1F61AD8BA06A}" type="slidenum">
-              <a:rPr lang="ko-KR" altLang="en-US" smtClean="0"/>
+              <a:rPr lang="ko-KR" altLang="en-US"/>
+              <a:pPr lvl="0">
+                <a:defRPr lang="ko-KR" altLang="en-US"/>
+              </a:pPr>
               <a:t>‹#›</a:t>
             </a:fld>
             <a:endParaRPr lang="ko-KR" altLang="en-US"/>
@@ -397,13 +416,9 @@
         </p:txBody>
       </p:sp>
     </p:spTree>
-    <p:extLst>
-      <p:ext uri="{BB962C8B-B14F-4D97-AF65-F5344CB8AC3E}">
-        <p14:creationId xmlns:p14="http://schemas.microsoft.com/office/powerpoint/2010/main" val="4000022620"/>
-      </p:ext>
-    </p:extLst>
   </p:cSld>
   <p:clrMap bg1="lt1" tx1="dk1" bg2="lt2" tx2="dk2" accent1="accent1" accent2="accent2" accent3="accent3" accent4="accent4" accent5="accent5" accent6="accent6" hlink="hlink" folHlink="folHlink"/>
+  <p:hf hdr="0" ftr="0" dt="0"/>
   <p:notesStyle>
     <a:lvl1pPr marL="0" algn="l" defTabSz="914400" rtl="0" eaLnBrk="1" latinLnBrk="1" hangingPunct="1">
       <a:defRPr sz="1200" kern="1200">
@@ -500,7 +515,7 @@
 </file>
 
 <file path=ppt/notesSlides/notesSlide1.xml><?xml version="1.0" encoding="utf-8"?>
-<p:notes xmlns:a="http://schemas.openxmlformats.org/drawingml/2006/main" xmlns:r="http://schemas.openxmlformats.org/officeDocument/2006/relationships" xmlns:p="http://schemas.openxmlformats.org/presentationml/2006/main">
+<p:notes xmlns:r="http://schemas.openxmlformats.org/officeDocument/2006/relationships" xmlns:c="http://schemas.openxmlformats.org/drawingml/2006/chart" xmlns:a="http://schemas.openxmlformats.org/drawingml/2006/main" xmlns:dgm="http://schemas.openxmlformats.org/drawingml/2006/diagram" xmlns:dsp="http://schemas.microsoft.com/office/drawing/2008/diagram" xmlns:p="http://schemas.openxmlformats.org/presentationml/2006/main">
   <p:cSld>
     <p:spTree>
       <p:nvGrpSpPr>
@@ -520,10 +535,10 @@
         <p:nvSpPr>
           <p:cNvPr id="2" name="슬라이드 이미지 개체 틀 1"/>
           <p:cNvSpPr>
-            <a:spLocks noGrp="1" noRot="1" noChangeAspect="1"/>
+            <a:spLocks noGrp="1" noRot="1" noChangeAspect="1" noTextEdit="1"/>
           </p:cNvSpPr>
           <p:nvPr>
-            <p:ph type="sldImg"/>
+            <p:ph type="sldImg" idx="0"/>
           </p:nvPr>
         </p:nvSpPr>
         <p:spPr/>
@@ -543,59 +558,12 @@
           <a:bodyPr/>
           <a:lstStyle/>
           <a:p>
-            <a:r>
-              <a:rPr lang="ko-KR" altLang="en-US" smtClean="0"/>
-              <a:t>안녕하세요</a:t>
-            </a:r>
-            <a:r>
-              <a:rPr lang="en-US" altLang="ko-KR" smtClean="0"/>
-              <a:t>.</a:t>
-            </a:r>
-            <a:r>
-              <a:rPr lang="en-US" altLang="ko-KR" baseline="0" smtClean="0"/>
-              <a:t> </a:t>
-            </a:r>
-            <a:r>
-              <a:rPr lang="ko-KR" altLang="en-US" baseline="0" smtClean="0"/>
-              <a:t>강원대학교 </a:t>
-            </a:r>
-            <a:r>
-              <a:rPr lang="en-US" altLang="ko-KR" baseline="0" smtClean="0"/>
-              <a:t>IT </a:t>
-            </a:r>
-            <a:r>
-              <a:rPr lang="ko-KR" altLang="en-US" baseline="0" smtClean="0"/>
-              <a:t>대학 컴퓨터공학과에서 의생명 데이터 과학 연구실에 학부연구생으로 재학중인 최건우 입니다</a:t>
-            </a:r>
-            <a:r>
-              <a:rPr lang="en-US" altLang="ko-KR" baseline="0" smtClean="0"/>
-              <a:t>.</a:t>
-            </a:r>
-          </a:p>
-          <a:p>
-            <a:r>
-              <a:rPr lang="ko-KR" altLang="en-US" baseline="0" smtClean="0"/>
-              <a:t>오늘 발표 제가 발표드릴 내용은 </a:t>
-            </a:r>
-            <a:r>
-              <a:rPr lang="en-US" altLang="ko-KR" baseline="0" smtClean="0"/>
-              <a:t>＂</a:t>
-            </a:r>
-            <a:r>
-              <a:rPr lang="ko-KR" altLang="en-US" baseline="0" smtClean="0"/>
-              <a:t>약물 표적 결합 친화력을 갖는 화합물을 생성하기 위한 딥러닝 모델</a:t>
-            </a:r>
-            <a:r>
-              <a:rPr lang="en-US" altLang="ko-KR" baseline="0" smtClean="0"/>
-              <a:t>“ </a:t>
-            </a:r>
-            <a:r>
-              <a:rPr lang="ko-KR" altLang="en-US" baseline="0" smtClean="0"/>
-              <a:t>입니다</a:t>
-            </a:r>
-            <a:r>
-              <a:rPr lang="en-US" altLang="ko-KR" baseline="0" smtClean="0"/>
-              <a:t>.</a:t>
+            <a:pPr>
+              <a:defRPr lang="ko-KR" altLang="en-US"/>
+            </a:pPr>
+            <a:r>
+              <a:rPr lang="ko-KR" altLang="en-US"/>
+              <a:t/>
             </a:r>
             <a:endParaRPr lang="ko-KR" altLang="en-US"/>
           </a:p>
@@ -616,8 +584,14 @@
           <a:bodyPr/>
           <a:lstStyle/>
           <a:p>
+            <a:pPr lvl="0">
+              <a:defRPr lang="ko-KR" altLang="en-US"/>
+            </a:pPr>
             <a:fld id="{DB113216-76A2-447F-8814-1F61AD8BA06A}" type="slidenum">
-              <a:rPr lang="ko-KR" altLang="en-US" smtClean="0"/>
+              <a:rPr lang="ko-KR" altLang="en-US"/>
+              <a:pPr lvl="0">
+                <a:defRPr lang="ko-KR" altLang="en-US"/>
+              </a:pPr>
               <a:t>1</a:t>
             </a:fld>
             <a:endParaRPr lang="ko-KR" altLang="en-US"/>
@@ -625,20 +599,12 @@
         </p:txBody>
       </p:sp>
     </p:spTree>
-    <p:extLst>
-      <p:ext uri="{BB962C8B-B14F-4D97-AF65-F5344CB8AC3E}">
-        <p14:creationId xmlns:p14="http://schemas.microsoft.com/office/powerpoint/2010/main" val="2146630616"/>
-      </p:ext>
-    </p:extLst>
   </p:cSld>
-  <p:clrMapOvr>
-    <a:masterClrMapping/>
-  </p:clrMapOvr>
 </p:notes>
 </file>
 
-<file path=ppt/notesSlides/notesSlide2.xml><?xml version="1.0" encoding="utf-8"?>
-<p:notes xmlns:a="http://schemas.openxmlformats.org/drawingml/2006/main" xmlns:r="http://schemas.openxmlformats.org/officeDocument/2006/relationships" xmlns:p="http://schemas.openxmlformats.org/presentationml/2006/main">
+<file path=ppt/notesSlides/notesSlide10.xml><?xml version="1.0" encoding="utf-8"?>
+<p:notes xmlns:r="http://schemas.openxmlformats.org/officeDocument/2006/relationships" xmlns:c="http://schemas.openxmlformats.org/drawingml/2006/chart" xmlns:a="http://schemas.openxmlformats.org/drawingml/2006/main" xmlns:dgm="http://schemas.openxmlformats.org/drawingml/2006/diagram" xmlns:dsp="http://schemas.microsoft.com/office/drawing/2008/diagram" xmlns:p="http://schemas.openxmlformats.org/presentationml/2006/main">
   <p:cSld>
     <p:spTree>
       <p:nvGrpSpPr>
@@ -658,10 +624,10 @@
         <p:nvSpPr>
           <p:cNvPr id="2" name="슬라이드 이미지 개체 틀 1"/>
           <p:cNvSpPr>
-            <a:spLocks noGrp="1" noRot="1" noChangeAspect="1"/>
+            <a:spLocks noGrp="1" noRot="1" noChangeAspect="1" noTextEdit="1"/>
           </p:cNvSpPr>
           <p:nvPr>
-            <p:ph type="sldImg"/>
+            <p:ph type="sldImg" idx="0"/>
           </p:nvPr>
         </p:nvSpPr>
         <p:spPr/>
@@ -681,6 +647,13 @@
           <a:bodyPr/>
           <a:lstStyle/>
           <a:p>
+            <a:pPr lvl="0">
+              <a:defRPr lang="ko-KR" altLang="en-US"/>
+            </a:pPr>
+            <a:r>
+              <a:rPr lang="ko-KR" altLang="en-US"/>
+              <a:t/>
+            </a:r>
             <a:endParaRPr lang="ko-KR" altLang="en-US"/>
           </a:p>
         </p:txBody>
@@ -700,29 +673,27 @@
           <a:bodyPr/>
           <a:lstStyle/>
           <a:p>
+            <a:pPr lvl="0">
+              <a:defRPr lang="ko-KR" altLang="en-US"/>
+            </a:pPr>
             <a:fld id="{DB113216-76A2-447F-8814-1F61AD8BA06A}" type="slidenum">
-              <a:rPr lang="ko-KR" altLang="en-US" smtClean="0"/>
-              <a:t>4</a:t>
+              <a:rPr lang="ko-KR" altLang="en-US"/>
+              <a:pPr lvl="0">
+                <a:defRPr lang="ko-KR" altLang="en-US"/>
+              </a:pPr>
+              <a:t>15</a:t>
             </a:fld>
             <a:endParaRPr lang="ko-KR" altLang="en-US"/>
           </a:p>
         </p:txBody>
       </p:sp>
     </p:spTree>
-    <p:extLst>
-      <p:ext uri="{BB962C8B-B14F-4D97-AF65-F5344CB8AC3E}">
-        <p14:creationId xmlns:p14="http://schemas.microsoft.com/office/powerpoint/2010/main" val="3518229224"/>
-      </p:ext>
-    </p:extLst>
   </p:cSld>
-  <p:clrMapOvr>
-    <a:masterClrMapping/>
-  </p:clrMapOvr>
 </p:notes>
 </file>
 
-<file path=ppt/notesSlides/notesSlide3.xml><?xml version="1.0" encoding="utf-8"?>
-<p:notes xmlns:a="http://schemas.openxmlformats.org/drawingml/2006/main" xmlns:r="http://schemas.openxmlformats.org/officeDocument/2006/relationships" xmlns:p="http://schemas.openxmlformats.org/presentationml/2006/main">
+<file path=ppt/notesSlides/notesSlide2.xml><?xml version="1.0" encoding="utf-8"?>
+<p:notes xmlns:r="http://schemas.openxmlformats.org/officeDocument/2006/relationships" xmlns:c="http://schemas.openxmlformats.org/drawingml/2006/chart" xmlns:a="http://schemas.openxmlformats.org/drawingml/2006/main" xmlns:dgm="http://schemas.openxmlformats.org/drawingml/2006/diagram" xmlns:dsp="http://schemas.microsoft.com/office/drawing/2008/diagram" xmlns:p="http://schemas.openxmlformats.org/presentationml/2006/main">
   <p:cSld>
     <p:spTree>
       <p:nvGrpSpPr>
@@ -742,10 +713,10 @@
         <p:nvSpPr>
           <p:cNvPr id="2" name="슬라이드 이미지 개체 틀 1"/>
           <p:cNvSpPr>
-            <a:spLocks noGrp="1" noRot="1" noChangeAspect="1"/>
+            <a:spLocks noGrp="1" noRot="1" noChangeAspect="1" noTextEdit="1"/>
           </p:cNvSpPr>
           <p:nvPr>
-            <p:ph type="sldImg"/>
+            <p:ph type="sldImg" idx="0"/>
           </p:nvPr>
         </p:nvSpPr>
         <p:spPr/>
@@ -765,6 +736,13 @@
           <a:bodyPr/>
           <a:lstStyle/>
           <a:p>
+            <a:pPr lvl="0">
+              <a:defRPr lang="ko-KR" altLang="en-US"/>
+            </a:pPr>
+            <a:r>
+              <a:rPr lang="ko-KR" altLang="en-US"/>
+              <a:t/>
+            </a:r>
             <a:endParaRPr lang="ko-KR" altLang="en-US"/>
           </a:p>
         </p:txBody>
@@ -784,29 +762,27 @@
           <a:bodyPr/>
           <a:lstStyle/>
           <a:p>
+            <a:pPr lvl="0">
+              <a:defRPr lang="ko-KR" altLang="en-US"/>
+            </a:pPr>
             <a:fld id="{DB113216-76A2-447F-8814-1F61AD8BA06A}" type="slidenum">
-              <a:rPr lang="ko-KR" altLang="en-US" smtClean="0"/>
-              <a:t>5</a:t>
+              <a:rPr lang="ko-KR" altLang="en-US"/>
+              <a:pPr lvl="0">
+                <a:defRPr lang="ko-KR" altLang="en-US"/>
+              </a:pPr>
+              <a:t>4</a:t>
             </a:fld>
             <a:endParaRPr lang="ko-KR" altLang="en-US"/>
           </a:p>
         </p:txBody>
       </p:sp>
     </p:spTree>
-    <p:extLst>
-      <p:ext uri="{BB962C8B-B14F-4D97-AF65-F5344CB8AC3E}">
-        <p14:creationId xmlns:p14="http://schemas.microsoft.com/office/powerpoint/2010/main" val="1359543881"/>
-      </p:ext>
-    </p:extLst>
   </p:cSld>
-  <p:clrMapOvr>
-    <a:masterClrMapping/>
-  </p:clrMapOvr>
 </p:notes>
 </file>
 
-<file path=ppt/notesSlides/notesSlide4.xml><?xml version="1.0" encoding="utf-8"?>
-<p:notes xmlns:a="http://schemas.openxmlformats.org/drawingml/2006/main" xmlns:r="http://schemas.openxmlformats.org/officeDocument/2006/relationships" xmlns:p="http://schemas.openxmlformats.org/presentationml/2006/main">
+<file path=ppt/notesSlides/notesSlide3.xml><?xml version="1.0" encoding="utf-8"?>
+<p:notes xmlns:r="http://schemas.openxmlformats.org/officeDocument/2006/relationships" xmlns:c="http://schemas.openxmlformats.org/drawingml/2006/chart" xmlns:a="http://schemas.openxmlformats.org/drawingml/2006/main" xmlns:dgm="http://schemas.openxmlformats.org/drawingml/2006/diagram" xmlns:dsp="http://schemas.microsoft.com/office/drawing/2008/diagram" xmlns:p="http://schemas.openxmlformats.org/presentationml/2006/main">
   <p:cSld>
     <p:spTree>
       <p:nvGrpSpPr>
@@ -826,10 +802,10 @@
         <p:nvSpPr>
           <p:cNvPr id="2" name="슬라이드 이미지 개체 틀 1"/>
           <p:cNvSpPr>
-            <a:spLocks noGrp="1" noRot="1" noChangeAspect="1"/>
+            <a:spLocks noGrp="1" noRot="1" noChangeAspect="1" noTextEdit="1"/>
           </p:cNvSpPr>
           <p:nvPr>
-            <p:ph type="sldImg"/>
+            <p:ph type="sldImg" idx="0"/>
           </p:nvPr>
         </p:nvSpPr>
         <p:spPr/>
@@ -849,63 +825,12 @@
           <a:bodyPr/>
           <a:lstStyle/>
           <a:p>
-            <a:r>
-              <a:rPr lang="en-US" altLang="ko-KR" smtClean="0"/>
-              <a:t>1</a:t>
-            </a:r>
-            <a:r>
-              <a:rPr lang="ko-KR" altLang="en-US" smtClean="0"/>
-              <a:t>차 시장과 </a:t>
-            </a:r>
-            <a:r>
-              <a:rPr lang="en-US" altLang="ko-KR" smtClean="0"/>
-              <a:t>2</a:t>
-            </a:r>
-            <a:r>
-              <a:rPr lang="ko-KR" altLang="en-US" smtClean="0"/>
-              <a:t>차시장의 차이가 있는걸 확인할 수 있습니다</a:t>
-            </a:r>
-            <a:r>
-              <a:rPr lang="en-US" altLang="ko-KR" smtClean="0"/>
-              <a:t>. </a:t>
-            </a:r>
-          </a:p>
-          <a:p>
-            <a:r>
-              <a:rPr lang="ko-KR" altLang="en-US" smtClean="0"/>
-              <a:t>이는 대부분의 </a:t>
-            </a:r>
-            <a:r>
-              <a:rPr lang="en-US" altLang="ko-KR" smtClean="0"/>
-              <a:t>Collector</a:t>
-            </a:r>
-            <a:r>
-              <a:rPr lang="ko-KR" altLang="en-US" smtClean="0"/>
-              <a:t>가 </a:t>
-            </a:r>
-            <a:r>
-              <a:rPr lang="en-US" altLang="ko-KR" smtClean="0"/>
-              <a:t>NFT</a:t>
-            </a:r>
-            <a:r>
-              <a:rPr lang="ko-KR" altLang="en-US" smtClean="0"/>
-              <a:t>를 산 후</a:t>
-            </a:r>
-            <a:r>
-              <a:rPr lang="ko-KR" altLang="en-US" baseline="0" smtClean="0"/>
-              <a:t> 바로 매각하는 것이 아닌</a:t>
-            </a:r>
-            <a:r>
-              <a:rPr lang="en-US" altLang="ko-KR" baseline="0" smtClean="0"/>
-              <a:t>, </a:t>
-            </a:r>
-            <a:r>
-              <a:rPr lang="ko-KR" altLang="en-US" baseline="0" smtClean="0"/>
-              <a:t> 소지하고 있다는 것을 의미할 수 있습니다ㅣ</a:t>
-            </a:r>
-            <a:r>
-              <a:rPr lang="en-US" altLang="ko-KR" baseline="0" smtClean="0"/>
-              <a:t>.</a:t>
+            <a:pPr lvl="0">
+              <a:defRPr lang="ko-KR" altLang="en-US"/>
+            </a:pPr>
+            <a:r>
+              <a:rPr lang="ko-KR" altLang="en-US"/>
+              <a:t/>
             </a:r>
             <a:endParaRPr lang="ko-KR" altLang="en-US"/>
           </a:p>
@@ -926,29 +851,27 @@
           <a:bodyPr/>
           <a:lstStyle/>
           <a:p>
+            <a:pPr lvl="0">
+              <a:defRPr lang="ko-KR" altLang="en-US"/>
+            </a:pPr>
             <a:fld id="{DB113216-76A2-447F-8814-1F61AD8BA06A}" type="slidenum">
-              <a:rPr lang="ko-KR" altLang="en-US" smtClean="0"/>
-              <a:t>7</a:t>
+              <a:rPr lang="ko-KR" altLang="en-US"/>
+              <a:pPr lvl="0">
+                <a:defRPr lang="ko-KR" altLang="en-US"/>
+              </a:pPr>
+              <a:t>5</a:t>
             </a:fld>
             <a:endParaRPr lang="ko-KR" altLang="en-US"/>
           </a:p>
         </p:txBody>
       </p:sp>
     </p:spTree>
-    <p:extLst>
-      <p:ext uri="{BB962C8B-B14F-4D97-AF65-F5344CB8AC3E}">
-        <p14:creationId xmlns:p14="http://schemas.microsoft.com/office/powerpoint/2010/main" val="3370098899"/>
-      </p:ext>
-    </p:extLst>
   </p:cSld>
-  <p:clrMapOvr>
-    <a:masterClrMapping/>
-  </p:clrMapOvr>
 </p:notes>
 </file>
 
-<file path=ppt/notesSlides/notesSlide5.xml><?xml version="1.0" encoding="utf-8"?>
-<p:notes xmlns:a="http://schemas.openxmlformats.org/drawingml/2006/main" xmlns:r="http://schemas.openxmlformats.org/officeDocument/2006/relationships" xmlns:p="http://schemas.openxmlformats.org/presentationml/2006/main">
+<file path=ppt/notesSlides/notesSlide4.xml><?xml version="1.0" encoding="utf-8"?>
+<p:notes xmlns:r="http://schemas.openxmlformats.org/officeDocument/2006/relationships" xmlns:c="http://schemas.openxmlformats.org/drawingml/2006/chart" xmlns:a="http://schemas.openxmlformats.org/drawingml/2006/main" xmlns:dgm="http://schemas.openxmlformats.org/drawingml/2006/diagram" xmlns:dsp="http://schemas.microsoft.com/office/drawing/2008/diagram" xmlns:p="http://schemas.openxmlformats.org/presentationml/2006/main">
   <p:cSld>
     <p:spTree>
       <p:nvGrpSpPr>
@@ -968,10 +891,10 @@
         <p:nvSpPr>
           <p:cNvPr id="2" name="슬라이드 이미지 개체 틀 1"/>
           <p:cNvSpPr>
-            <a:spLocks noGrp="1" noRot="1" noChangeAspect="1"/>
+            <a:spLocks noGrp="1" noRot="1" noChangeAspect="1" noTextEdit="1"/>
           </p:cNvSpPr>
           <p:nvPr>
-            <p:ph type="sldImg"/>
+            <p:ph type="sldImg" idx="0"/>
           </p:nvPr>
         </p:nvSpPr>
         <p:spPr/>
@@ -991,6 +914,67 @@
           <a:bodyPr/>
           <a:lstStyle/>
           <a:p>
+            <a:pPr lvl="0">
+              <a:defRPr lang="ko-KR" altLang="en-US"/>
+            </a:pPr>
+            <a:r>
+              <a:rPr lang="en-US" altLang="ko-KR"/>
+              <a:t>1</a:t>
+            </a:r>
+            <a:r>
+              <a:rPr lang="ko-KR" altLang="en-US"/>
+              <a:t>차 시장과 </a:t>
+            </a:r>
+            <a:r>
+              <a:rPr lang="en-US" altLang="ko-KR"/>
+              <a:t>2</a:t>
+            </a:r>
+            <a:r>
+              <a:rPr lang="ko-KR" altLang="en-US"/>
+              <a:t>차시장의 차이가 있는걸 확인할 수 있습니다</a:t>
+            </a:r>
+            <a:r>
+              <a:rPr lang="en-US" altLang="ko-KR"/>
+              <a:t>. </a:t>
+            </a:r>
+            <a:endParaRPr lang="en-US" altLang="ko-KR"/>
+          </a:p>
+          <a:p>
+            <a:pPr lvl="0">
+              <a:defRPr lang="ko-KR" altLang="en-US"/>
+            </a:pPr>
+            <a:r>
+              <a:rPr lang="ko-KR" altLang="en-US"/>
+              <a:t>이는 대부분의 </a:t>
+            </a:r>
+            <a:r>
+              <a:rPr lang="en-US" altLang="ko-KR"/>
+              <a:t>Collector</a:t>
+            </a:r>
+            <a:r>
+              <a:rPr lang="ko-KR" altLang="en-US"/>
+              <a:t>가 </a:t>
+            </a:r>
+            <a:r>
+              <a:rPr lang="en-US" altLang="ko-KR"/>
+              <a:t>NFT</a:t>
+            </a:r>
+            <a:r>
+              <a:rPr lang="ko-KR" altLang="en-US"/>
+              <a:t>를 산 후 바로 매각하는 것이 아닌</a:t>
+            </a:r>
+            <a:r>
+              <a:rPr lang="en-US" altLang="ko-KR"/>
+              <a:t>, </a:t>
+            </a:r>
+            <a:r>
+              <a:rPr lang="ko-KR" altLang="en-US"/>
+              <a:t> 소지하고 있다는 것을 의미할 수 있습니다ㅣ</a:t>
+            </a:r>
+            <a:r>
+              <a:rPr lang="en-US" altLang="ko-KR"/>
+              <a:t>.</a:t>
+            </a:r>
             <a:endParaRPr lang="ko-KR" altLang="en-US"/>
           </a:p>
         </p:txBody>
@@ -1010,29 +994,27 @@
           <a:bodyPr/>
           <a:lstStyle/>
           <a:p>
+            <a:pPr lvl="0">
+              <a:defRPr lang="ko-KR" altLang="en-US"/>
+            </a:pPr>
             <a:fld id="{DB113216-76A2-447F-8814-1F61AD8BA06A}" type="slidenum">
-              <a:rPr lang="ko-KR" altLang="en-US" smtClean="0"/>
-              <a:t>12</a:t>
+              <a:rPr lang="ko-KR" altLang="en-US"/>
+              <a:pPr lvl="0">
+                <a:defRPr lang="ko-KR" altLang="en-US"/>
+              </a:pPr>
+              <a:t>7</a:t>
             </a:fld>
             <a:endParaRPr lang="ko-KR" altLang="en-US"/>
           </a:p>
         </p:txBody>
       </p:sp>
     </p:spTree>
-    <p:extLst>
-      <p:ext uri="{BB962C8B-B14F-4D97-AF65-F5344CB8AC3E}">
-        <p14:creationId xmlns:p14="http://schemas.microsoft.com/office/powerpoint/2010/main" val="138087676"/>
-      </p:ext>
-    </p:extLst>
   </p:cSld>
-  <p:clrMapOvr>
-    <a:masterClrMapping/>
-  </p:clrMapOvr>
 </p:notes>
 </file>
 
-<file path=ppt/notesSlides/notesSlide6.xml><?xml version="1.0" encoding="utf-8"?>
-<p:notes xmlns:a="http://schemas.openxmlformats.org/drawingml/2006/main" xmlns:r="http://schemas.openxmlformats.org/officeDocument/2006/relationships" xmlns:p="http://schemas.openxmlformats.org/presentationml/2006/main">
+<file path=ppt/notesSlides/notesSlide5.xml><?xml version="1.0" encoding="utf-8"?>
+<p:notes xmlns:r="http://schemas.openxmlformats.org/officeDocument/2006/relationships" xmlns:c="http://schemas.openxmlformats.org/drawingml/2006/chart" xmlns:a="http://schemas.openxmlformats.org/drawingml/2006/main" xmlns:dgm="http://schemas.openxmlformats.org/drawingml/2006/diagram" xmlns:dsp="http://schemas.microsoft.com/office/drawing/2008/diagram" xmlns:p="http://schemas.openxmlformats.org/presentationml/2006/main">
   <p:cSld>
     <p:spTree>
       <p:nvGrpSpPr>
@@ -1050,24 +1032,34 @@
       </p:grpSpPr>
       <p:sp>
         <p:nvSpPr>
-          <p:cNvPr id="2" name="슬라이드 이미지 개체 틀 1"/>
+          <p:cNvPr id="2" name="슬라이드 이미지 개체 틀 3"/>
           <p:cNvSpPr>
-            <a:spLocks noGrp="1" noRot="1" noChangeAspect="1"/>
+            <a:spLocks noGrp="1" noRot="1" noChangeAspect="1" noTextEdit="1"/>
           </p:cNvSpPr>
           <p:nvPr>
-            <p:ph type="sldImg"/>
+            <p:ph type="sldImg" idx="2"/>
           </p:nvPr>
         </p:nvSpPr>
         <p:spPr/>
-      </p:sp>
-      <p:sp>
-        <p:nvSpPr>
-          <p:cNvPr id="3" name="슬라이드 노트 개체 틀 2"/>
+        <p:txBody>
+          <a:bodyPr/>
+          <a:lstStyle/>
+          <a:p>
+            <a:pPr>
+              <a:defRPr lang="ko-KR" altLang="en-US"/>
+            </a:pPr>
+            <a:endParaRPr lang="ko-KR" altLang="en-US"/>
+          </a:p>
+        </p:txBody>
+      </p:sp>
+      <p:sp>
+        <p:nvSpPr>
+          <p:cNvPr id="3" name="슬라이드 노트 개체 틀 4"/>
           <p:cNvSpPr>
             <a:spLocks noGrp="1"/>
           </p:cNvSpPr>
           <p:nvPr>
-            <p:ph type="body" idx="1"/>
+            <p:ph type="body" sz="quarter" idx="3"/>
           </p:nvPr>
         </p:nvSpPr>
         <p:spPr/>
@@ -1075,18 +1067,25 @@
           <a:bodyPr/>
           <a:lstStyle/>
           <a:p>
-            <a:endParaRPr lang="ko-KR" altLang="en-US"/>
-          </a:p>
-        </p:txBody>
-      </p:sp>
-      <p:sp>
-        <p:nvSpPr>
-          <p:cNvPr id="4" name="슬라이드 번호 개체 틀 3"/>
+            <a:pPr>
+              <a:defRPr lang="ko-KR" altLang="en-US"/>
+            </a:pPr>
+            <a:r>
+              <a:rPr lang="ko-KR" altLang="en-US"/>
+              <a:t/>
+            </a:r>
+            <a:endParaRPr lang="ko-KR" altLang="en-US"/>
+          </a:p>
+        </p:txBody>
+      </p:sp>
+      <p:sp>
+        <p:nvSpPr>
+          <p:cNvPr id="4" name="슬라이드 번호 개체 틀 6"/>
           <p:cNvSpPr>
             <a:spLocks noGrp="1"/>
           </p:cNvSpPr>
           <p:nvPr>
-            <p:ph type="sldNum" sz="quarter" idx="10"/>
+            <p:ph type="sldNum" sz="quarter" idx="5"/>
           </p:nvPr>
         </p:nvSpPr>
         <p:spPr/>
@@ -1094,29 +1093,27 @@
           <a:bodyPr/>
           <a:lstStyle/>
           <a:p>
+            <a:pPr lvl="0">
+              <a:defRPr lang="ko-KR" altLang="en-US"/>
+            </a:pPr>
             <a:fld id="{DB113216-76A2-447F-8814-1F61AD8BA06A}" type="slidenum">
-              <a:rPr lang="ko-KR" altLang="en-US" smtClean="0"/>
-              <a:t>13</a:t>
+              <a:rPr lang="en-US" altLang="en-US"/>
+              <a:pPr lvl="0">
+                <a:defRPr lang="ko-KR" altLang="en-US"/>
+              </a:pPr>
+              <a:t>9</a:t>
             </a:fld>
-            <a:endParaRPr lang="ko-KR" altLang="en-US"/>
+            <a:endParaRPr lang="en-US" altLang="en-US"/>
           </a:p>
         </p:txBody>
       </p:sp>
     </p:spTree>
-    <p:extLst>
-      <p:ext uri="{BB962C8B-B14F-4D97-AF65-F5344CB8AC3E}">
-        <p14:creationId xmlns:p14="http://schemas.microsoft.com/office/powerpoint/2010/main" val="2835362132"/>
-      </p:ext>
-    </p:extLst>
   </p:cSld>
-  <p:clrMapOvr>
-    <a:masterClrMapping/>
-  </p:clrMapOvr>
 </p:notes>
 </file>
 
-<file path=ppt/notesSlides/notesSlide7.xml><?xml version="1.0" encoding="utf-8"?>
-<p:notes xmlns:a="http://schemas.openxmlformats.org/drawingml/2006/main" xmlns:r="http://schemas.openxmlformats.org/officeDocument/2006/relationships" xmlns:p="http://schemas.openxmlformats.org/presentationml/2006/main">
+<file path=ppt/notesSlides/notesSlide6.xml><?xml version="1.0" encoding="utf-8"?>
+<p:notes xmlns:r="http://schemas.openxmlformats.org/officeDocument/2006/relationships" xmlns:c="http://schemas.openxmlformats.org/drawingml/2006/chart" xmlns:a="http://schemas.openxmlformats.org/drawingml/2006/main" xmlns:dgm="http://schemas.openxmlformats.org/drawingml/2006/diagram" xmlns:dsp="http://schemas.microsoft.com/office/drawing/2008/diagram" xmlns:p="http://schemas.openxmlformats.org/presentationml/2006/main">
   <p:cSld>
     <p:spTree>
       <p:nvGrpSpPr>
@@ -1134,24 +1131,34 @@
       </p:grpSpPr>
       <p:sp>
         <p:nvSpPr>
-          <p:cNvPr id="2" name="슬라이드 이미지 개체 틀 1"/>
+          <p:cNvPr id="2" name="슬라이드 이미지 개체 틀 3"/>
           <p:cNvSpPr>
-            <a:spLocks noGrp="1" noRot="1" noChangeAspect="1"/>
+            <a:spLocks noGrp="1" noRot="1" noChangeAspect="1" noTextEdit="1"/>
           </p:cNvSpPr>
           <p:nvPr>
-            <p:ph type="sldImg"/>
+            <p:ph type="sldImg" idx="2"/>
           </p:nvPr>
         </p:nvSpPr>
         <p:spPr/>
-      </p:sp>
-      <p:sp>
-        <p:nvSpPr>
-          <p:cNvPr id="3" name="슬라이드 노트 개체 틀 2"/>
+        <p:txBody>
+          <a:bodyPr/>
+          <a:lstStyle/>
+          <a:p>
+            <a:pPr>
+              <a:defRPr lang="ko-KR" altLang="en-US"/>
+            </a:pPr>
+            <a:endParaRPr lang="ko-KR" altLang="en-US"/>
+          </a:p>
+        </p:txBody>
+      </p:sp>
+      <p:sp>
+        <p:nvSpPr>
+          <p:cNvPr id="3" name="슬라이드 노트 개체 틀 4"/>
           <p:cNvSpPr>
             <a:spLocks noGrp="1"/>
           </p:cNvSpPr>
           <p:nvPr>
-            <p:ph type="body" idx="1"/>
+            <p:ph type="body" sz="quarter" idx="3"/>
           </p:nvPr>
         </p:nvSpPr>
         <p:spPr/>
@@ -1159,18 +1166,25 @@
           <a:bodyPr/>
           <a:lstStyle/>
           <a:p>
-            <a:endParaRPr lang="ko-KR" altLang="en-US"/>
-          </a:p>
-        </p:txBody>
-      </p:sp>
-      <p:sp>
-        <p:nvSpPr>
-          <p:cNvPr id="4" name="슬라이드 번호 개체 틀 3"/>
+            <a:pPr>
+              <a:defRPr lang="ko-KR" altLang="en-US"/>
+            </a:pPr>
+            <a:r>
+              <a:rPr lang="ko-KR" altLang="en-US"/>
+              <a:t/>
+            </a:r>
+            <a:endParaRPr lang="ko-KR" altLang="en-US"/>
+          </a:p>
+        </p:txBody>
+      </p:sp>
+      <p:sp>
+        <p:nvSpPr>
+          <p:cNvPr id="4" name="슬라이드 번호 개체 틀 6"/>
           <p:cNvSpPr>
             <a:spLocks noGrp="1"/>
           </p:cNvSpPr>
           <p:nvPr>
-            <p:ph type="sldNum" sz="quarter" idx="10"/>
+            <p:ph type="sldNum" sz="quarter" idx="5"/>
           </p:nvPr>
         </p:nvSpPr>
         <p:spPr/>
@@ -1178,29 +1192,27 @@
           <a:bodyPr/>
           <a:lstStyle/>
           <a:p>
+            <a:pPr lvl="0">
+              <a:defRPr lang="ko-KR" altLang="en-US"/>
+            </a:pPr>
             <a:fld id="{DB113216-76A2-447F-8814-1F61AD8BA06A}" type="slidenum">
-              <a:rPr lang="ko-KR" altLang="en-US" smtClean="0"/>
-              <a:t>14</a:t>
+              <a:rPr lang="en-US" altLang="en-US"/>
+              <a:pPr lvl="0">
+                <a:defRPr lang="ko-KR" altLang="en-US"/>
+              </a:pPr>
+              <a:t>9</a:t>
             </a:fld>
-            <a:endParaRPr lang="ko-KR" altLang="en-US"/>
+            <a:endParaRPr lang="en-US" altLang="en-US"/>
           </a:p>
         </p:txBody>
       </p:sp>
     </p:spTree>
-    <p:extLst>
-      <p:ext uri="{BB962C8B-B14F-4D97-AF65-F5344CB8AC3E}">
-        <p14:creationId xmlns:p14="http://schemas.microsoft.com/office/powerpoint/2010/main" val="3862892885"/>
-      </p:ext>
-    </p:extLst>
   </p:cSld>
-  <p:clrMapOvr>
-    <a:masterClrMapping/>
-  </p:clrMapOvr>
 </p:notes>
 </file>
 
-<file path=ppt/notesSlides/notesSlide8.xml><?xml version="1.0" encoding="utf-8"?>
-<p:notes xmlns:a="http://schemas.openxmlformats.org/drawingml/2006/main" xmlns:r="http://schemas.openxmlformats.org/officeDocument/2006/relationships" xmlns:p="http://schemas.openxmlformats.org/presentationml/2006/main">
+<file path=ppt/notesSlides/notesSlide7.xml><?xml version="1.0" encoding="utf-8"?>
+<p:notes xmlns:r="http://schemas.openxmlformats.org/officeDocument/2006/relationships" xmlns:c="http://schemas.openxmlformats.org/drawingml/2006/chart" xmlns:a="http://schemas.openxmlformats.org/drawingml/2006/main" xmlns:dgm="http://schemas.openxmlformats.org/drawingml/2006/diagram" xmlns:dsp="http://schemas.microsoft.com/office/drawing/2008/diagram" xmlns:p="http://schemas.openxmlformats.org/presentationml/2006/main">
   <p:cSld>
     <p:spTree>
       <p:nvGrpSpPr>
@@ -1220,10 +1232,10 @@
         <p:nvSpPr>
           <p:cNvPr id="2" name="슬라이드 이미지 개체 틀 1"/>
           <p:cNvSpPr>
-            <a:spLocks noGrp="1" noRot="1" noChangeAspect="1"/>
+            <a:spLocks noGrp="1" noRot="1" noChangeAspect="1" noTextEdit="1"/>
           </p:cNvSpPr>
           <p:nvPr>
-            <p:ph type="sldImg"/>
+            <p:ph type="sldImg" idx="0"/>
           </p:nvPr>
         </p:nvSpPr>
         <p:spPr/>
@@ -1243,6 +1255,13 @@
           <a:bodyPr/>
           <a:lstStyle/>
           <a:p>
+            <a:pPr lvl="0">
+              <a:defRPr lang="ko-KR" altLang="en-US"/>
+            </a:pPr>
+            <a:r>
+              <a:rPr lang="ko-KR" altLang="en-US"/>
+              <a:t/>
+            </a:r>
             <a:endParaRPr lang="ko-KR" altLang="en-US"/>
           </a:p>
         </p:txBody>
@@ -1262,24 +1281,200 @@
           <a:bodyPr/>
           <a:lstStyle/>
           <a:p>
+            <a:pPr lvl="0">
+              <a:defRPr lang="ko-KR" altLang="en-US"/>
+            </a:pPr>
             <a:fld id="{DB113216-76A2-447F-8814-1F61AD8BA06A}" type="slidenum">
-              <a:rPr lang="ko-KR" altLang="en-US" smtClean="0"/>
-              <a:t>15</a:t>
+              <a:rPr lang="ko-KR" altLang="en-US"/>
+              <a:pPr lvl="0">
+                <a:defRPr lang="ko-KR" altLang="en-US"/>
+              </a:pPr>
+              <a:t>12</a:t>
             </a:fld>
             <a:endParaRPr lang="ko-KR" altLang="en-US"/>
           </a:p>
         </p:txBody>
       </p:sp>
     </p:spTree>
-    <p:extLst>
-      <p:ext uri="{BB962C8B-B14F-4D97-AF65-F5344CB8AC3E}">
-        <p14:creationId xmlns:p14="http://schemas.microsoft.com/office/powerpoint/2010/main" val="1242253370"/>
-      </p:ext>
-    </p:extLst>
   </p:cSld>
-  <p:clrMapOvr>
-    <a:masterClrMapping/>
-  </p:clrMapOvr>
+</p:notes>
+</file>
+
+<file path=ppt/notesSlides/notesSlide8.xml><?xml version="1.0" encoding="utf-8"?>
+<p:notes xmlns:r="http://schemas.openxmlformats.org/officeDocument/2006/relationships" xmlns:c="http://schemas.openxmlformats.org/drawingml/2006/chart" xmlns:a="http://schemas.openxmlformats.org/drawingml/2006/main" xmlns:dgm="http://schemas.openxmlformats.org/drawingml/2006/diagram" xmlns:dsp="http://schemas.microsoft.com/office/drawing/2008/diagram" xmlns:p="http://schemas.openxmlformats.org/presentationml/2006/main">
+  <p:cSld>
+    <p:spTree>
+      <p:nvGrpSpPr>
+        <p:cNvPr id="1" name=""/>
+        <p:cNvGrpSpPr/>
+        <p:nvPr/>
+      </p:nvGrpSpPr>
+      <p:grpSpPr>
+        <a:xfrm>
+          <a:off x="0" y="0"/>
+          <a:ext cx="0" cy="0"/>
+          <a:chOff x="0" y="0"/>
+          <a:chExt cx="0" cy="0"/>
+        </a:xfrm>
+      </p:grpSpPr>
+      <p:sp>
+        <p:nvSpPr>
+          <p:cNvPr id="2" name="슬라이드 이미지 개체 틀 1"/>
+          <p:cNvSpPr>
+            <a:spLocks noGrp="1" noRot="1" noChangeAspect="1" noTextEdit="1"/>
+          </p:cNvSpPr>
+          <p:nvPr>
+            <p:ph type="sldImg" idx="0"/>
+          </p:nvPr>
+        </p:nvSpPr>
+        <p:spPr/>
+      </p:sp>
+      <p:sp>
+        <p:nvSpPr>
+          <p:cNvPr id="3" name="슬라이드 노트 개체 틀 2"/>
+          <p:cNvSpPr>
+            <a:spLocks noGrp="1"/>
+          </p:cNvSpPr>
+          <p:nvPr>
+            <p:ph type="body" idx="1"/>
+          </p:nvPr>
+        </p:nvSpPr>
+        <p:spPr/>
+        <p:txBody>
+          <a:bodyPr/>
+          <a:lstStyle/>
+          <a:p>
+            <a:pPr lvl="0">
+              <a:defRPr lang="ko-KR" altLang="en-US"/>
+            </a:pPr>
+            <a:r>
+              <a:rPr lang="ko-KR" altLang="en-US"/>
+              <a:t/>
+            </a:r>
+            <a:endParaRPr lang="ko-KR" altLang="en-US"/>
+          </a:p>
+        </p:txBody>
+      </p:sp>
+      <p:sp>
+        <p:nvSpPr>
+          <p:cNvPr id="4" name="슬라이드 번호 개체 틀 3"/>
+          <p:cNvSpPr>
+            <a:spLocks noGrp="1"/>
+          </p:cNvSpPr>
+          <p:nvPr>
+            <p:ph type="sldNum" sz="quarter" idx="10"/>
+          </p:nvPr>
+        </p:nvSpPr>
+        <p:spPr/>
+        <p:txBody>
+          <a:bodyPr/>
+          <a:lstStyle/>
+          <a:p>
+            <a:pPr lvl="0">
+              <a:defRPr lang="ko-KR" altLang="en-US"/>
+            </a:pPr>
+            <a:fld id="{DB113216-76A2-447F-8814-1F61AD8BA06A}" type="slidenum">
+              <a:rPr lang="ko-KR" altLang="en-US"/>
+              <a:pPr lvl="0">
+                <a:defRPr lang="ko-KR" altLang="en-US"/>
+              </a:pPr>
+              <a:t>13</a:t>
+            </a:fld>
+            <a:endParaRPr lang="ko-KR" altLang="en-US"/>
+          </a:p>
+        </p:txBody>
+      </p:sp>
+    </p:spTree>
+  </p:cSld>
+</p:notes>
+</file>
+
+<file path=ppt/notesSlides/notesSlide9.xml><?xml version="1.0" encoding="utf-8"?>
+<p:notes xmlns:r="http://schemas.openxmlformats.org/officeDocument/2006/relationships" xmlns:c="http://schemas.openxmlformats.org/drawingml/2006/chart" xmlns:a="http://schemas.openxmlformats.org/drawingml/2006/main" xmlns:dgm="http://schemas.openxmlformats.org/drawingml/2006/diagram" xmlns:dsp="http://schemas.microsoft.com/office/drawing/2008/diagram" xmlns:p="http://schemas.openxmlformats.org/presentationml/2006/main">
+  <p:cSld>
+    <p:spTree>
+      <p:nvGrpSpPr>
+        <p:cNvPr id="1" name=""/>
+        <p:cNvGrpSpPr/>
+        <p:nvPr/>
+      </p:nvGrpSpPr>
+      <p:grpSpPr>
+        <a:xfrm>
+          <a:off x="0" y="0"/>
+          <a:ext cx="0" cy="0"/>
+          <a:chOff x="0" y="0"/>
+          <a:chExt cx="0" cy="0"/>
+        </a:xfrm>
+      </p:grpSpPr>
+      <p:sp>
+        <p:nvSpPr>
+          <p:cNvPr id="2" name="슬라이드 이미지 개체 틀 1"/>
+          <p:cNvSpPr>
+            <a:spLocks noGrp="1" noRot="1" noChangeAspect="1" noTextEdit="1"/>
+          </p:cNvSpPr>
+          <p:nvPr>
+            <p:ph type="sldImg" idx="0"/>
+          </p:nvPr>
+        </p:nvSpPr>
+        <p:spPr/>
+      </p:sp>
+      <p:sp>
+        <p:nvSpPr>
+          <p:cNvPr id="3" name="슬라이드 노트 개체 틀 2"/>
+          <p:cNvSpPr>
+            <a:spLocks noGrp="1"/>
+          </p:cNvSpPr>
+          <p:nvPr>
+            <p:ph type="body" idx="1"/>
+          </p:nvPr>
+        </p:nvSpPr>
+        <p:spPr/>
+        <p:txBody>
+          <a:bodyPr/>
+          <a:lstStyle/>
+          <a:p>
+            <a:pPr lvl="0">
+              <a:defRPr lang="ko-KR" altLang="en-US"/>
+            </a:pPr>
+            <a:r>
+              <a:rPr lang="ko-KR" altLang="en-US"/>
+              <a:t/>
+            </a:r>
+            <a:endParaRPr lang="ko-KR" altLang="en-US"/>
+          </a:p>
+        </p:txBody>
+      </p:sp>
+      <p:sp>
+        <p:nvSpPr>
+          <p:cNvPr id="4" name="슬라이드 번호 개체 틀 3"/>
+          <p:cNvSpPr>
+            <a:spLocks noGrp="1"/>
+          </p:cNvSpPr>
+          <p:nvPr>
+            <p:ph type="sldNum" sz="quarter" idx="10"/>
+          </p:nvPr>
+        </p:nvSpPr>
+        <p:spPr/>
+        <p:txBody>
+          <a:bodyPr/>
+          <a:lstStyle/>
+          <a:p>
+            <a:pPr lvl="0">
+              <a:defRPr lang="ko-KR" altLang="en-US"/>
+            </a:pPr>
+            <a:fld id="{DB113216-76A2-447F-8814-1F61AD8BA06A}" type="slidenum">
+              <a:rPr lang="ko-KR" altLang="en-US"/>
+              <a:pPr lvl="0">
+                <a:defRPr lang="ko-KR" altLang="en-US"/>
+              </a:pPr>
+              <a:t>14</a:t>
+            </a:fld>
+            <a:endParaRPr lang="ko-KR" altLang="en-US"/>
+          </a:p>
+        </p:txBody>
+      </p:sp>
+    </p:spTree>
+  </p:cSld>
 </p:notes>
 </file>
 
@@ -5818,7 +6013,7 @@
 </file>
 
 <file path=ppt/slides/slide1.xml><?xml version="1.0" encoding="utf-8"?>
-<p:sld xmlns:a="http://schemas.openxmlformats.org/drawingml/2006/main" xmlns:r="http://schemas.openxmlformats.org/officeDocument/2006/relationships" xmlns:p="http://schemas.openxmlformats.org/presentationml/2006/main">
+<p:sld xmlns:r="http://schemas.openxmlformats.org/officeDocument/2006/relationships" xmlns:c="http://schemas.openxmlformats.org/drawingml/2006/chart" xmlns:a="http://schemas.openxmlformats.org/drawingml/2006/main" xmlns:dgm="http://schemas.openxmlformats.org/drawingml/2006/diagram" xmlns:dsp="http://schemas.microsoft.com/office/drawing/2008/diagram" xmlns:p="http://schemas.openxmlformats.org/presentationml/2006/main" showMasterSp="0">
   <p:cSld>
     <p:spTree>
       <p:nvGrpSpPr>
@@ -5841,7 +6036,7 @@
             <a:spLocks noGrp="1"/>
           </p:cNvSpPr>
           <p:nvPr>
-            <p:ph type="ctrTitle"/>
+            <p:ph type="ctrTitle" idx="0"/>
           </p:nvPr>
         </p:nvSpPr>
         <p:spPr>
@@ -5852,12 +6047,15 @@
         </p:spPr>
         <p:txBody>
           <a:bodyPr>
-            <a:normAutofit/>
+            <a:normAutofit lnSpcReduction="0"/>
           </a:bodyPr>
           <a:lstStyle/>
           <a:p>
-            <a:r>
-              <a:rPr lang="en-US" altLang="ko-KR" sz="2800" smtClean="0">
+            <a:pPr lvl="0">
+              <a:defRPr lang="ko-KR" altLang="en-US"/>
+            </a:pPr>
+            <a:r>
+              <a:rPr lang="en-US" altLang="ko-KR" sz="2800">
                 <a:solidFill>
                   <a:schemeClr val="tx1"/>
                 </a:solidFill>
@@ -5865,7 +6063,7 @@
               <a:t>201911911 </a:t>
             </a:r>
             <a:r>
-              <a:rPr lang="ko-KR" altLang="en-US" sz="2800" smtClean="0">
+              <a:rPr lang="ko-KR" altLang="en-US" sz="2800">
                 <a:solidFill>
                   <a:schemeClr val="tx1"/>
                 </a:solidFill>
@@ -5883,9 +6081,7 @@
       <p:sp>
         <p:nvSpPr>
           <p:cNvPr id="4" name="제목 1"/>
-          <p:cNvSpPr txBox="1">
-            <a:spLocks/>
-          </p:cNvSpPr>
+          <p:cNvSpPr txBox="1"/>
           <p:nvPr/>
         </p:nvSpPr>
         <p:spPr>
@@ -5898,7 +6094,7 @@
           </a:prstGeom>
         </p:spPr>
         <p:txBody>
-          <a:bodyPr vert="horz" lIns="91440" tIns="45720" rIns="91440" bIns="45720" rtlCol="0" anchor="t">
+          <a:bodyPr vert="horz" lIns="91440" tIns="45720" rIns="91440" bIns="45720" anchor="t">
             <a:noAutofit/>
           </a:bodyPr>
           <a:lstStyle>
@@ -5974,41 +6170,49 @@
             </a:lvl9pPr>
           </a:lstStyle>
           <a:p>
-            <a:pPr algn="ctr"/>
-            <a:r>
-              <a:rPr lang="en-US" altLang="ko-KR" sz="6000" smtClean="0"/>
+            <a:pPr algn="ctr">
+              <a:defRPr lang="ko-KR" altLang="en-US"/>
+            </a:pPr>
+            <a:r>
+              <a:rPr lang="en-US" altLang="ko-KR" sz="6000"/>
               <a:t>NFT </a:t>
             </a:r>
             <a:r>
-              <a:rPr lang="ko-KR" altLang="en-US" sz="6000" smtClean="0"/>
+              <a:rPr lang="ko-KR" altLang="en-US" sz="6000"/>
               <a:t>데이터 분석</a:t>
             </a:r>
-            <a:endParaRPr lang="en-US" altLang="ko-KR" sz="6000" smtClean="0"/>
-          </a:p>
-          <a:p>
-            <a:pPr algn="ctr"/>
-            <a:endParaRPr lang="en-US" altLang="ko-KR" sz="2000" smtClean="0">
+            <a:endParaRPr lang="ko-KR" altLang="en-US" sz="6000"/>
+          </a:p>
+          <a:p>
+            <a:pPr algn="ctr">
+              <a:defRPr lang="ko-KR" altLang="en-US"/>
+            </a:pPr>
+            <a:endParaRPr lang="en-US" altLang="ko-KR" sz="2000">
               <a:solidFill>
                 <a:schemeClr val="tx1"/>
               </a:solidFill>
             </a:endParaRPr>
           </a:p>
           <a:p>
-            <a:pPr algn="ctr"/>
-            <a:endParaRPr lang="en-US" altLang="ko-KR" sz="4400" smtClean="0">
+            <a:pPr algn="ctr">
+              <a:defRPr lang="ko-KR" altLang="en-US"/>
+            </a:pPr>
+            <a:endParaRPr lang="en-US" altLang="ko-KR" sz="4400">
               <a:solidFill>
                 <a:schemeClr val="tx1"/>
               </a:solidFill>
-              <a:latin typeface="Arial Black" panose="020B0A04020102020204" pitchFamily="34" charset="0"/>
+              <a:latin typeface="Arial Black"/>
             </a:endParaRPr>
           </a:p>
           <a:p>
-            <a:pPr algn="ctr"/>
+            <a:pPr algn="ctr">
+              <a:defRPr lang="ko-KR" altLang="en-US"/>
+            </a:pPr>
             <a:endParaRPr lang="en-US" altLang="ko-KR" sz="2000">
               <a:solidFill>
                 <a:schemeClr val="tx1"/>
               </a:solidFill>
-              <a:latin typeface="Arial Black" panose="020B0A04020102020204" pitchFamily="34" charset="0"/>
+              <a:latin typeface="Arial Black"/>
             </a:endParaRPr>
           </a:p>
         </p:txBody>
@@ -6022,7 +6226,7 @@
         <p:spPr>
           <a:xfrm>
             <a:off x="3932200" y="3583561"/>
-            <a:ext cx="6096000" cy="1200329"/>
+            <a:ext cx="6096000" cy="1186559"/>
           </a:xfrm>
           <a:prstGeom prst="rect">
             <a:avLst/>
@@ -6034,6 +6238,9 @@
           </a:bodyPr>
           <a:lstStyle/>
           <a:p>
+            <a:pPr lvl="0">
+              <a:defRPr lang="ko-KR" altLang="en-US"/>
+            </a:pPr>
             <a:r>
               <a:rPr lang="en-US" altLang="ko-KR"/>
               <a:t>-NFT </a:t>
@@ -6042,12 +6249,12 @@
               <a:rPr lang="ko-KR" altLang="en-US"/>
               <a:t>시계열 데이터</a:t>
             </a:r>
-            <a:r>
-              <a:rPr lang="en-US" altLang="ko-KR"/>
-              <a:t>(2017~2021)</a:t>
-            </a:r>
-          </a:p>
-          <a:p>
+            <a:endParaRPr lang="en-US" altLang="ko-KR"/>
+          </a:p>
+          <a:p>
+            <a:pPr lvl="0">
+              <a:defRPr lang="ko-KR" altLang="en-US"/>
+            </a:pPr>
             <a:r>
               <a:rPr lang="en-US" altLang="ko-KR"/>
               <a:t>-NFT </a:t>
@@ -6056,77 +6263,45 @@
               <a:rPr lang="ko-KR" altLang="en-US"/>
               <a:t>컬렉션 분석</a:t>
             </a:r>
-            <a:r>
-              <a:rPr lang="en-US" altLang="ko-KR"/>
-              <a:t>(cryptoslam.io)[21.11.25 </a:t>
-            </a:r>
-            <a:r>
-              <a:rPr lang="ko-KR" altLang="en-US"/>
-              <a:t>기준</a:t>
-            </a:r>
-            <a:r>
-              <a:rPr lang="en-US" altLang="ko-KR"/>
-              <a:t>]</a:t>
-            </a:r>
-          </a:p>
-          <a:p>
-            <a:r>
-              <a:rPr lang="en-US" altLang="ko-KR" smtClean="0"/>
+            <a:endParaRPr lang="en-US" altLang="ko-KR"/>
+          </a:p>
+          <a:p>
+            <a:pPr lvl="0">
+              <a:defRPr lang="ko-KR" altLang="en-US"/>
+            </a:pPr>
+            <a:r>
+              <a:rPr lang="en-US" altLang="ko-KR"/>
               <a:t>-NFT </a:t>
             </a:r>
             <a:r>
-              <a:rPr lang="ko-KR" altLang="en-US" smtClean="0"/>
+              <a:rPr lang="ko-KR" altLang="en-US"/>
               <a:t>관련 트윗 데이터</a:t>
             </a:r>
-            <a:endParaRPr lang="en-US" altLang="ko-KR" smtClean="0"/>
-          </a:p>
-          <a:p>
-            <a:r>
-              <a:rPr lang="en-US" altLang="ko-KR"/>
-              <a:t> </a:t>
-            </a:r>
-            <a:r>
-              <a:rPr lang="en-US" altLang="ko-KR" smtClean="0"/>
-              <a:t>                                                                       </a:t>
-            </a:r>
-            <a:r>
-              <a:rPr lang="ko-KR" altLang="en-US" smtClean="0"/>
-              <a:t>데이터 출처 </a:t>
-            </a:r>
-            <a:r>
-              <a:rPr lang="en-US" altLang="ko-KR" smtClean="0"/>
-              <a:t>: </a:t>
-            </a:r>
-            <a:r>
-              <a:rPr lang="ko-KR" altLang="en-US" smtClean="0"/>
-              <a:t>캐글</a:t>
+            <a:endParaRPr lang="ko-KR" altLang="en-US"/>
+          </a:p>
+          <a:p>
+            <a:pPr lvl="0">
+              <a:defRPr lang="ko-KR" altLang="en-US"/>
+            </a:pPr>
+            <a:r>
+              <a:rPr lang="en-US" altLang="ko-KR"/>
+              <a:t>                                                                      </a:t>
             </a:r>
             <a:endParaRPr lang="en-US" altLang="ko-KR"/>
           </a:p>
         </p:txBody>
       </p:sp>
     </p:spTree>
-    <p:extLst>
-      <p:ext uri="{BB962C8B-B14F-4D97-AF65-F5344CB8AC3E}">
-        <p14:creationId xmlns:p14="http://schemas.microsoft.com/office/powerpoint/2010/main" val="3640994171"/>
-      </p:ext>
-    </p:extLst>
   </p:cSld>
   <p:clrMapOvr>
     <a:masterClrMapping/>
   </p:clrMapOvr>
-  <p:timing>
-    <p:tnLst>
-      <p:par>
-        <p:cTn id="1" dur="indefinite" restart="never" nodeType="tmRoot"/>
-      </p:par>
-    </p:tnLst>
-  </p:timing>
+  <p:transition xmlns:mc="http://schemas.openxmlformats.org/markup-compatibility/2006" xmlns:hp="http://schemas.haansoft.com/office/presentation/8.0" mc:Ignorable="hp" hp:hslDur="500"/>
 </p:sld>
 </file>
 
 <file path=ppt/slides/slide10.xml><?xml version="1.0" encoding="utf-8"?>
-<p:sld xmlns:a="http://schemas.openxmlformats.org/drawingml/2006/main" xmlns:r="http://schemas.openxmlformats.org/officeDocument/2006/relationships" xmlns:p="http://schemas.openxmlformats.org/presentationml/2006/main">
+<p:sld xmlns:r="http://schemas.openxmlformats.org/officeDocument/2006/relationships" xmlns:c="http://schemas.openxmlformats.org/drawingml/2006/chart" xmlns:a="http://schemas.openxmlformats.org/drawingml/2006/main" xmlns:dgm="http://schemas.openxmlformats.org/drawingml/2006/diagram" xmlns:dsp="http://schemas.microsoft.com/office/drawing/2008/diagram" xmlns:p="http://schemas.openxmlformats.org/presentationml/2006/main" showMasterSp="0">
   <p:cSld>
     <p:spTree>
       <p:nvGrpSpPr>
@@ -6145,386 +6320,7 @@
       <p:sp>
         <p:nvSpPr>
           <p:cNvPr id="4" name="제목 1"/>
-          <p:cNvSpPr txBox="1">
-            <a:spLocks/>
-          </p:cNvSpPr>
-          <p:nvPr/>
-        </p:nvSpPr>
-        <p:spPr>
-          <a:xfrm>
-            <a:off x="0" y="0"/>
-            <a:ext cx="12192000" cy="694267"/>
-          </a:xfrm>
-          <a:prstGeom prst="rect">
-            <a:avLst/>
-          </a:prstGeom>
-          <a:solidFill>
-            <a:schemeClr val="bg1"/>
-          </a:solidFill>
-          <a:ln>
-            <a:solidFill>
-              <a:schemeClr val="bg1"/>
-            </a:solidFill>
-          </a:ln>
-        </p:spPr>
-        <p:txBody>
-          <a:bodyPr vert="horz" lIns="91440" tIns="45720" rIns="91440" bIns="45720" rtlCol="0" anchor="ctr">
-            <a:normAutofit fontScale="90000" lnSpcReduction="10000"/>
-          </a:bodyPr>
-          <a:lstStyle>
-            <a:lvl1pPr algn="ctr" defTabSz="914400" rtl="0" eaLnBrk="1" latinLnBrk="1" hangingPunct="1">
-              <a:spcBef>
-                <a:spcPct val="0"/>
-              </a:spcBef>
-              <a:buNone/>
-              <a:defRPr sz="4400" kern="1200">
-                <a:solidFill>
-                  <a:schemeClr val="tx2"/>
-                </a:solidFill>
-                <a:latin typeface="+mj-lt"/>
-                <a:ea typeface="+mj-ea"/>
-                <a:cs typeface="+mj-cs"/>
-              </a:defRPr>
-            </a:lvl1pPr>
-            <a:lvl2pPr eaLnBrk="1" latinLnBrk="1" hangingPunct="1">
-              <a:defRPr>
-                <a:solidFill>
-                  <a:schemeClr val="tx2"/>
-                </a:solidFill>
-              </a:defRPr>
-            </a:lvl2pPr>
-            <a:lvl3pPr eaLnBrk="1" latinLnBrk="1" hangingPunct="1">
-              <a:defRPr>
-                <a:solidFill>
-                  <a:schemeClr val="tx2"/>
-                </a:solidFill>
-              </a:defRPr>
-            </a:lvl3pPr>
-            <a:lvl4pPr eaLnBrk="1" latinLnBrk="1" hangingPunct="1">
-              <a:defRPr>
-                <a:solidFill>
-                  <a:schemeClr val="tx2"/>
-                </a:solidFill>
-              </a:defRPr>
-            </a:lvl4pPr>
-            <a:lvl5pPr eaLnBrk="1" latinLnBrk="1" hangingPunct="1">
-              <a:defRPr>
-                <a:solidFill>
-                  <a:schemeClr val="tx2"/>
-                </a:solidFill>
-              </a:defRPr>
-            </a:lvl5pPr>
-            <a:lvl6pPr eaLnBrk="1" latinLnBrk="1" hangingPunct="1">
-              <a:defRPr>
-                <a:solidFill>
-                  <a:schemeClr val="tx2"/>
-                </a:solidFill>
-              </a:defRPr>
-            </a:lvl6pPr>
-            <a:lvl7pPr eaLnBrk="1" latinLnBrk="1" hangingPunct="1">
-              <a:defRPr>
-                <a:solidFill>
-                  <a:schemeClr val="tx2"/>
-                </a:solidFill>
-              </a:defRPr>
-            </a:lvl7pPr>
-            <a:lvl8pPr eaLnBrk="1" latinLnBrk="1" hangingPunct="1">
-              <a:defRPr>
-                <a:solidFill>
-                  <a:schemeClr val="tx2"/>
-                </a:solidFill>
-              </a:defRPr>
-            </a:lvl8pPr>
-            <a:lvl9pPr eaLnBrk="1" latinLnBrk="1" hangingPunct="1">
-              <a:defRPr>
-                <a:solidFill>
-                  <a:schemeClr val="tx2"/>
-                </a:solidFill>
-              </a:defRPr>
-            </a:lvl9pPr>
-          </a:lstStyle>
-          <a:p>
-            <a:r>
-              <a:rPr lang="en-US" altLang="ko-KR" smtClean="0"/>
-              <a:t>NFT </a:t>
-            </a:r>
-            <a:r>
-              <a:rPr lang="ko-KR" altLang="en-US" smtClean="0"/>
-              <a:t>컬렉션 분석 </a:t>
-            </a:r>
-            <a:r>
-              <a:rPr lang="en-US" altLang="ko-KR"/>
-              <a:t> </a:t>
-            </a:r>
-            <a:r>
-              <a:rPr lang="en-US" altLang="ko-KR" smtClean="0"/>
-              <a:t>: </a:t>
-            </a:r>
-            <a:r>
-              <a:rPr lang="en-US" altLang="ko-KR" smtClean="0">
-                <a:solidFill>
-                  <a:srgbClr val="FF0000"/>
-                </a:solidFill>
-              </a:rPr>
-              <a:t>cryptoslam Data</a:t>
-            </a:r>
-            <a:endParaRPr lang="ko-KR" altLang="en-US">
-              <a:solidFill>
-                <a:srgbClr val="FF0000"/>
-              </a:solidFill>
-            </a:endParaRPr>
-          </a:p>
-        </p:txBody>
-      </p:sp>
-      <p:pic>
-        <p:nvPicPr>
-          <p:cNvPr id="2" name="그림 1"/>
-          <p:cNvPicPr>
-            <a:picLocks noChangeAspect="1"/>
-          </p:cNvPicPr>
-          <p:nvPr/>
-        </p:nvPicPr>
-        <p:blipFill>
-          <a:blip r:embed="rId2">
-            <a:extLst>
-              <a:ext uri="{28A0092B-C50C-407E-A947-70E740481C1C}">
-                <a14:useLocalDpi xmlns:a14="http://schemas.microsoft.com/office/drawing/2010/main" val="0"/>
-              </a:ext>
-            </a:extLst>
-          </a:blip>
-          <a:stretch>
-            <a:fillRect/>
-          </a:stretch>
-        </p:blipFill>
-        <p:spPr>
-          <a:xfrm>
-            <a:off x="2104523" y="2997323"/>
-            <a:ext cx="7206993" cy="2895478"/>
-          </a:xfrm>
-          <a:prstGeom prst="rect">
-            <a:avLst/>
-          </a:prstGeom>
-        </p:spPr>
-      </p:pic>
-      <p:sp>
-        <p:nvSpPr>
-          <p:cNvPr id="3" name="TextBox 2"/>
           <p:cNvSpPr txBox="1"/>
-          <p:nvPr/>
-        </p:nvSpPr>
-        <p:spPr>
-          <a:xfrm>
-            <a:off x="2294467" y="1667934"/>
-            <a:ext cx="7279237" cy="923330"/>
-          </a:xfrm>
-          <a:prstGeom prst="rect">
-            <a:avLst/>
-          </a:prstGeom>
-          <a:noFill/>
-        </p:spPr>
-        <p:txBody>
-          <a:bodyPr wrap="none" rtlCol="0">
-            <a:spAutoFit/>
-          </a:bodyPr>
-          <a:lstStyle/>
-          <a:p>
-            <a:r>
-              <a:rPr lang="en-US" altLang="ko-KR" smtClean="0"/>
-              <a:t>- </a:t>
-            </a:r>
-            <a:r>
-              <a:rPr lang="ko-KR" altLang="en-US" smtClean="0"/>
-              <a:t>판매액과 소유주를 기준으로 데이터 관계를 확인 </a:t>
-            </a:r>
-            <a:r>
-              <a:rPr lang="en-US" altLang="ko-KR" smtClean="0"/>
-              <a:t>-&gt; </a:t>
-            </a:r>
-            <a:r>
-              <a:rPr lang="ko-KR" altLang="en-US" smtClean="0"/>
-              <a:t>이상점 발생</a:t>
-            </a:r>
-            <a:r>
-              <a:rPr lang="en-US" altLang="ko-KR"/>
-              <a:t> </a:t>
-            </a:r>
-            <a:r>
-              <a:rPr lang="en-US" altLang="ko-KR" smtClean="0"/>
-              <a:t>( </a:t>
-            </a:r>
-            <a:r>
-              <a:rPr lang="ko-KR" altLang="en-US" smtClean="0"/>
-              <a:t>왼쪽 표 </a:t>
-            </a:r>
-            <a:r>
-              <a:rPr lang="en-US" altLang="ko-KR" smtClean="0"/>
-              <a:t>) </a:t>
-            </a:r>
-          </a:p>
-          <a:p>
-            <a:r>
-              <a:rPr lang="en-US" altLang="ko-KR" smtClean="0"/>
-              <a:t>- Owners</a:t>
-            </a:r>
-            <a:r>
-              <a:rPr lang="ko-KR" altLang="en-US" smtClean="0"/>
-              <a:t>의 </a:t>
-            </a:r>
-            <a:r>
-              <a:rPr lang="en-US" altLang="ko-KR" smtClean="0"/>
-              <a:t>IQR(</a:t>
-            </a:r>
-            <a:r>
-              <a:rPr lang="ko-KR" altLang="en-US" smtClean="0"/>
-              <a:t>사분위</a:t>
-            </a:r>
-            <a:r>
-              <a:rPr lang="en-US" altLang="ko-KR" smtClean="0"/>
-              <a:t>)</a:t>
-            </a:r>
-            <a:r>
-              <a:rPr lang="ko-KR" altLang="en-US" smtClean="0"/>
-              <a:t>를 기준으로 이상점을 제거 한 후 데이터 관계 </a:t>
-            </a:r>
-            <a:r>
-              <a:rPr lang="en-US" altLang="ko-KR" smtClean="0"/>
-              <a:t>( </a:t>
-            </a:r>
-            <a:r>
-              <a:rPr lang="ko-KR" altLang="en-US" smtClean="0"/>
-              <a:t>오른쪽 표 </a:t>
-            </a:r>
-            <a:r>
-              <a:rPr lang="en-US" altLang="ko-KR" smtClean="0"/>
-              <a:t>)</a:t>
-            </a:r>
-          </a:p>
-          <a:p>
-            <a:r>
-              <a:rPr lang="en-US" altLang="ko-KR" smtClean="0"/>
-              <a:t> </a:t>
-            </a:r>
-            <a:r>
-              <a:rPr lang="ko-KR" altLang="en-US" smtClean="0"/>
-              <a:t>분석 </a:t>
-            </a:r>
-            <a:r>
-              <a:rPr lang="en-US" altLang="ko-KR" smtClean="0"/>
-              <a:t>: Owners</a:t>
-            </a:r>
-            <a:r>
-              <a:rPr lang="ko-KR" altLang="en-US" smtClean="0"/>
-              <a:t>을 기준으로 데이터에 대한 특이점이 보임</a:t>
-            </a:r>
-            <a:endParaRPr lang="en-US" altLang="ko-KR" smtClean="0"/>
-          </a:p>
-        </p:txBody>
-      </p:sp>
-      <p:sp>
-        <p:nvSpPr>
-          <p:cNvPr id="11" name="TextBox 10"/>
-          <p:cNvSpPr txBox="1"/>
-          <p:nvPr/>
-        </p:nvSpPr>
-        <p:spPr>
-          <a:xfrm>
-            <a:off x="2870201" y="1507067"/>
-            <a:ext cx="6644319" cy="369332"/>
-          </a:xfrm>
-          <a:prstGeom prst="rect">
-            <a:avLst/>
-          </a:prstGeom>
-          <a:noFill/>
-        </p:spPr>
-        <p:txBody>
-          <a:bodyPr wrap="none" rtlCol="0">
-            <a:spAutoFit/>
-          </a:bodyPr>
-          <a:lstStyle/>
-          <a:p>
-            <a:r>
-              <a:rPr lang="ko-KR" altLang="en-US" smtClean="0"/>
-              <a:t>각 사용자들의 </a:t>
-            </a:r>
-            <a:r>
-              <a:rPr lang="en-US" altLang="ko-KR" smtClean="0"/>
-              <a:t>Location </a:t>
-            </a:r>
-            <a:r>
-              <a:rPr lang="ko-KR" altLang="en-US" smtClean="0"/>
-              <a:t>분석 결과</a:t>
-            </a:r>
-            <a:r>
-              <a:rPr lang="en-US" altLang="ko-KR" smtClean="0"/>
-              <a:t>..  </a:t>
-            </a:r>
-            <a:r>
-              <a:rPr lang="ko-KR" altLang="en-US" smtClean="0"/>
-              <a:t>메타버스 등</a:t>
-            </a:r>
-            <a:r>
-              <a:rPr lang="en-US" altLang="ko-KR" smtClean="0"/>
-              <a:t>.. </a:t>
-            </a:r>
-            <a:r>
-              <a:rPr lang="ko-KR" altLang="en-US" smtClean="0"/>
-              <a:t>가상의 </a:t>
-            </a:r>
-            <a:r>
-              <a:rPr lang="en-US" altLang="ko-KR" smtClean="0"/>
-              <a:t>Location</a:t>
-            </a:r>
-            <a:r>
-              <a:rPr lang="ko-KR" altLang="en-US" smtClean="0"/>
-              <a:t>이 많음 </a:t>
-            </a:r>
-            <a:endParaRPr lang="ko-KR" altLang="en-US"/>
-          </a:p>
-        </p:txBody>
-      </p:sp>
-    </p:spTree>
-    <p:extLst>
-      <p:ext uri="{BB962C8B-B14F-4D97-AF65-F5344CB8AC3E}">
-        <p14:creationId xmlns:p14="http://schemas.microsoft.com/office/powerpoint/2010/main" val="634125389"/>
-      </p:ext>
-    </p:extLst>
-  </p:cSld>
-  <p:clrMapOvr>
-    <a:masterClrMapping/>
-  </p:clrMapOvr>
-  <p:timing>
-    <p:tnLst>
-      <p:par>
-        <p:cTn id="1" dur="indefinite" restart="never" nodeType="tmRoot"/>
-      </p:par>
-    </p:tnLst>
-  </p:timing>
-</p:sld>
-</file>
-
-<file path=ppt/slides/slide11.xml><?xml version="1.0" encoding="utf-8"?>
-<p:sld xmlns:a="http://schemas.openxmlformats.org/drawingml/2006/main" xmlns:r="http://schemas.openxmlformats.org/officeDocument/2006/relationships" xmlns:p="http://schemas.openxmlformats.org/presentationml/2006/main" showMasterSp="0">
-  <p:cSld>
-    <p:spTree>
-      <p:nvGrpSpPr>
-        <p:cNvPr id="1" name=""/>
-        <p:cNvGrpSpPr/>
-        <p:nvPr/>
-      </p:nvGrpSpPr>
-      <p:grpSpPr>
-        <a:xfrm>
-          <a:off x="0" y="0"/>
-          <a:ext cx="0" cy="0"/>
-          <a:chOff x="0" y="0"/>
-          <a:chExt cx="0" cy="0"/>
-        </a:xfrm>
-      </p:grpSpPr>
-      <p:sp>
-        <p:nvSpPr>
-          <p:cNvPr id="4" name="제목 1"/>
-          <p:cNvSpPr txBox="1">
-            <a:spLocks/>
-          </p:cNvSpPr>
           <p:nvPr/>
         </p:nvSpPr>
         <p:spPr>
@@ -6545,8 +6341,8 @@
           </a:ln>
         </p:spPr>
         <p:txBody>
-          <a:bodyPr vert="horz" lIns="91440" tIns="45720" rIns="91440" bIns="45720" rtlCol="0" anchor="ctr">
-            <a:normAutofit fontScale="90000" lnSpcReduction="10000"/>
+          <a:bodyPr vert="horz" lIns="91440" tIns="45720" rIns="91440" bIns="45720" anchor="ctr">
+            <a:normAutofit fontScale="90000" lnSpcReduction="0"/>
           </a:bodyPr>
           <a:lstStyle>
             <a:lvl1pPr algn="ctr" defTabSz="914400" rtl="0" eaLnBrk="1" latinLnBrk="1" hangingPunct="1">
@@ -6621,33 +6417,35 @@
             </a:lvl9pPr>
           </a:lstStyle>
           <a:p>
-            <a:r>
-              <a:rPr lang="en-US" altLang="ko-KR" smtClean="0"/>
+            <a:pPr lvl="0">
+              <a:lnSpc>
+                <a:spcPct val="90000"/>
+              </a:lnSpc>
+              <a:defRPr lang="ko-KR" altLang="en-US"/>
+            </a:pPr>
+            <a:r>
+              <a:rPr lang="en-US" altLang="ko-KR"/>
               <a:t>NFT </a:t>
             </a:r>
             <a:r>
-              <a:rPr lang="ko-KR" altLang="en-US" smtClean="0"/>
+              <a:rPr lang="ko-KR" altLang="en-US"/>
               <a:t>컬렉션 분석 </a:t>
             </a:r>
             <a:r>
               <a:rPr lang="en-US" altLang="ko-KR"/>
-              <a:t> </a:t>
-            </a:r>
-            <a:r>
-              <a:rPr lang="en-US" altLang="ko-KR" smtClean="0"/>
-              <a:t>: </a:t>
-            </a:r>
-            <a:r>
-              <a:rPr lang="en-US" altLang="ko-KR" smtClean="0">
-                <a:solidFill>
-                  <a:srgbClr val="FF0000"/>
+              <a:t> : </a:t>
+            </a:r>
+            <a:r>
+              <a:rPr lang="en-US" altLang="ko-KR">
+                <a:solidFill>
+                  <a:srgbClr val="ff0000"/>
                 </a:solidFill>
               </a:rPr>
               <a:t>cryptoslam Data</a:t>
             </a:r>
             <a:endParaRPr lang="ko-KR" altLang="en-US">
               <a:solidFill>
-                <a:srgbClr val="FF0000"/>
+                <a:srgbClr val="ff0000"/>
               </a:solidFill>
             </a:endParaRPr>
           </a:p>
@@ -6662,7 +6460,7 @@
         <p:spPr>
           <a:xfrm>
             <a:off x="3107259" y="767106"/>
-            <a:ext cx="4794582" cy="923330"/>
+            <a:ext cx="4747055" cy="907389"/>
           </a:xfrm>
           <a:prstGeom prst="rect">
             <a:avLst/>
@@ -6670,38 +6468,47 @@
           <a:noFill/>
         </p:spPr>
         <p:txBody>
-          <a:bodyPr wrap="none" rtlCol="0">
+          <a:bodyPr wrap="none">
             <a:spAutoFit/>
           </a:bodyPr>
           <a:lstStyle/>
           <a:p>
-            <a:r>
-              <a:rPr lang="en-US" altLang="ko-KR" smtClean="0"/>
+            <a:pPr lvl="0">
+              <a:defRPr lang="ko-KR" altLang="en-US"/>
+            </a:pPr>
+            <a:r>
+              <a:rPr lang="en-US" altLang="ko-KR"/>
               <a:t>Owners</a:t>
             </a:r>
             <a:r>
-              <a:rPr lang="ko-KR" altLang="en-US" smtClean="0"/>
+              <a:rPr lang="ko-KR" altLang="en-US"/>
               <a:t>의 </a:t>
             </a:r>
             <a:r>
-              <a:rPr lang="en-US" altLang="ko-KR" smtClean="0"/>
+              <a:rPr lang="en-US" altLang="ko-KR"/>
               <a:t>IQR </a:t>
             </a:r>
             <a:r>
-              <a:rPr lang="ko-KR" altLang="en-US" smtClean="0"/>
+              <a:rPr lang="ko-KR" altLang="en-US"/>
               <a:t>기준으로 이상치가 있는 데이터들 목록</a:t>
             </a:r>
-            <a:endParaRPr lang="en-US" altLang="ko-KR" smtClean="0"/>
-          </a:p>
-          <a:p>
-            <a:r>
-              <a:rPr lang="ko-KR" altLang="en-US" smtClean="0"/>
+            <a:endParaRPr lang="ko-KR" altLang="en-US"/>
+          </a:p>
+          <a:p>
+            <a:pPr lvl="0">
+              <a:defRPr lang="ko-KR" altLang="en-US"/>
+            </a:pPr>
+            <a:r>
+              <a:rPr lang="ko-KR" altLang="en-US"/>
               <a:t>각 항목에 대하여 조사해본 결과 이상점의 원인 발견</a:t>
             </a:r>
-            <a:endParaRPr lang="en-US" altLang="ko-KR" smtClean="0"/>
-          </a:p>
-          <a:p>
-            <a:endParaRPr lang="en-US" altLang="ko-KR" smtClean="0"/>
+            <a:endParaRPr lang="ko-KR" altLang="en-US"/>
+          </a:p>
+          <a:p>
+            <a:pPr lvl="0">
+              <a:defRPr lang="ko-KR" altLang="en-US"/>
+            </a:pPr>
+            <a:endParaRPr lang="en-US" altLang="ko-KR"/>
           </a:p>
         </p:txBody>
       </p:sp>
@@ -6713,7 +6520,7 @@
           </p:cNvPicPr>
           <p:nvPr/>
         </p:nvPicPr>
-        <p:blipFill>
+        <p:blipFill rotWithShape="1">
           <a:blip r:embed="rId2"/>
           <a:stretch>
             <a:fillRect/>
@@ -6742,7 +6549,7 @@
           </p:cNvPicPr>
           <p:nvPr/>
         </p:nvPicPr>
-        <p:blipFill>
+        <p:blipFill rotWithShape="1">
           <a:blip r:embed="rId3"/>
           <a:stretch>
             <a:fillRect/>
@@ -6767,7 +6574,7 @@
         <p:spPr>
           <a:xfrm>
             <a:off x="5143288" y="4403746"/>
-            <a:ext cx="3940502" cy="369332"/>
+            <a:ext cx="3901652" cy="369332"/>
           </a:xfrm>
           <a:prstGeom prst="rect">
             <a:avLst/>
@@ -6775,29 +6582,32 @@
           <a:noFill/>
         </p:spPr>
         <p:txBody>
-          <a:bodyPr wrap="none" rtlCol="0">
+          <a:bodyPr wrap="none">
             <a:spAutoFit/>
           </a:bodyPr>
           <a:lstStyle/>
           <a:p>
-            <a:r>
-              <a:rPr lang="en-US" altLang="ko-KR" smtClean="0"/>
+            <a:pPr lvl="0">
+              <a:defRPr lang="ko-KR" altLang="en-US"/>
+            </a:pPr>
+            <a:r>
+              <a:rPr lang="en-US" altLang="ko-KR"/>
               <a:t>(</a:t>
             </a:r>
             <a:r>
-              <a:rPr lang="ko-KR" altLang="en-US" smtClean="0"/>
+              <a:rPr lang="ko-KR" altLang="en-US"/>
               <a:t>보통 </a:t>
             </a:r>
             <a:r>
-              <a:rPr lang="en-US" altLang="ko-KR" smtClean="0"/>
+              <a:rPr lang="en-US" altLang="ko-KR"/>
               <a:t>NFT</a:t>
             </a:r>
             <a:r>
-              <a:rPr lang="ko-KR" altLang="en-US" smtClean="0"/>
+              <a:rPr lang="ko-KR" altLang="en-US"/>
               <a:t>는 한 명의 작가가 컬렉션을 판매</a:t>
             </a:r>
             <a:r>
-              <a:rPr lang="en-US" altLang="ko-KR" smtClean="0"/>
+              <a:rPr lang="en-US" altLang="ko-KR"/>
               <a:t>)</a:t>
             </a:r>
             <a:endParaRPr lang="ko-KR" altLang="en-US"/>
@@ -6805,26 +6615,15 @@
         </p:txBody>
       </p:sp>
     </p:spTree>
-    <p:extLst>
-      <p:ext uri="{BB962C8B-B14F-4D97-AF65-F5344CB8AC3E}">
-        <p14:creationId xmlns:p14="http://schemas.microsoft.com/office/powerpoint/2010/main" val="1833246545"/>
-      </p:ext>
-    </p:extLst>
   </p:cSld>
   <p:clrMapOvr>
     <a:masterClrMapping/>
   </p:clrMapOvr>
-  <p:timing>
-    <p:tnLst>
-      <p:par>
-        <p:cTn id="1" dur="indefinite" restart="never" nodeType="tmRoot"/>
-      </p:par>
-    </p:tnLst>
-  </p:timing>
+  <p:transition xmlns:mc="http://schemas.openxmlformats.org/markup-compatibility/2006" xmlns:hp="http://schemas.haansoft.com/office/presentation/8.0" mc:Ignorable="hp" hp:hslDur="500"/>
 </p:sld>
 </file>
 
-<file path=ppt/slides/slide12.xml><?xml version="1.0" encoding="utf-8"?>
+<file path=ppt/slides/slide11.xml><?xml version="1.0" encoding="utf-8"?>
 <p:sld xmlns:a="http://schemas.openxmlformats.org/drawingml/2006/main" xmlns:r="http://schemas.openxmlformats.org/officeDocument/2006/relationships" xmlns:p="http://schemas.openxmlformats.org/presentationml/2006/main" showMasterSp="0">
   <p:cSld>
     <p:spTree>
@@ -7220,8 +7019,8 @@
 </p:sld>
 </file>
 
-<file path=ppt/slides/slide13.xml><?xml version="1.0" encoding="utf-8"?>
-<p:sld xmlns:a="http://schemas.openxmlformats.org/drawingml/2006/main" xmlns:r="http://schemas.openxmlformats.org/officeDocument/2006/relationships" xmlns:p="http://schemas.openxmlformats.org/presentationml/2006/main">
+<file path=ppt/slides/slide12.xml><?xml version="1.0" encoding="utf-8"?>
+<p:sld xmlns:r="http://schemas.openxmlformats.org/officeDocument/2006/relationships" xmlns:c="http://schemas.openxmlformats.org/drawingml/2006/chart" xmlns:a="http://schemas.openxmlformats.org/drawingml/2006/main" xmlns:dgm="http://schemas.openxmlformats.org/drawingml/2006/diagram" xmlns:dsp="http://schemas.microsoft.com/office/drawing/2008/diagram" xmlns:p="http://schemas.openxmlformats.org/presentationml/2006/main">
   <p:cSld>
     <p:spTree>
       <p:nvGrpSpPr>
@@ -7240,9 +7039,7 @@
       <p:sp>
         <p:nvSpPr>
           <p:cNvPr id="4" name="제목 1"/>
-          <p:cNvSpPr txBox="1">
-            <a:spLocks/>
-          </p:cNvSpPr>
+          <p:cNvSpPr txBox="1"/>
           <p:nvPr/>
         </p:nvSpPr>
         <p:spPr>
@@ -7263,8 +7060,8 @@
           </a:ln>
         </p:spPr>
         <p:txBody>
-          <a:bodyPr vert="horz" lIns="91440" tIns="45720" rIns="91440" bIns="45720" rtlCol="0" anchor="ctr">
-            <a:normAutofit fontScale="90000" lnSpcReduction="10000"/>
+          <a:bodyPr vert="horz" lIns="91440" tIns="45720" rIns="91440" bIns="45720" anchor="ctr">
+            <a:normAutofit fontScale="90000" lnSpcReduction="0"/>
           </a:bodyPr>
           <a:lstStyle>
             <a:lvl1pPr algn="ctr" defTabSz="914400" rtl="0" eaLnBrk="1" latinLnBrk="1" hangingPunct="1">
@@ -7339,21 +7136,27 @@
             </a:lvl9pPr>
           </a:lstStyle>
           <a:p>
-            <a:r>
-              <a:rPr lang="en-US" altLang="ko-KR" smtClean="0"/>
+            <a:pPr lvl="0">
+              <a:lnSpc>
+                <a:spcPct val="90000"/>
+              </a:lnSpc>
+              <a:defRPr lang="ko-KR" altLang="en-US"/>
+            </a:pPr>
+            <a:r>
+              <a:rPr lang="en-US" altLang="ko-KR"/>
               <a:t>NFT </a:t>
             </a:r>
             <a:r>
-              <a:rPr lang="ko-KR" altLang="en-US" smtClean="0"/>
+              <a:rPr lang="ko-KR" altLang="en-US"/>
               <a:t>트윗 데이터 </a:t>
             </a:r>
             <a:r>
-              <a:rPr lang="en-US" altLang="ko-KR" smtClean="0"/>
+              <a:rPr lang="en-US" altLang="ko-KR"/>
               <a:t>(tweeter)</a:t>
             </a:r>
             <a:endParaRPr lang="ko-KR" altLang="en-US">
               <a:solidFill>
-                <a:srgbClr val="FF0000"/>
+                <a:srgbClr val="ff0000"/>
               </a:solidFill>
             </a:endParaRPr>
           </a:p>
@@ -7368,7 +7171,7 @@
         <p:spPr>
           <a:xfrm>
             <a:off x="1444734" y="1696772"/>
-            <a:ext cx="9804401" cy="923330"/>
+            <a:ext cx="9804401" cy="901648"/>
           </a:xfrm>
           <a:prstGeom prst="rect">
             <a:avLst/>
@@ -7388,74 +7191,71 @@
           </a:bodyPr>
           <a:lstStyle/>
           <a:p>
-            <a:pPr algn="ctr"/>
-            <a:r>
-              <a:rPr lang="en-US" altLang="ko-KR" smtClean="0">
-                <a:solidFill>
-                  <a:srgbClr val="FF0000"/>
-                </a:solidFill>
-              </a:rPr>
-              <a:t>---</a:t>
-            </a:r>
-            <a:r>
-              <a:rPr lang="ko-KR" altLang="en-US" smtClean="0"/>
+            <a:pPr algn="ctr">
+              <a:defRPr lang="ko-KR" altLang="en-US"/>
+            </a:pPr>
+            <a:r>
+              <a:rPr lang="ko-KR" altLang="en-US" b="1"/>
               <a:t>데이터 설명</a:t>
             </a:r>
-            <a:r>
-              <a:rPr lang="en-US" altLang="ko-KR" smtClean="0">
-                <a:solidFill>
-                  <a:srgbClr val="FF0000"/>
-                </a:solidFill>
-              </a:rPr>
-              <a:t>---</a:t>
-            </a:r>
-            <a:endParaRPr lang="en-US" altLang="ko-KR" smtClean="0"/>
-          </a:p>
-          <a:p>
-            <a:r>
-              <a:rPr lang="en-US" altLang="ko-KR" smtClean="0"/>
+            <a:endParaRPr lang="en-US" altLang="ko-KR">
+              <a:solidFill>
+                <a:srgbClr val="ff0000"/>
+              </a:solidFill>
+            </a:endParaRPr>
+          </a:p>
+          <a:p>
+            <a:pPr lvl="0">
+              <a:defRPr lang="ko-KR" altLang="en-US"/>
+            </a:pPr>
+            <a:r>
+              <a:rPr lang="en-US" altLang="ko-KR"/>
               <a:t>-</a:t>
             </a:r>
             <a:r>
-              <a:rPr lang="ko-KR" altLang="en-US" smtClean="0"/>
+              <a:rPr lang="ko-KR" altLang="en-US"/>
               <a:t>트위터에 </a:t>
             </a:r>
             <a:r>
-              <a:rPr lang="en-US" altLang="ko-KR" smtClean="0"/>
+              <a:rPr lang="en-US" altLang="ko-KR"/>
               <a:t>NFT </a:t>
             </a:r>
             <a:r>
-              <a:rPr lang="ko-KR" altLang="en-US" smtClean="0"/>
+              <a:rPr lang="ko-KR" altLang="en-US"/>
               <a:t>태그가 달려있는 </a:t>
             </a:r>
             <a:r>
-              <a:rPr lang="en-US" altLang="ko-KR" smtClean="0"/>
+              <a:rPr lang="en-US" altLang="ko-KR"/>
               <a:t>tweet</a:t>
             </a:r>
             <a:r>
-              <a:rPr lang="ko-KR" altLang="en-US" smtClean="0"/>
+              <a:rPr lang="ko-KR" altLang="en-US"/>
               <a:t>들에 관한 데이터이다</a:t>
             </a:r>
             <a:r>
-              <a:rPr lang="en-US" altLang="ko-KR" smtClean="0"/>
+              <a:rPr lang="en-US" altLang="ko-KR"/>
               <a:t>. </a:t>
             </a:r>
-          </a:p>
-          <a:p>
-            <a:r>
-              <a:rPr lang="en-US" altLang="ko-KR" smtClean="0"/>
+            <a:endParaRPr lang="en-US" altLang="ko-KR"/>
+          </a:p>
+          <a:p>
+            <a:pPr lvl="0">
+              <a:defRPr lang="ko-KR" altLang="en-US"/>
+            </a:pPr>
+            <a:r>
+              <a:rPr lang="en-US" altLang="ko-KR"/>
               <a:t>-</a:t>
             </a:r>
             <a:r>
-              <a:rPr lang="ko-KR" altLang="en-US" smtClean="0"/>
+              <a:rPr lang="ko-KR" altLang="en-US"/>
               <a:t>약 </a:t>
             </a:r>
             <a:r>
-              <a:rPr lang="en-US" altLang="ko-KR" smtClean="0"/>
+              <a:rPr lang="en-US" altLang="ko-KR"/>
               <a:t>12450</a:t>
             </a:r>
             <a:r>
-              <a:rPr lang="ko-KR" altLang="en-US" smtClean="0"/>
+              <a:rPr lang="ko-KR" altLang="en-US"/>
               <a:t>개 정도 존재함</a:t>
             </a:r>
             <a:endParaRPr lang="en-US" altLang="ko-KR"/>
@@ -7469,7 +7269,7 @@
           <p:nvPr/>
         </p:nvGrpSpPr>
         <p:grpSpPr>
-          <a:xfrm>
+          <a:xfrm rot="0">
             <a:off x="1957111" y="3836095"/>
             <a:ext cx="8779643" cy="2446171"/>
             <a:chOff x="282756" y="3810696"/>
@@ -7484,7 +7284,7 @@
             </p:cNvPicPr>
             <p:nvPr/>
           </p:nvPicPr>
-          <p:blipFill>
+          <p:blipFill rotWithShape="1">
             <a:blip r:embed="rId3"/>
             <a:stretch>
               <a:fillRect/>
@@ -7508,7 +7308,7 @@
             </p:cNvPicPr>
             <p:nvPr/>
           </p:nvPicPr>
-          <p:blipFill>
+          <p:blipFill rotWithShape="1">
             <a:blip r:embed="rId4"/>
             <a:stretch>
               <a:fillRect/>
@@ -7549,52 +7349,45 @@
           </a:ln>
         </p:spPr>
         <p:txBody>
-          <a:bodyPr wrap="square" rtlCol="0">
+          <a:bodyPr wrap="square">
             <a:spAutoFit/>
           </a:bodyPr>
           <a:lstStyle/>
           <a:p>
-            <a:pPr algn="ctr"/>
-            <a:r>
-              <a:rPr lang="en-US" altLang="ko-KR" smtClean="0">
-                <a:solidFill>
-                  <a:srgbClr val="FF0000"/>
-                </a:solidFill>
-              </a:rPr>
-              <a:t>---</a:t>
-            </a:r>
-            <a:r>
-              <a:rPr lang="ko-KR" altLang="en-US" smtClean="0"/>
+            <a:pPr algn="ctr">
+              <a:defRPr lang="ko-KR" altLang="en-US"/>
+            </a:pPr>
+            <a:r>
+              <a:rPr lang="ko-KR" altLang="en-US" b="1"/>
               <a:t>데이터 전처리</a:t>
             </a:r>
-            <a:r>
-              <a:rPr lang="en-US" altLang="ko-KR" smtClean="0">
-                <a:solidFill>
-                  <a:srgbClr val="FF0000"/>
-                </a:solidFill>
-              </a:rPr>
-              <a:t>---</a:t>
-            </a:r>
-            <a:endParaRPr lang="en-US" altLang="ko-KR" smtClean="0"/>
-          </a:p>
-          <a:p>
-            <a:r>
-              <a:rPr lang="en-US" altLang="ko-KR" smtClean="0"/>
+            <a:endParaRPr lang="en-US" altLang="ko-KR">
+              <a:solidFill>
+                <a:srgbClr val="ff0000"/>
+              </a:solidFill>
+            </a:endParaRPr>
+          </a:p>
+          <a:p>
+            <a:pPr lvl="0">
+              <a:defRPr lang="ko-KR" altLang="en-US"/>
+            </a:pPr>
+            <a:r>
+              <a:rPr lang="en-US" altLang="ko-KR"/>
               <a:t>- </a:t>
             </a:r>
             <a:r>
-              <a:rPr lang="ko-KR" altLang="en-US" smtClean="0"/>
+              <a:rPr lang="ko-KR" altLang="en-US"/>
               <a:t>필요없는 열을 </a:t>
             </a:r>
             <a:r>
-              <a:rPr lang="en-US" altLang="ko-KR" smtClean="0"/>
+              <a:rPr lang="en-US" altLang="ko-KR"/>
               <a:t>drop</a:t>
             </a:r>
             <a:r>
-              <a:rPr lang="ko-KR" altLang="en-US" smtClean="0"/>
-              <a:t>하여 차원을 낮춤</a:t>
-            </a:r>
-            <a:endParaRPr lang="en-US" altLang="ko-KR" smtClean="0"/>
+              <a:rPr lang="ko-KR" altLang="en-US"/>
+              <a:t>함</a:t>
+            </a:r>
+            <a:endParaRPr lang="ko-KR" altLang="en-US"/>
           </a:p>
         </p:txBody>
       </p:sp>
@@ -7607,7 +7400,7 @@
         <p:spPr>
           <a:xfrm>
             <a:off x="4971099" y="795308"/>
-            <a:ext cx="2751667" cy="655795"/>
+            <a:ext cx="2751667" cy="641062"/>
           </a:xfrm>
           <a:prstGeom prst="rect">
             <a:avLst/>
@@ -7622,45 +7415,27 @@
           </a:ln>
         </p:spPr>
         <p:txBody>
-          <a:bodyPr wrap="square" rtlCol="0">
+          <a:bodyPr wrap="square">
             <a:spAutoFit/>
           </a:bodyPr>
           <a:lstStyle/>
           <a:p>
-            <a:pPr algn="ctr"/>
-            <a:r>
-              <a:rPr lang="en-US" altLang="ko-KR" smtClean="0">
-                <a:solidFill>
-                  <a:srgbClr val="FF0000"/>
-                </a:solidFill>
-              </a:rPr>
-              <a:t>---</a:t>
-            </a:r>
-            <a:r>
-              <a:rPr lang="ko-KR" altLang="en-US" smtClean="0"/>
+            <a:pPr algn="ctr">
+              <a:defRPr lang="ko-KR" altLang="en-US"/>
+            </a:pPr>
+            <a:r>
+              <a:rPr lang="ko-KR" altLang="en-US" b="1"/>
               <a:t>목표</a:t>
             </a:r>
-            <a:r>
-              <a:rPr lang="en-US" altLang="ko-KR" smtClean="0">
-                <a:solidFill>
-                  <a:srgbClr val="FF0000"/>
-                </a:solidFill>
-              </a:rPr>
-              <a:t>---</a:t>
-            </a:r>
-            <a:r>
-              <a:rPr lang="en-US" altLang="ko-KR" smtClean="0"/>
-              <a:t/>
-            </a:r>
             <a:br>
-              <a:rPr lang="en-US" altLang="ko-KR" smtClean="0"/>
+              <a:rPr lang="en-US" altLang="ko-KR"/>
             </a:br>
             <a:r>
-              <a:rPr lang="ko-KR" altLang="en-US" smtClean="0"/>
+              <a:rPr lang="ko-KR" altLang="en-US"/>
               <a:t>트윗 내용 분석</a:t>
             </a:r>
             <a:r>
-              <a:rPr lang="en-US" altLang="ko-KR" smtClean="0"/>
+              <a:rPr lang="en-US" altLang="ko-KR"/>
               <a:t>..</a:t>
             </a:r>
             <a:endParaRPr lang="ko-KR" altLang="en-US"/>
@@ -7668,27 +7443,16 @@
         </p:txBody>
       </p:sp>
     </p:spTree>
-    <p:extLst>
-      <p:ext uri="{BB962C8B-B14F-4D97-AF65-F5344CB8AC3E}">
-        <p14:creationId xmlns:p14="http://schemas.microsoft.com/office/powerpoint/2010/main" val="583951804"/>
-      </p:ext>
-    </p:extLst>
   </p:cSld>
   <p:clrMapOvr>
     <a:masterClrMapping/>
   </p:clrMapOvr>
-  <p:timing>
-    <p:tnLst>
-      <p:par>
-        <p:cTn id="1" dur="indefinite" restart="never" nodeType="tmRoot"/>
-      </p:par>
-    </p:tnLst>
-  </p:timing>
+  <p:transition xmlns:mc="http://schemas.openxmlformats.org/markup-compatibility/2006" xmlns:hp="http://schemas.haansoft.com/office/presentation/8.0" mc:Ignorable="hp" hp:hslDur="500"/>
 </p:sld>
 </file>
 
-<file path=ppt/slides/slide14.xml><?xml version="1.0" encoding="utf-8"?>
-<p:sld xmlns:a="http://schemas.openxmlformats.org/drawingml/2006/main" xmlns:r="http://schemas.openxmlformats.org/officeDocument/2006/relationships" xmlns:p="http://schemas.openxmlformats.org/presentationml/2006/main">
+<file path=ppt/slides/slide13.xml><?xml version="1.0" encoding="utf-8"?>
+<p:sld xmlns:r="http://schemas.openxmlformats.org/officeDocument/2006/relationships" xmlns:c="http://schemas.openxmlformats.org/drawingml/2006/chart" xmlns:a="http://schemas.openxmlformats.org/drawingml/2006/main" xmlns:dgm="http://schemas.openxmlformats.org/drawingml/2006/diagram" xmlns:dsp="http://schemas.microsoft.com/office/drawing/2008/diagram" xmlns:p="http://schemas.openxmlformats.org/presentationml/2006/main" showMasterSp="0">
   <p:cSld>
     <p:spTree>
       <p:nvGrpSpPr>
@@ -7707,9 +7471,7 @@
       <p:sp>
         <p:nvSpPr>
           <p:cNvPr id="4" name="제목 1"/>
-          <p:cNvSpPr txBox="1">
-            <a:spLocks/>
-          </p:cNvSpPr>
+          <p:cNvSpPr txBox="1"/>
           <p:nvPr/>
         </p:nvSpPr>
         <p:spPr>
@@ -7730,8 +7492,8 @@
           </a:ln>
         </p:spPr>
         <p:txBody>
-          <a:bodyPr vert="horz" lIns="91440" tIns="45720" rIns="91440" bIns="45720" rtlCol="0" anchor="ctr">
-            <a:normAutofit fontScale="90000" lnSpcReduction="10000"/>
+          <a:bodyPr vert="horz" lIns="91440" tIns="45720" rIns="91440" bIns="45720" anchor="ctr">
+            <a:normAutofit fontScale="90000" lnSpcReduction="0"/>
           </a:bodyPr>
           <a:lstStyle>
             <a:lvl1pPr algn="ctr" defTabSz="914400" rtl="0" eaLnBrk="1" latinLnBrk="1" hangingPunct="1">
@@ -7806,21 +7568,27 @@
             </a:lvl9pPr>
           </a:lstStyle>
           <a:p>
-            <a:r>
-              <a:rPr lang="en-US" altLang="ko-KR" smtClean="0"/>
+            <a:pPr lvl="0">
+              <a:lnSpc>
+                <a:spcPct val="90000"/>
+              </a:lnSpc>
+              <a:defRPr lang="ko-KR" altLang="en-US"/>
+            </a:pPr>
+            <a:r>
+              <a:rPr lang="en-US" altLang="ko-KR"/>
               <a:t>NFT </a:t>
             </a:r>
             <a:r>
-              <a:rPr lang="ko-KR" altLang="en-US" smtClean="0"/>
+              <a:rPr lang="ko-KR" altLang="en-US"/>
               <a:t>트윗 데이터 </a:t>
             </a:r>
             <a:r>
-              <a:rPr lang="en-US" altLang="ko-KR" smtClean="0"/>
+              <a:rPr lang="en-US" altLang="ko-KR"/>
               <a:t>(tweeter)</a:t>
             </a:r>
             <a:endParaRPr lang="ko-KR" altLang="en-US">
               <a:solidFill>
-                <a:srgbClr val="FF0000"/>
+                <a:srgbClr val="ff0000"/>
               </a:solidFill>
             </a:endParaRPr>
           </a:p>
@@ -7834,14 +7602,8 @@
           </p:cNvPicPr>
           <p:nvPr/>
         </p:nvPicPr>
-        <p:blipFill>
-          <a:blip r:embed="rId3">
-            <a:extLst>
-              <a:ext uri="{28A0092B-C50C-407E-A947-70E740481C1C}">
-                <a14:useLocalDpi xmlns:a14="http://schemas.microsoft.com/office/drawing/2010/main" val="0"/>
-              </a:ext>
-            </a:extLst>
-          </a:blip>
+        <p:blipFill rotWithShape="1">
+          <a:blip r:embed="rId3"/>
           <a:stretch>
             <a:fillRect/>
           </a:stretch>
@@ -7865,7 +7627,7 @@
         <p:spPr>
           <a:xfrm>
             <a:off x="2413001" y="953069"/>
-            <a:ext cx="8653331" cy="923330"/>
+            <a:ext cx="8632189" cy="902401"/>
           </a:xfrm>
           <a:prstGeom prst="rect">
             <a:avLst/>
@@ -7873,159 +7635,157 @@
           <a:noFill/>
         </p:spPr>
         <p:txBody>
-          <a:bodyPr wrap="none" rtlCol="0">
+          <a:bodyPr wrap="none">
             <a:spAutoFit/>
           </a:bodyPr>
           <a:lstStyle/>
           <a:p>
-            <a:r>
-              <a:rPr lang="ko-KR" altLang="en-US" smtClean="0"/>
+            <a:pPr lvl="0">
+              <a:defRPr lang="ko-KR" altLang="en-US"/>
+            </a:pPr>
+            <a:r>
+              <a:rPr lang="ko-KR" altLang="en-US"/>
               <a:t>각 사용자들의 </a:t>
             </a:r>
             <a:r>
-              <a:rPr lang="en-US" altLang="ko-KR" smtClean="0"/>
+              <a:rPr lang="en-US" altLang="ko-KR"/>
               <a:t>Location </a:t>
             </a:r>
             <a:r>
-              <a:rPr lang="ko-KR" altLang="en-US" smtClean="0"/>
+              <a:rPr lang="ko-KR" altLang="en-US"/>
               <a:t>분석 결과</a:t>
             </a:r>
             <a:r>
-              <a:rPr lang="en-US" altLang="ko-KR" smtClean="0"/>
+              <a:rPr lang="en-US" altLang="ko-KR"/>
               <a:t>..  </a:t>
             </a:r>
             <a:r>
-              <a:rPr lang="ko-KR" altLang="en-US" smtClean="0"/>
+              <a:rPr lang="ko-KR" altLang="en-US"/>
               <a:t>메타버스 등</a:t>
             </a:r>
             <a:r>
-              <a:rPr lang="en-US" altLang="ko-KR" smtClean="0"/>
+              <a:rPr lang="en-US" altLang="ko-KR"/>
               <a:t>.. </a:t>
             </a:r>
             <a:r>
-              <a:rPr lang="ko-KR" altLang="en-US" smtClean="0"/>
+              <a:rPr lang="ko-KR" altLang="en-US"/>
               <a:t>가상의 </a:t>
             </a:r>
             <a:r>
-              <a:rPr lang="en-US" altLang="ko-KR" smtClean="0"/>
+              <a:rPr lang="en-US" altLang="ko-KR"/>
               <a:t>Location</a:t>
             </a:r>
             <a:r>
-              <a:rPr lang="ko-KR" altLang="en-US" smtClean="0"/>
+              <a:rPr lang="ko-KR" altLang="en-US"/>
               <a:t>을 제외하면</a:t>
             </a:r>
-            <a:endParaRPr lang="en-US" altLang="ko-KR" smtClean="0"/>
-          </a:p>
-          <a:p>
-            <a:endParaRPr lang="en-US" altLang="ko-KR" smtClean="0"/>
-          </a:p>
-          <a:p>
+            <a:endParaRPr lang="ko-KR" altLang="en-US"/>
+          </a:p>
+          <a:p>
+            <a:pPr lvl="0">
+              <a:defRPr lang="ko-KR" altLang="en-US"/>
+            </a:pPr>
+            <a:endParaRPr lang="en-US" altLang="ko-KR"/>
+          </a:p>
+          <a:p>
+            <a:pPr lvl="0">
+              <a:defRPr lang="ko-KR" altLang="en-US"/>
+            </a:pPr>
             <a:r>
               <a:rPr lang="en-US" altLang="ko-KR"/>
               <a:t>[</a:t>
             </a:r>
             <a:r>
-              <a:rPr lang="ko-KR" altLang="en-US" smtClean="0"/>
+              <a:rPr lang="ko-KR" altLang="en-US"/>
               <a:t>프랑스</a:t>
             </a:r>
             <a:r>
-              <a:rPr lang="en-US" altLang="ko-KR" smtClean="0"/>
+              <a:rPr lang="en-US" altLang="ko-KR"/>
               <a:t>, </a:t>
             </a:r>
             <a:r>
-              <a:rPr lang="ko-KR" altLang="en-US" smtClean="0"/>
+              <a:rPr lang="ko-KR" altLang="en-US"/>
               <a:t>인도네시아</a:t>
             </a:r>
             <a:r>
-              <a:rPr lang="en-US" altLang="ko-KR" smtClean="0"/>
+              <a:rPr lang="en-US" altLang="ko-KR"/>
               <a:t>, </a:t>
             </a:r>
             <a:r>
-              <a:rPr lang="ko-KR" altLang="en-US" smtClean="0"/>
+              <a:rPr lang="ko-KR" altLang="en-US"/>
               <a:t>방글라데쉬</a:t>
             </a:r>
             <a:r>
-              <a:rPr lang="en-US" altLang="ko-KR" smtClean="0"/>
+              <a:rPr lang="en-US" altLang="ko-KR"/>
               <a:t>, US, </a:t>
             </a:r>
             <a:r>
-              <a:rPr lang="ko-KR" altLang="en-US" smtClean="0"/>
+              <a:rPr lang="ko-KR" altLang="en-US"/>
               <a:t>이란</a:t>
             </a:r>
             <a:r>
-              <a:rPr lang="en-US" altLang="ko-KR" smtClean="0"/>
+              <a:rPr lang="en-US" altLang="ko-KR"/>
               <a:t>,</a:t>
             </a:r>
             <a:r>
-              <a:rPr lang="ko-KR" altLang="en-US" smtClean="0"/>
+              <a:rPr lang="ko-KR" altLang="en-US"/>
               <a:t>캘리포니아</a:t>
             </a:r>
             <a:r>
-              <a:rPr lang="en-US" altLang="ko-KR" smtClean="0"/>
+              <a:rPr lang="en-US" altLang="ko-KR"/>
               <a:t>, </a:t>
             </a:r>
             <a:r>
-              <a:rPr lang="ko-KR" altLang="en-US" smtClean="0"/>
+              <a:rPr lang="ko-KR" altLang="en-US"/>
               <a:t>인도</a:t>
             </a:r>
             <a:r>
-              <a:rPr lang="en-US" altLang="ko-KR" smtClean="0"/>
+              <a:rPr lang="en-US" altLang="ko-KR"/>
               <a:t>, </a:t>
             </a:r>
             <a:r>
-              <a:rPr lang="ko-KR" altLang="en-US" smtClean="0"/>
+              <a:rPr lang="ko-KR" altLang="en-US"/>
               <a:t>베트남</a:t>
             </a:r>
             <a:r>
-              <a:rPr lang="en-US" altLang="ko-KR" smtClean="0"/>
+              <a:rPr lang="en-US" altLang="ko-KR"/>
               <a:t>, </a:t>
             </a:r>
             <a:r>
-              <a:rPr lang="ko-KR" altLang="en-US" smtClean="0"/>
+              <a:rPr lang="ko-KR" altLang="en-US"/>
               <a:t>몽골</a:t>
             </a:r>
             <a:r>
-              <a:rPr lang="en-US" altLang="ko-KR" smtClean="0"/>
+              <a:rPr lang="en-US" altLang="ko-KR"/>
               <a:t>,</a:t>
             </a:r>
             <a:r>
-              <a:rPr lang="ko-KR" altLang="en-US" smtClean="0"/>
+              <a:rPr lang="ko-KR" altLang="en-US"/>
               <a:t> 타이완</a:t>
             </a:r>
             <a:r>
-              <a:rPr lang="en-US" altLang="ko-KR" smtClean="0"/>
+              <a:rPr lang="en-US" altLang="ko-KR"/>
               <a:t>] </a:t>
             </a:r>
             <a:r>
-              <a:rPr lang="ko-KR" altLang="en-US" smtClean="0"/>
+              <a:rPr lang="ko-KR" altLang="en-US"/>
               <a:t>이 표에 존재함 </a:t>
             </a:r>
-            <a:endParaRPr lang="en-US" altLang="ko-KR" smtClean="0"/>
+            <a:endParaRPr lang="en-US" altLang="ko-KR"/>
           </a:p>
         </p:txBody>
       </p:sp>
     </p:spTree>
-    <p:extLst>
-      <p:ext uri="{BB962C8B-B14F-4D97-AF65-F5344CB8AC3E}">
-        <p14:creationId xmlns:p14="http://schemas.microsoft.com/office/powerpoint/2010/main" val="2140109655"/>
-      </p:ext>
-    </p:extLst>
   </p:cSld>
   <p:clrMapOvr>
     <a:masterClrMapping/>
   </p:clrMapOvr>
-  <p:timing>
-    <p:tnLst>
-      <p:par>
-        <p:cTn id="1" dur="indefinite" restart="never" nodeType="tmRoot"/>
-      </p:par>
-    </p:tnLst>
-  </p:timing>
+  <p:transition xmlns:mc="http://schemas.openxmlformats.org/markup-compatibility/2006" xmlns:hp="http://schemas.haansoft.com/office/presentation/8.0" mc:Ignorable="hp" hp:hslDur="500"/>
 </p:sld>
 </file>
 
-<file path=ppt/slides/slide15.xml><?xml version="1.0" encoding="utf-8"?>
-<p:sld xmlns:a="http://schemas.openxmlformats.org/drawingml/2006/main" xmlns:r="http://schemas.openxmlformats.org/officeDocument/2006/relationships" xmlns:p="http://schemas.openxmlformats.org/presentationml/2006/main">
+<file path=ppt/slides/slide14.xml><?xml version="1.0" encoding="utf-8"?>
+<p:sld xmlns:r="http://schemas.openxmlformats.org/officeDocument/2006/relationships" xmlns:c="http://schemas.openxmlformats.org/drawingml/2006/chart" xmlns:a="http://schemas.openxmlformats.org/drawingml/2006/main" xmlns:dgm="http://schemas.openxmlformats.org/drawingml/2006/diagram" xmlns:dsp="http://schemas.microsoft.com/office/drawing/2008/diagram" xmlns:p="http://schemas.openxmlformats.org/presentationml/2006/main" showMasterSp="0">
   <p:cSld>
     <p:spTree>
       <p:nvGrpSpPr>
@@ -8044,9 +7804,7 @@
       <p:sp>
         <p:nvSpPr>
           <p:cNvPr id="4" name="제목 1"/>
-          <p:cNvSpPr txBox="1">
-            <a:spLocks/>
-          </p:cNvSpPr>
+          <p:cNvSpPr txBox="1"/>
           <p:nvPr/>
         </p:nvSpPr>
         <p:spPr>
@@ -8067,8 +7825,8 @@
           </a:ln>
         </p:spPr>
         <p:txBody>
-          <a:bodyPr vert="horz" lIns="91440" tIns="45720" rIns="91440" bIns="45720" rtlCol="0" anchor="ctr">
-            <a:normAutofit fontScale="90000" lnSpcReduction="10000"/>
+          <a:bodyPr vert="horz" lIns="91440" tIns="45720" rIns="91440" bIns="45720" anchor="ctr">
+            <a:normAutofit fontScale="90000" lnSpcReduction="0"/>
           </a:bodyPr>
           <a:lstStyle>
             <a:lvl1pPr algn="ctr" defTabSz="914400" rtl="0" eaLnBrk="1" latinLnBrk="1" hangingPunct="1">
@@ -8143,21 +7901,27 @@
             </a:lvl9pPr>
           </a:lstStyle>
           <a:p>
-            <a:r>
-              <a:rPr lang="en-US" altLang="ko-KR" smtClean="0"/>
+            <a:pPr lvl="0">
+              <a:lnSpc>
+                <a:spcPct val="90000"/>
+              </a:lnSpc>
+              <a:defRPr lang="ko-KR" altLang="en-US"/>
+            </a:pPr>
+            <a:r>
+              <a:rPr lang="en-US" altLang="ko-KR"/>
               <a:t>NFT </a:t>
             </a:r>
             <a:r>
-              <a:rPr lang="ko-KR" altLang="en-US" smtClean="0"/>
+              <a:rPr lang="ko-KR" altLang="en-US"/>
               <a:t>트윗 데이터 </a:t>
             </a:r>
             <a:r>
-              <a:rPr lang="en-US" altLang="ko-KR" smtClean="0"/>
+              <a:rPr lang="en-US" altLang="ko-KR"/>
               <a:t>(tweeter)</a:t>
             </a:r>
             <a:endParaRPr lang="ko-KR" altLang="en-US">
               <a:solidFill>
-                <a:srgbClr val="FF0000"/>
+                <a:srgbClr val="ff0000"/>
               </a:solidFill>
             </a:endParaRPr>
           </a:p>
@@ -8171,14 +7935,8 @@
           </p:cNvPicPr>
           <p:nvPr/>
         </p:nvPicPr>
-        <p:blipFill>
-          <a:blip r:embed="rId3">
-            <a:extLst>
-              <a:ext uri="{28A0092B-C50C-407E-A947-70E740481C1C}">
-                <a14:useLocalDpi xmlns:a14="http://schemas.microsoft.com/office/drawing/2010/main" val="0"/>
-              </a:ext>
-            </a:extLst>
-          </a:blip>
+        <p:blipFill rotWithShape="1">
+          <a:blip r:embed="rId3"/>
           <a:stretch>
             <a:fillRect/>
           </a:stretch>
@@ -8212,38 +7970,37 @@
           </a:solidFill>
           <a:ln>
             <a:solidFill>
-              <a:srgbClr val="FF0000"/>
+              <a:srgbClr val="ff0000"/>
             </a:solidFill>
           </a:ln>
         </p:spPr>
         <p:txBody>
-          <a:bodyPr wrap="square" rtlCol="0">
+          <a:bodyPr wrap="square">
             <a:spAutoFit/>
           </a:bodyPr>
           <a:lstStyle/>
           <a:p>
-            <a:r>
-              <a:rPr lang="ko-KR" altLang="en-US" smtClean="0"/>
+            <a:pPr lvl="0">
+              <a:defRPr lang="ko-KR" altLang="en-US"/>
+            </a:pPr>
+            <a:r>
+              <a:rPr lang="ko-KR" altLang="en-US"/>
               <a:t>데이터의 모든 </a:t>
             </a:r>
             <a:r>
-              <a:rPr lang="en-US" altLang="ko-KR" smtClean="0"/>
+              <a:rPr lang="en-US" altLang="ko-KR"/>
               <a:t>Tweet</a:t>
             </a:r>
             <a:r>
               <a:rPr lang="ko-KR" altLang="en-US"/>
-              <a:t> </a:t>
-            </a:r>
-            <a:r>
-              <a:rPr lang="ko-KR" altLang="en-US" smtClean="0"/>
-              <a:t>내용을 분석하여 </a:t>
-            </a:r>
-            <a:r>
-              <a:rPr lang="en-US" altLang="ko-KR" smtClean="0"/>
+              <a:t> 내용을 분석하여 </a:t>
+            </a:r>
+            <a:r>
+              <a:rPr lang="en-US" altLang="ko-KR"/>
               <a:t>Word Cloud</a:t>
             </a:r>
             <a:r>
-              <a:rPr lang="ko-KR" altLang="en-US" smtClean="0"/>
+              <a:rPr lang="ko-KR" altLang="en-US"/>
               <a:t>로 만든 결과 </a:t>
             </a:r>
             <a:endParaRPr lang="ko-KR" altLang="en-US"/>
@@ -8258,14 +8015,8 @@
           </p:cNvPicPr>
           <p:nvPr/>
         </p:nvPicPr>
-        <p:blipFill>
-          <a:blip r:embed="rId4">
-            <a:extLst>
-              <a:ext uri="{28A0092B-C50C-407E-A947-70E740481C1C}">
-                <a14:useLocalDpi xmlns:a14="http://schemas.microsoft.com/office/drawing/2010/main" val="0"/>
-              </a:ext>
-            </a:extLst>
-          </a:blip>
+        <p:blipFill rotWithShape="1">
+          <a:blip r:embed="rId4"/>
           <a:stretch>
             <a:fillRect/>
           </a:stretch>
@@ -8288,21 +8039,15 @@
           </p:cNvPicPr>
           <p:nvPr/>
         </p:nvPicPr>
-        <p:blipFill>
-          <a:blip r:embed="rId5">
-            <a:extLst>
-              <a:ext uri="{28A0092B-C50C-407E-A947-70E740481C1C}">
-                <a14:useLocalDpi xmlns:a14="http://schemas.microsoft.com/office/drawing/2010/main" val="0"/>
-              </a:ext>
-            </a:extLst>
-          </a:blip>
+        <p:blipFill rotWithShape="1">
+          <a:blip r:embed="rId5"/>
           <a:stretch>
             <a:fillRect/>
           </a:stretch>
         </p:blipFill>
         <p:spPr>
           <a:xfrm>
-            <a:off x="8677418" y="2166254"/>
+            <a:off x="8793836" y="2060420"/>
             <a:ext cx="3036789" cy="3637592"/>
           </a:xfrm>
           <a:prstGeom prst="rect">
@@ -8329,22 +8074,25 @@
           </a:solidFill>
           <a:ln>
             <a:solidFill>
-              <a:srgbClr val="FF0000"/>
+              <a:srgbClr val="ff0000"/>
             </a:solidFill>
           </a:ln>
         </p:spPr>
         <p:txBody>
-          <a:bodyPr wrap="square" rtlCol="0">
+          <a:bodyPr wrap="square">
             <a:spAutoFit/>
           </a:bodyPr>
           <a:lstStyle/>
           <a:p>
-            <a:r>
-              <a:rPr lang="ko-KR" altLang="en-US" smtClean="0"/>
+            <a:pPr lvl="0">
+              <a:defRPr lang="ko-KR" altLang="en-US"/>
+            </a:pPr>
+            <a:r>
+              <a:rPr lang="ko-KR" altLang="en-US"/>
               <a:t>프랑스 지역의 </a:t>
             </a:r>
             <a:r>
-              <a:rPr lang="en-US" altLang="ko-KR" smtClean="0"/>
+              <a:rPr lang="en-US" altLang="ko-KR"/>
               <a:t>Tweet Word Cloud</a:t>
             </a:r>
             <a:endParaRPr lang="ko-KR" altLang="en-US"/>
@@ -8360,7 +8108,7 @@
         <p:spPr>
           <a:xfrm>
             <a:off x="8526903" y="1518713"/>
-            <a:ext cx="3580660" cy="369332"/>
+            <a:ext cx="3546988" cy="369332"/>
           </a:xfrm>
           <a:prstGeom prst="rect">
             <a:avLst/>
@@ -8370,7 +8118,7 @@
           </a:solidFill>
           <a:ln>
             <a:solidFill>
-              <a:srgbClr val="FF0000"/>
+              <a:srgbClr val="ff0000"/>
             </a:solidFill>
           </a:ln>
         </p:spPr>
@@ -8380,13 +8128,12 @@
           </a:bodyPr>
           <a:lstStyle/>
           <a:p>
-            <a:r>
-              <a:rPr lang="ko-KR" altLang="en-US" smtClean="0"/>
-              <a:t>인도네시아 </a:t>
-            </a:r>
-            <a:r>
-              <a:rPr lang="ko-KR" altLang="en-US"/>
-              <a:t>지역의 </a:t>
+            <a:pPr lvl="0">
+              <a:defRPr lang="ko-KR" altLang="en-US"/>
+            </a:pPr>
+            <a:r>
+              <a:rPr lang="ko-KR" altLang="en-US"/>
+              <a:t>인도네시아 지역의 </a:t>
             </a:r>
             <a:r>
               <a:rPr lang="en-US" altLang="ko-KR"/>
@@ -8397,27 +8144,16 @@
         </p:txBody>
       </p:sp>
     </p:spTree>
-    <p:extLst>
-      <p:ext uri="{BB962C8B-B14F-4D97-AF65-F5344CB8AC3E}">
-        <p14:creationId xmlns:p14="http://schemas.microsoft.com/office/powerpoint/2010/main" val="3943654105"/>
-      </p:ext>
-    </p:extLst>
   </p:cSld>
   <p:clrMapOvr>
     <a:masterClrMapping/>
   </p:clrMapOvr>
-  <p:timing>
-    <p:tnLst>
-      <p:par>
-        <p:cTn id="1" dur="indefinite" restart="never" nodeType="tmRoot"/>
-      </p:par>
-    </p:tnLst>
-  </p:timing>
+  <p:transition xmlns:mc="http://schemas.openxmlformats.org/markup-compatibility/2006" xmlns:hp="http://schemas.haansoft.com/office/presentation/8.0" mc:Ignorable="hp" hp:hslDur="500"/>
 </p:sld>
 </file>
 
-<file path=ppt/slides/slide16.xml><?xml version="1.0" encoding="utf-8"?>
-<p:sld xmlns:a="http://schemas.openxmlformats.org/drawingml/2006/main" xmlns:r="http://schemas.openxmlformats.org/officeDocument/2006/relationships" xmlns:p="http://schemas.openxmlformats.org/presentationml/2006/main">
+<file path=ppt/slides/slide15.xml><?xml version="1.0" encoding="utf-8"?>
+<p:sld xmlns:r="http://schemas.openxmlformats.org/officeDocument/2006/relationships" xmlns:c="http://schemas.openxmlformats.org/drawingml/2006/chart" xmlns:a="http://schemas.openxmlformats.org/drawingml/2006/main" xmlns:dgm="http://schemas.openxmlformats.org/drawingml/2006/diagram" xmlns:dsp="http://schemas.microsoft.com/office/drawing/2008/diagram" xmlns:p="http://schemas.openxmlformats.org/presentationml/2006/main" showMasterSp="0">
   <p:cSld>
     <p:spTree>
       <p:nvGrpSpPr>
@@ -8440,7 +8176,7 @@
             <a:spLocks noGrp="1"/>
           </p:cNvSpPr>
           <p:nvPr>
-            <p:ph type="title"/>
+            <p:ph type="title" idx="0"/>
           </p:nvPr>
         </p:nvSpPr>
         <p:spPr/>
@@ -8448,9 +8184,12 @@
           <a:bodyPr/>
           <a:lstStyle/>
           <a:p>
-            <a:r>
-              <a:rPr lang="ko-KR" altLang="en-US" smtClean="0"/>
-              <a:t>결론</a:t>
+            <a:pPr lvl="0">
+              <a:defRPr lang="ko-KR" altLang="en-US"/>
+            </a:pPr>
+            <a:r>
+              <a:rPr lang="ko-KR" altLang="en-US"/>
+              <a:t>결론 및 논의</a:t>
             </a:r>
             <a:endParaRPr lang="ko-KR" altLang="en-US"/>
           </a:p>
@@ -8465,7 +8204,7 @@
         <p:spPr>
           <a:xfrm>
             <a:off x="203199" y="1773534"/>
-            <a:ext cx="6375400" cy="4524315"/>
+            <a:ext cx="6375400" cy="4472960"/>
           </a:xfrm>
           <a:prstGeom prst="rect">
             <a:avLst/>
@@ -8475,477 +8214,479 @@
           </a:solidFill>
           <a:ln>
             <a:solidFill>
-              <a:srgbClr val="FF0000"/>
+              <a:srgbClr val="ff0000"/>
             </a:solidFill>
           </a:ln>
         </p:spPr>
         <p:txBody>
-          <a:bodyPr wrap="square" rtlCol="0">
+          <a:bodyPr wrap="square">
             <a:spAutoFit/>
           </a:bodyPr>
           <a:lstStyle/>
           <a:p>
-            <a:r>
-              <a:rPr lang="en-US" altLang="ko-KR" smtClean="0"/>
+            <a:pPr lvl="0">
+              <a:defRPr lang="ko-KR" altLang="en-US"/>
+            </a:pPr>
+            <a:r>
+              <a:rPr lang="en-US" altLang="ko-KR"/>
               <a:t>    </a:t>
             </a:r>
             <a:r>
-              <a:rPr lang="ko-KR" altLang="en-US" smtClean="0">
-                <a:solidFill>
-                  <a:srgbClr val="FFC000"/>
+              <a:rPr lang="ko-KR" altLang="en-US">
+                <a:solidFill>
+                  <a:srgbClr val="ffc000"/>
                 </a:solidFill>
               </a:rPr>
               <a:t>★</a:t>
             </a:r>
             <a:r>
               <a:rPr lang="en-US" altLang="ko-KR"/>
-              <a:t> </a:t>
-            </a:r>
-            <a:r>
-              <a:rPr lang="en-US" altLang="ko-KR" smtClean="0"/>
-              <a:t>1. NFT </a:t>
-            </a:r>
-            <a:r>
-              <a:rPr lang="ko-KR" altLang="en-US" smtClean="0"/>
+              <a:t> 1. NFT </a:t>
+            </a:r>
+            <a:r>
+              <a:rPr lang="ko-KR" altLang="en-US"/>
               <a:t>시계열 데이터 분석 결과 </a:t>
             </a:r>
             <a:r>
               <a:rPr lang="ko-KR" altLang="en-US">
                 <a:solidFill>
-                  <a:srgbClr val="FFC000"/>
+                  <a:srgbClr val="ffc000"/>
                 </a:solidFill>
               </a:rPr>
               <a:t>★</a:t>
             </a:r>
+            <a:endParaRPr lang="ko-KR" altLang="en-US">
+              <a:solidFill>
+                <a:srgbClr val="ffc000"/>
+              </a:solidFill>
+            </a:endParaRPr>
+          </a:p>
+          <a:p>
+            <a:pPr lvl="0">
+              <a:defRPr lang="ko-KR" altLang="en-US"/>
+            </a:pPr>
+            <a:r>
+              <a:rPr lang="en-US" altLang="ko-KR"/>
+              <a:t>-2017</a:t>
+            </a:r>
+            <a:r>
+              <a:rPr lang="ko-KR" altLang="en-US"/>
+              <a:t>년 부터는 </a:t>
+            </a:r>
+            <a:r>
+              <a:rPr lang="en-US" altLang="ko-KR"/>
+              <a:t>NFT</a:t>
+            </a:r>
+            <a:r>
+              <a:rPr lang="ko-KR" altLang="en-US"/>
+              <a:t>에 대한 거래</a:t>
+            </a:r>
+            <a:r>
+              <a:rPr lang="en-US" altLang="ko-KR"/>
+              <a:t>, </a:t>
+            </a:r>
+            <a:r>
+              <a:rPr lang="ko-KR" altLang="en-US"/>
+              <a:t>판매량 등 변동이 크지 않음</a:t>
+            </a:r>
+            <a:endParaRPr lang="ko-KR" altLang="en-US"/>
+          </a:p>
+          <a:p>
+            <a:pPr lvl="0">
+              <a:defRPr lang="ko-KR" altLang="en-US"/>
+            </a:pPr>
+            <a:r>
+              <a:rPr lang="en-US" altLang="ko-KR"/>
+              <a:t>-2021</a:t>
+            </a:r>
+            <a:r>
+              <a:rPr lang="ko-KR" altLang="en-US"/>
+              <a:t>년 부터 </a:t>
+            </a:r>
+            <a:r>
+              <a:rPr lang="en-US" altLang="ko-KR"/>
+              <a:t>NFT</a:t>
+            </a:r>
+            <a:r>
+              <a:rPr lang="ko-KR" altLang="en-US"/>
+              <a:t>에 대한 거래 등이 급격히 상승함 </a:t>
+            </a:r>
+            <a:endParaRPr lang="ko-KR" altLang="en-US"/>
+          </a:p>
+          <a:p>
+            <a:pPr lvl="0">
+              <a:defRPr lang="ko-KR" altLang="en-US"/>
+            </a:pPr>
+            <a:endParaRPr lang="en-US" altLang="ko-KR"/>
+          </a:p>
+          <a:p>
+            <a:pPr lvl="0">
+              <a:defRPr lang="ko-KR" altLang="en-US"/>
+            </a:pPr>
+            <a:r>
+              <a:rPr lang="en-US" altLang="ko-KR"/>
+              <a:t>    </a:t>
+            </a:r>
+            <a:r>
+              <a:rPr lang="ko-KR" altLang="en-US">
+                <a:solidFill>
+                  <a:srgbClr val="ffc000"/>
+                </a:solidFill>
+              </a:rPr>
+              <a:t>★</a:t>
+            </a:r>
+            <a:r>
+              <a:rPr lang="en-US" altLang="ko-KR"/>
+              <a:t> 2. NFT </a:t>
+            </a:r>
+            <a:r>
+              <a:rPr lang="ko-KR" altLang="en-US"/>
+              <a:t>컬렉션 데이터 분석 결과 </a:t>
+            </a:r>
+            <a:r>
+              <a:rPr lang="ko-KR" altLang="en-US">
+                <a:solidFill>
+                  <a:srgbClr val="ffc000"/>
+                </a:solidFill>
+              </a:rPr>
+              <a:t>★</a:t>
+            </a:r>
+            <a:endParaRPr lang="ko-KR" altLang="en-US">
+              <a:solidFill>
+                <a:srgbClr val="ffc000"/>
+              </a:solidFill>
+            </a:endParaRPr>
+          </a:p>
+          <a:p>
+            <a:pPr lvl="0">
+              <a:defRPr lang="ko-KR" altLang="en-US"/>
+            </a:pPr>
+            <a:r>
+              <a:rPr lang="en-US" altLang="ko-KR"/>
+              <a:t>-</a:t>
+            </a:r>
+            <a:r>
+              <a:rPr lang="ko-KR" altLang="en-US"/>
+              <a:t>컬렉션</a:t>
+            </a:r>
+            <a:r>
+              <a:rPr lang="en-US" altLang="ko-KR"/>
+              <a:t> </a:t>
+            </a:r>
+            <a:r>
+              <a:rPr lang="ko-KR" altLang="en-US"/>
+              <a:t>중 </a:t>
+            </a:r>
+            <a:r>
+              <a:rPr lang="en-US" altLang="ko-KR"/>
+              <a:t>NFT </a:t>
+            </a:r>
+            <a:r>
+              <a:rPr lang="ko-KR" altLang="en-US"/>
+              <a:t>판매액이 </a:t>
+            </a:r>
+            <a:r>
+              <a:rPr lang="en-US" altLang="ko-KR"/>
+              <a:t>1000</a:t>
+            </a:r>
+            <a:r>
+              <a:rPr lang="ko-KR" altLang="en-US"/>
+              <a:t>억이 넘는 컬렉션들이</a:t>
+            </a:r>
+            <a:endParaRPr lang="ko-KR" altLang="en-US"/>
+          </a:p>
+          <a:p>
+            <a:pPr lvl="0">
+              <a:defRPr lang="ko-KR" altLang="en-US"/>
+            </a:pPr>
+            <a:r>
+              <a:rPr lang="en-US" altLang="ko-KR"/>
+              <a:t>Cryptoslam.io(11</a:t>
+            </a:r>
+            <a:r>
+              <a:rPr lang="ko-KR" altLang="en-US"/>
+              <a:t>월</a:t>
+            </a:r>
+            <a:r>
+              <a:rPr lang="en-US" altLang="ko-KR"/>
+              <a:t> 25</a:t>
+            </a:r>
+            <a:r>
+              <a:rPr lang="ko-KR" altLang="en-US"/>
+              <a:t>일 기준</a:t>
+            </a:r>
+            <a:r>
+              <a:rPr lang="en-US" altLang="ko-KR"/>
+              <a:t>) 23</a:t>
+            </a:r>
+            <a:r>
+              <a:rPr lang="ko-KR" altLang="en-US"/>
+              <a:t>개가 넘는다</a:t>
+            </a:r>
+            <a:r>
+              <a:rPr lang="en-US" altLang="ko-KR"/>
+              <a:t>. </a:t>
+            </a:r>
+            <a:endParaRPr lang="en-US" altLang="ko-KR"/>
+          </a:p>
+          <a:p>
+            <a:pPr lvl="0">
+              <a:defRPr lang="ko-KR" altLang="en-US"/>
+            </a:pPr>
+            <a:r>
+              <a:rPr lang="en-US" altLang="ko-KR"/>
+              <a:t>-</a:t>
+            </a:r>
+            <a:r>
+              <a:rPr lang="ko-KR" altLang="en-US"/>
+              <a:t>거래액이 </a:t>
+            </a:r>
+            <a:r>
+              <a:rPr lang="en-US" altLang="ko-KR"/>
+              <a:t>1000</a:t>
+            </a:r>
+            <a:r>
+              <a:rPr lang="ko-KR" altLang="en-US"/>
+              <a:t>억이 넘는 컬렉션들 중 소유자수가 비정상적인 </a:t>
+            </a:r>
+            <a:endParaRPr lang="ko-KR" altLang="en-US"/>
+          </a:p>
+          <a:p>
+            <a:pPr lvl="0">
+              <a:defRPr lang="ko-KR" altLang="en-US"/>
+            </a:pPr>
+            <a:r>
+              <a:rPr lang="ko-KR" altLang="en-US"/>
+              <a:t>데이터들을</a:t>
+            </a:r>
+            <a:r>
+              <a:rPr lang="en-US" altLang="ko-KR"/>
+              <a:t> </a:t>
+            </a:r>
+            <a:r>
+              <a:rPr lang="ko-KR" altLang="en-US"/>
+              <a:t>분석해본 결과 창작자가 </a:t>
+            </a:r>
+            <a:r>
+              <a:rPr lang="en-US" altLang="ko-KR"/>
+              <a:t>“</a:t>
+            </a:r>
+            <a:r>
+              <a:rPr lang="ko-KR" altLang="en-US"/>
+              <a:t>작가</a:t>
+            </a:r>
+            <a:r>
+              <a:rPr lang="en-US" altLang="ko-KR"/>
+              <a:t>”</a:t>
+            </a:r>
+            <a:r>
+              <a:rPr lang="ko-KR" altLang="en-US"/>
+              <a:t>가 아닌 </a:t>
+            </a:r>
+            <a:r>
+              <a:rPr lang="en-US" altLang="ko-KR"/>
+              <a:t>“</a:t>
+            </a:r>
+            <a:r>
+              <a:rPr lang="ko-KR" altLang="en-US"/>
+              <a:t>플랫폼</a:t>
+            </a:r>
+            <a:r>
+              <a:rPr lang="en-US" altLang="ko-KR"/>
+              <a:t>, </a:t>
+            </a:r>
+            <a:r>
+              <a:rPr lang="ko-KR" altLang="en-US"/>
+              <a:t>게임</a:t>
+            </a:r>
+            <a:r>
+              <a:rPr lang="en-US" altLang="ko-KR"/>
+              <a:t>”</a:t>
+            </a:r>
+            <a:r>
+              <a:rPr lang="ko-KR" altLang="en-US"/>
+              <a:t>이었음</a:t>
+            </a:r>
+            <a:r>
+              <a:rPr lang="en-US" altLang="ko-KR"/>
+              <a:t>.</a:t>
+            </a:r>
+            <a:r>
+              <a:rPr lang="ko-KR" altLang="en-US"/>
+              <a:t> </a:t>
+            </a:r>
+            <a:endParaRPr lang="ko-KR" altLang="en-US"/>
+          </a:p>
+          <a:p>
+            <a:pPr lvl="0">
+              <a:defRPr lang="ko-KR" altLang="en-US"/>
+            </a:pPr>
+            <a:r>
+              <a:rPr lang="en-US" altLang="ko-KR"/>
+              <a:t>-</a:t>
+            </a:r>
+            <a:r>
+              <a:rPr lang="ko-KR" altLang="en-US"/>
+              <a:t>트랜잭션과 거래액에는 별 상관관계가 없음 </a:t>
+            </a:r>
+            <a:r>
+              <a:rPr lang="en-US" altLang="ko-KR"/>
+              <a:t>Case by Case(</a:t>
+            </a:r>
+            <a:r>
+              <a:rPr lang="ko-KR" altLang="en-US"/>
+              <a:t>케바케</a:t>
+            </a:r>
+            <a:r>
+              <a:rPr lang="en-US" altLang="ko-KR"/>
+              <a:t>)</a:t>
+            </a:r>
+            <a:endParaRPr lang="en-US" altLang="ko-KR"/>
+          </a:p>
+          <a:p>
+            <a:pPr lvl="0">
+              <a:defRPr lang="ko-KR" altLang="en-US"/>
+            </a:pPr>
             <a:endParaRPr lang="en-US" altLang="ko-KR">
               <a:solidFill>
-                <a:srgbClr val="FFC000"/>
+                <a:srgbClr val="ffc000"/>
               </a:solidFill>
             </a:endParaRPr>
           </a:p>
           <a:p>
-            <a:r>
-              <a:rPr lang="en-US" altLang="ko-KR" smtClean="0"/>
-              <a:t>-2017</a:t>
-            </a:r>
-            <a:r>
-              <a:rPr lang="ko-KR" altLang="en-US" smtClean="0"/>
-              <a:t>년 부터는 </a:t>
-            </a:r>
-            <a:r>
-              <a:rPr lang="en-US" altLang="ko-KR" smtClean="0"/>
-              <a:t>NFT</a:t>
-            </a:r>
-            <a:r>
-              <a:rPr lang="ko-KR" altLang="en-US" smtClean="0"/>
-              <a:t>에 대한 거래</a:t>
-            </a:r>
-            <a:r>
-              <a:rPr lang="en-US" altLang="ko-KR" smtClean="0"/>
-              <a:t>, </a:t>
-            </a:r>
-            <a:r>
-              <a:rPr lang="ko-KR" altLang="en-US" smtClean="0"/>
-              <a:t>판매량 등 변동이 크지 않음</a:t>
-            </a:r>
-            <a:endParaRPr lang="en-US" altLang="ko-KR" smtClean="0"/>
-          </a:p>
-          <a:p>
-            <a:r>
-              <a:rPr lang="en-US" altLang="ko-KR"/>
-              <a:t>-</a:t>
-            </a:r>
-            <a:r>
-              <a:rPr lang="en-US" altLang="ko-KR" smtClean="0"/>
-              <a:t>2021</a:t>
-            </a:r>
-            <a:r>
-              <a:rPr lang="ko-KR" altLang="en-US" smtClean="0"/>
-              <a:t>년 부터 </a:t>
-            </a:r>
-            <a:r>
-              <a:rPr lang="en-US" altLang="ko-KR" smtClean="0"/>
-              <a:t>NFT</a:t>
-            </a:r>
-            <a:r>
-              <a:rPr lang="ko-KR" altLang="en-US" smtClean="0"/>
-              <a:t>에 대한 거래 등이 급격히 상승함 </a:t>
-            </a:r>
-            <a:endParaRPr lang="en-US" altLang="ko-KR" smtClean="0"/>
-          </a:p>
-          <a:p>
-            <a:endParaRPr lang="en-US" altLang="ko-KR"/>
-          </a:p>
-          <a:p>
-            <a:r>
-              <a:rPr lang="en-US" altLang="ko-KR"/>
-              <a:t> </a:t>
-            </a:r>
-            <a:r>
-              <a:rPr lang="en-US" altLang="ko-KR" smtClean="0"/>
-              <a:t>   </a:t>
-            </a:r>
-            <a:r>
-              <a:rPr lang="ko-KR" altLang="en-US" smtClean="0">
-                <a:solidFill>
-                  <a:srgbClr val="FFC000"/>
+            <a:pPr lvl="0">
+              <a:defRPr lang="ko-KR" altLang="en-US"/>
+            </a:pPr>
+            <a:r>
+              <a:rPr lang="ko-KR" altLang="en-US"/>
+              <a:t>    </a:t>
+            </a:r>
+            <a:r>
+              <a:rPr lang="ko-KR" altLang="en-US">
+                <a:solidFill>
+                  <a:srgbClr val="ffc000"/>
                 </a:solidFill>
               </a:rPr>
               <a:t>★</a:t>
             </a:r>
             <a:r>
-              <a:rPr lang="en-US" altLang="ko-KR" smtClean="0"/>
-              <a:t> 2. </a:t>
-            </a:r>
-            <a:r>
-              <a:rPr lang="en-US" altLang="ko-KR"/>
-              <a:t>NFT </a:t>
-            </a:r>
-            <a:r>
-              <a:rPr lang="ko-KR" altLang="en-US" smtClean="0"/>
-              <a:t>컬렉션 </a:t>
-            </a:r>
-            <a:r>
-              <a:rPr lang="ko-KR" altLang="en-US"/>
-              <a:t>데이터 분석 </a:t>
-            </a:r>
-            <a:r>
-              <a:rPr lang="ko-KR" altLang="en-US"/>
-              <a:t>결과 </a:t>
-            </a:r>
-            <a:r>
-              <a:rPr lang="ko-KR" altLang="en-US" smtClean="0">
-                <a:solidFill>
-                  <a:srgbClr val="FFC000"/>
+              <a:rPr lang="en-US" altLang="ko-KR"/>
+              <a:t> 3. NFT tweet</a:t>
+            </a:r>
+            <a:r>
+              <a:rPr lang="ko-KR" altLang="en-US"/>
+              <a:t> 데이터 분석 결과  </a:t>
+            </a:r>
+            <a:r>
+              <a:rPr lang="ko-KR" altLang="en-US">
+                <a:solidFill>
+                  <a:srgbClr val="ffc000"/>
                 </a:solidFill>
               </a:rPr>
               <a:t>★</a:t>
             </a:r>
-            <a:endParaRPr lang="en-US" altLang="ko-KR" smtClean="0">
+            <a:endParaRPr lang="ko-KR" altLang="en-US">
               <a:solidFill>
-                <a:srgbClr val="FFC000"/>
+                <a:srgbClr val="ffc000"/>
               </a:solidFill>
             </a:endParaRPr>
           </a:p>
           <a:p>
-            <a:r>
-              <a:rPr lang="en-US" altLang="ko-KR" smtClean="0"/>
+            <a:pPr lvl="0">
+              <a:defRPr lang="ko-KR" altLang="en-US"/>
+            </a:pPr>
+            <a:r>
+              <a:rPr lang="en-US" altLang="ko-KR"/>
               <a:t>-</a:t>
             </a:r>
             <a:r>
-              <a:rPr lang="ko-KR" altLang="en-US" smtClean="0"/>
-              <a:t>컬렉션</a:t>
-            </a:r>
-            <a:r>
-              <a:rPr lang="en-US" altLang="ko-KR" smtClean="0"/>
+              <a:rPr lang="ko-KR" altLang="en-US"/>
+              <a:t>트윗 데이터 사용자들의 지역을 분석해본 결과 대부분 </a:t>
+            </a:r>
+            <a:r>
+              <a:rPr lang="en-US" altLang="ko-KR"/>
+              <a:t>Metaverse </a:t>
+            </a:r>
+            <a:r>
+              <a:rPr lang="ko-KR" altLang="en-US"/>
+              <a:t>같은 </a:t>
+            </a:r>
+            <a:endParaRPr lang="ko-KR" altLang="en-US"/>
+          </a:p>
+          <a:p>
+            <a:pPr lvl="0">
+              <a:defRPr lang="ko-KR" altLang="en-US"/>
+            </a:pPr>
+            <a:r>
+              <a:rPr lang="ko-KR" altLang="en-US"/>
+              <a:t>가상의 공간을</a:t>
+            </a:r>
+            <a:r>
+              <a:rPr lang="en-US" altLang="ko-KR"/>
               <a:t> </a:t>
             </a:r>
             <a:r>
-              <a:rPr lang="ko-KR" altLang="en-US" smtClean="0"/>
-              <a:t>중 </a:t>
-            </a:r>
-            <a:r>
-              <a:rPr lang="en-US" altLang="ko-KR" smtClean="0"/>
-              <a:t>NFT </a:t>
-            </a:r>
-            <a:r>
-              <a:rPr lang="ko-KR" altLang="en-US" smtClean="0"/>
-              <a:t>판매액이 </a:t>
-            </a:r>
-            <a:r>
-              <a:rPr lang="en-US" altLang="ko-KR" smtClean="0"/>
-              <a:t>1000</a:t>
-            </a:r>
-            <a:r>
-              <a:rPr lang="ko-KR" altLang="en-US" smtClean="0"/>
-              <a:t>억이 넘는 컬렉션들이</a:t>
-            </a:r>
-            <a:endParaRPr lang="en-US" altLang="ko-KR" smtClean="0"/>
-          </a:p>
-          <a:p>
-            <a:r>
-              <a:rPr lang="en-US" altLang="ko-KR" smtClean="0"/>
-              <a:t>Cryptoslam.io(11</a:t>
-            </a:r>
-            <a:r>
-              <a:rPr lang="ko-KR" altLang="en-US" smtClean="0"/>
-              <a:t>월</a:t>
-            </a:r>
+              <a:rPr lang="ko-KR" altLang="en-US"/>
+              <a:t>표기하였으며</a:t>
+            </a:r>
+            <a:r>
+              <a:rPr lang="en-US" altLang="ko-KR"/>
+              <a:t>, </a:t>
+            </a:r>
+            <a:r>
+              <a:rPr lang="ko-KR" altLang="en-US"/>
+              <a:t>그 외에는 </a:t>
+            </a:r>
+            <a:r>
+              <a:rPr lang="en-US" altLang="ko-KR"/>
+              <a:t>[</a:t>
+            </a:r>
+            <a:r>
+              <a:rPr lang="ko-KR" altLang="en-US"/>
+              <a:t>프랑스</a:t>
+            </a:r>
+            <a:r>
+              <a:rPr lang="en-US" altLang="ko-KR"/>
+              <a:t>, </a:t>
+            </a:r>
+            <a:r>
+              <a:rPr lang="ko-KR" altLang="en-US"/>
+              <a:t>인도네시아</a:t>
+            </a:r>
+            <a:r>
+              <a:rPr lang="en-US" altLang="ko-KR"/>
+              <a:t>]</a:t>
+            </a:r>
+            <a:r>
+              <a:rPr lang="ko-KR" altLang="en-US"/>
+              <a:t> 등이 지분을 </a:t>
+            </a:r>
+            <a:endParaRPr lang="ko-KR" altLang="en-US"/>
+          </a:p>
+          <a:p>
+            <a:pPr lvl="0">
+              <a:defRPr lang="ko-KR" altLang="en-US"/>
+            </a:pPr>
             <a:r>
               <a:rPr lang="en-US" altLang="ko-KR"/>
               <a:t> </a:t>
             </a:r>
             <a:r>
-              <a:rPr lang="en-US" altLang="ko-KR" smtClean="0"/>
-              <a:t>25</a:t>
-            </a:r>
-            <a:r>
-              <a:rPr lang="ko-KR" altLang="en-US" smtClean="0"/>
-              <a:t>일 기준</a:t>
-            </a:r>
-            <a:r>
-              <a:rPr lang="en-US" altLang="ko-KR" smtClean="0"/>
-              <a:t>) 23</a:t>
-            </a:r>
-            <a:r>
-              <a:rPr lang="ko-KR" altLang="en-US" smtClean="0"/>
-              <a:t>개가 넘는다</a:t>
-            </a:r>
-            <a:r>
-              <a:rPr lang="en-US" altLang="ko-KR" smtClean="0"/>
-              <a:t>. </a:t>
-            </a:r>
-          </a:p>
-          <a:p>
-            <a:r>
-              <a:rPr lang="en-US" altLang="ko-KR" smtClean="0"/>
+              <a:rPr lang="ko-KR" altLang="en-US"/>
+              <a:t>많이 차지하였음</a:t>
+            </a:r>
+            <a:endParaRPr lang="ko-KR" altLang="en-US"/>
+          </a:p>
+          <a:p>
+            <a:pPr lvl="0">
+              <a:defRPr lang="ko-KR" altLang="en-US"/>
+            </a:pPr>
+            <a:r>
+              <a:rPr lang="en-US" altLang="ko-KR"/>
               <a:t>-</a:t>
             </a:r>
             <a:r>
-              <a:rPr lang="ko-KR" altLang="en-US" smtClean="0"/>
-              <a:t>거래액이 </a:t>
-            </a:r>
-            <a:r>
-              <a:rPr lang="en-US" altLang="ko-KR" smtClean="0"/>
-              <a:t>1000</a:t>
-            </a:r>
-            <a:r>
-              <a:rPr lang="ko-KR" altLang="en-US" smtClean="0"/>
-              <a:t>억이 넘는 컬렉션들 중 소유자수가 비정상적인 </a:t>
-            </a:r>
-            <a:endParaRPr lang="en-US" altLang="ko-KR" smtClean="0"/>
-          </a:p>
-          <a:p>
-            <a:r>
-              <a:rPr lang="ko-KR" altLang="en-US" smtClean="0"/>
-              <a:t>데이터들을</a:t>
-            </a:r>
-            <a:r>
-              <a:rPr lang="en-US" altLang="ko-KR"/>
-              <a:t> </a:t>
-            </a:r>
-            <a:r>
-              <a:rPr lang="ko-KR" altLang="en-US" smtClean="0"/>
-              <a:t>분석해본 결과 창작자가 </a:t>
-            </a:r>
-            <a:r>
-              <a:rPr lang="en-US" altLang="ko-KR" smtClean="0"/>
-              <a:t>“</a:t>
-            </a:r>
-            <a:r>
-              <a:rPr lang="ko-KR" altLang="en-US" smtClean="0"/>
-              <a:t>작가</a:t>
-            </a:r>
-            <a:r>
-              <a:rPr lang="en-US" altLang="ko-KR" smtClean="0"/>
-              <a:t>”</a:t>
-            </a:r>
-            <a:r>
-              <a:rPr lang="ko-KR" altLang="en-US" smtClean="0"/>
-              <a:t>가 아닌 </a:t>
-            </a:r>
-            <a:r>
-              <a:rPr lang="en-US" altLang="ko-KR" smtClean="0"/>
-              <a:t>“</a:t>
-            </a:r>
-            <a:r>
-              <a:rPr lang="ko-KR" altLang="en-US" smtClean="0"/>
-              <a:t>플랫폼</a:t>
-            </a:r>
-            <a:r>
-              <a:rPr lang="en-US" altLang="ko-KR" smtClean="0"/>
-              <a:t>, </a:t>
-            </a:r>
-            <a:r>
-              <a:rPr lang="ko-KR" altLang="en-US" smtClean="0"/>
-              <a:t>게임</a:t>
-            </a:r>
-            <a:r>
-              <a:rPr lang="en-US" altLang="ko-KR" smtClean="0"/>
-              <a:t>”</a:t>
-            </a:r>
-            <a:r>
-              <a:rPr lang="ko-KR" altLang="en-US" smtClean="0"/>
-              <a:t>이었음</a:t>
-            </a:r>
-            <a:r>
-              <a:rPr lang="en-US" altLang="ko-KR" smtClean="0"/>
-              <a:t>.</a:t>
-            </a:r>
-            <a:r>
-              <a:rPr lang="ko-KR" altLang="en-US" smtClean="0"/>
-              <a:t> </a:t>
-            </a:r>
-            <a:endParaRPr lang="en-US" altLang="ko-KR" smtClean="0"/>
-          </a:p>
-          <a:p>
-            <a:r>
-              <a:rPr lang="en-US" altLang="ko-KR" smtClean="0"/>
-              <a:t>-</a:t>
-            </a:r>
-            <a:r>
-              <a:rPr lang="ko-KR" altLang="en-US" smtClean="0"/>
-              <a:t>트랜잭션과 거래액에는 별 상관관계가 없음 </a:t>
-            </a:r>
-            <a:r>
-              <a:rPr lang="en-US" altLang="ko-KR" smtClean="0"/>
-              <a:t>Case by Case(</a:t>
-            </a:r>
-            <a:r>
-              <a:rPr lang="ko-KR" altLang="en-US" smtClean="0"/>
-              <a:t>케바케</a:t>
-            </a:r>
-            <a:r>
-              <a:rPr lang="en-US" altLang="ko-KR" smtClean="0"/>
-              <a:t>)</a:t>
-            </a:r>
-          </a:p>
-          <a:p>
-            <a:endParaRPr lang="en-US" altLang="ko-KR">
-              <a:solidFill>
-                <a:srgbClr val="FFC000"/>
-              </a:solidFill>
-            </a:endParaRPr>
-          </a:p>
-          <a:p>
-            <a:r>
-              <a:rPr lang="ko-KR" altLang="en-US" smtClean="0"/>
-              <a:t>    </a:t>
-            </a:r>
-            <a:r>
-              <a:rPr lang="ko-KR" altLang="en-US" smtClean="0">
-                <a:solidFill>
-                  <a:srgbClr val="FFC000"/>
-                </a:solidFill>
-              </a:rPr>
-              <a:t>★</a:t>
-            </a:r>
-            <a:r>
-              <a:rPr lang="en-US" altLang="ko-KR" smtClean="0"/>
-              <a:t> 3. </a:t>
-            </a:r>
-            <a:r>
-              <a:rPr lang="en-US" altLang="ko-KR"/>
-              <a:t>NFT </a:t>
-            </a:r>
-            <a:r>
-              <a:rPr lang="en-US" altLang="ko-KR" smtClean="0"/>
-              <a:t>tweet</a:t>
-            </a:r>
-            <a:r>
-              <a:rPr lang="ko-KR" altLang="en-US" smtClean="0"/>
-              <a:t> </a:t>
-            </a:r>
-            <a:r>
-              <a:rPr lang="ko-KR" altLang="en-US"/>
-              <a:t>데이터 분석 </a:t>
-            </a:r>
-            <a:r>
-              <a:rPr lang="ko-KR" altLang="en-US"/>
-              <a:t>결과 </a:t>
-            </a:r>
-            <a:r>
-              <a:rPr lang="ko-KR" altLang="en-US" smtClean="0"/>
-              <a:t> </a:t>
-            </a:r>
-            <a:r>
-              <a:rPr lang="ko-KR" altLang="en-US" smtClean="0">
-                <a:solidFill>
-                  <a:srgbClr val="FFC000"/>
-                </a:solidFill>
-              </a:rPr>
-              <a:t>★</a:t>
-            </a:r>
-            <a:endParaRPr lang="en-US" altLang="ko-KR"/>
-          </a:p>
-          <a:p>
-            <a:r>
-              <a:rPr lang="en-US" altLang="ko-KR" smtClean="0"/>
-              <a:t>-</a:t>
-            </a:r>
-            <a:r>
-              <a:rPr lang="ko-KR" altLang="en-US" smtClean="0"/>
-              <a:t>트윗 데이터 사용자들의 지역을 분석해본 결과 대부분 </a:t>
-            </a:r>
-            <a:r>
-              <a:rPr lang="en-US" altLang="ko-KR" smtClean="0"/>
-              <a:t>Metaverse </a:t>
-            </a:r>
-            <a:r>
-              <a:rPr lang="ko-KR" altLang="en-US" smtClean="0"/>
-              <a:t>같은 </a:t>
-            </a:r>
-            <a:endParaRPr lang="en-US" altLang="ko-KR" smtClean="0"/>
-          </a:p>
-          <a:p>
-            <a:r>
-              <a:rPr lang="ko-KR" altLang="en-US" smtClean="0"/>
-              <a:t>가상의 공간을</a:t>
-            </a:r>
-            <a:r>
-              <a:rPr lang="en-US" altLang="ko-KR"/>
-              <a:t> </a:t>
-            </a:r>
-            <a:r>
-              <a:rPr lang="ko-KR" altLang="en-US" smtClean="0"/>
-              <a:t>표기하였으며</a:t>
-            </a:r>
-            <a:r>
-              <a:rPr lang="en-US" altLang="ko-KR" smtClean="0"/>
-              <a:t>, </a:t>
-            </a:r>
-            <a:r>
-              <a:rPr lang="ko-KR" altLang="en-US" smtClean="0"/>
-              <a:t>그 외에는 </a:t>
-            </a:r>
-            <a:r>
-              <a:rPr lang="en-US" altLang="ko-KR" smtClean="0"/>
-              <a:t>[</a:t>
-            </a:r>
-            <a:r>
-              <a:rPr lang="ko-KR" altLang="en-US"/>
-              <a:t>프랑스</a:t>
-            </a:r>
-            <a:r>
-              <a:rPr lang="en-US" altLang="ko-KR"/>
-              <a:t>, </a:t>
-            </a:r>
-            <a:r>
-              <a:rPr lang="ko-KR" altLang="en-US" smtClean="0"/>
-              <a:t>인도네시아</a:t>
-            </a:r>
-            <a:r>
-              <a:rPr lang="en-US" altLang="ko-KR" smtClean="0"/>
-              <a:t>]</a:t>
-            </a:r>
-            <a:r>
-              <a:rPr lang="ko-KR" altLang="en-US"/>
-              <a:t> </a:t>
-            </a:r>
-            <a:r>
-              <a:rPr lang="ko-KR" altLang="en-US" smtClean="0"/>
-              <a:t>등이 지분을 </a:t>
-            </a:r>
-            <a:endParaRPr lang="en-US" altLang="ko-KR" smtClean="0"/>
-          </a:p>
-          <a:p>
-            <a:r>
-              <a:rPr lang="en-US" altLang="ko-KR"/>
-              <a:t> </a:t>
-            </a:r>
-            <a:r>
-              <a:rPr lang="ko-KR" altLang="en-US" smtClean="0"/>
-              <a:t>많이 차지하였음</a:t>
-            </a:r>
-            <a:endParaRPr lang="en-US" altLang="ko-KR"/>
-          </a:p>
-          <a:p>
-            <a:r>
-              <a:rPr lang="en-US" altLang="ko-KR" smtClean="0"/>
-              <a:t>-</a:t>
-            </a:r>
-            <a:r>
-              <a:rPr lang="ko-KR" altLang="en-US" smtClean="0"/>
+              <a:rPr lang="ko-KR" altLang="en-US"/>
               <a:t>사람들의 트윗에 사용된 단어를 집계하여 워드 클라우드로 만들어 확인함</a:t>
             </a:r>
             <a:endParaRPr lang="en-US" altLang="ko-KR"/>
@@ -8960,8 +8701,8 @@
         </p:nvSpPr>
         <p:spPr>
           <a:xfrm>
-            <a:off x="6578599" y="1527314"/>
-            <a:ext cx="6383866" cy="2246769"/>
+            <a:off x="6557432" y="1432063"/>
+            <a:ext cx="6383866" cy="2499857"/>
           </a:xfrm>
           <a:prstGeom prst="rect">
             <a:avLst/>
@@ -8973,89 +8714,104 @@
           </a:bodyPr>
           <a:lstStyle/>
           <a:p>
-            <a:r>
-              <a:rPr lang="ko-KR" altLang="en-US" sz="2400" smtClean="0"/>
+            <a:pPr lvl="0">
+              <a:defRPr lang="ko-KR" altLang="en-US"/>
+            </a:pPr>
+            <a:r>
+              <a:rPr lang="ko-KR" altLang="en-US" sz="2400"/>
               <a:t>어려웠던 점 </a:t>
             </a:r>
-            <a:endParaRPr lang="en-US" altLang="ko-KR" sz="2400"/>
-          </a:p>
-          <a:p>
-            <a:r>
-              <a:rPr lang="en-US" altLang="ko-KR" sz="2400" smtClean="0"/>
+            <a:endParaRPr lang="ko-KR" altLang="en-US" sz="2400"/>
+          </a:p>
+          <a:p>
+            <a:pPr lvl="0">
+              <a:defRPr lang="ko-KR" altLang="en-US"/>
+            </a:pPr>
+            <a:r>
+              <a:rPr lang="en-US" altLang="ko-KR" sz="2400"/>
               <a:t>   </a:t>
             </a:r>
             <a:r>
-              <a:rPr lang="en-US" altLang="ko-KR" smtClean="0"/>
+              <a:rPr lang="en-US" altLang="ko-KR"/>
               <a:t>-</a:t>
             </a:r>
             <a:r>
-              <a:rPr lang="ko-KR" altLang="en-US" smtClean="0"/>
-              <a:t>분석에 대한 목적을 정하기가 어려운 데이터였음</a:t>
-            </a:r>
-            <a:endParaRPr lang="en-US" altLang="ko-KR" smtClean="0"/>
-          </a:p>
-          <a:p>
-            <a:r>
-              <a:rPr lang="en-US" altLang="ko-KR" sz="2000" smtClean="0"/>
+              <a:rPr lang="ko-KR" altLang="en-US"/>
+              <a:t>분석에 대한 목적을 정하기 어렵고, 실제로 생각의 흐름대로</a:t>
+            </a:r>
+            <a:endParaRPr lang="ko-KR" altLang="en-US"/>
+          </a:p>
+          <a:p>
+            <a:pPr lvl="0">
+              <a:defRPr lang="ko-KR" altLang="en-US"/>
+            </a:pPr>
+            <a:r>
+              <a:rPr lang="ko-KR" altLang="en-US"/>
+              <a:t>      목적을 정하게 되버렸습니다.</a:t>
+            </a:r>
+            <a:endParaRPr lang="ko-KR" altLang="en-US"/>
+          </a:p>
+          <a:p>
+            <a:pPr lvl="0">
+              <a:defRPr lang="ko-KR" altLang="en-US"/>
+            </a:pPr>
+            <a:r>
+              <a:rPr lang="en-US" altLang="ko-KR" sz="2000"/>
               <a:t>   </a:t>
             </a:r>
             <a:r>
-              <a:rPr lang="ko-KR" altLang="en-US" sz="2000" smtClean="0"/>
+              <a:rPr lang="ko-KR" altLang="en-US" sz="2000"/>
               <a:t> </a:t>
             </a:r>
             <a:r>
-              <a:rPr lang="en-US" altLang="ko-KR" smtClean="0"/>
+              <a:rPr lang="en-US" altLang="ko-KR"/>
               <a:t>-NFT</a:t>
             </a:r>
             <a:r>
-              <a:rPr lang="ko-KR" altLang="en-US" smtClean="0"/>
+              <a:rPr lang="ko-KR" altLang="en-US"/>
               <a:t>는 일종의 주식관련 데이터와 비슷한 양상이며 이런</a:t>
             </a:r>
-            <a:endParaRPr lang="en-US" altLang="ko-KR" smtClean="0"/>
-          </a:p>
-          <a:p>
-            <a:r>
-              <a:rPr lang="en-US" altLang="ko-KR"/>
-              <a:t> </a:t>
-            </a:r>
-            <a:r>
-              <a:rPr lang="en-US" altLang="ko-KR" smtClean="0"/>
-              <a:t>    </a:t>
-            </a:r>
-            <a:r>
-              <a:rPr lang="ko-KR" altLang="en-US" smtClean="0"/>
+            <a:endParaRPr lang="ko-KR" altLang="en-US"/>
+          </a:p>
+          <a:p>
+            <a:pPr lvl="0">
+              <a:defRPr lang="ko-KR" altLang="en-US"/>
+            </a:pPr>
+            <a:r>
+              <a:rPr lang="en-US" altLang="ko-KR"/>
+              <a:t>     </a:t>
+            </a:r>
+            <a:r>
+              <a:rPr lang="ko-KR" altLang="en-US"/>
               <a:t>데이터 분석 방법이 많을텐데 활용해보지 못 한점</a:t>
             </a:r>
+            <a:endParaRPr lang="ko-KR" altLang="en-US"/>
+          </a:p>
+          <a:p>
+            <a:pPr lvl="0">
+              <a:defRPr lang="ko-KR" altLang="en-US"/>
+            </a:pPr>
+            <a:r>
+              <a:rPr lang="ko-KR" altLang="en-US"/>
+              <a:t>    -데이터가 별로 존재하지 않았으며 유효한 분석결과가 </a:t>
+            </a:r>
+            <a:endParaRPr lang="ko-KR" altLang="en-US"/>
+          </a:p>
+          <a:p>
+            <a:pPr lvl="0">
+              <a:defRPr lang="ko-KR" altLang="en-US"/>
+            </a:pPr>
+            <a:r>
+              <a:rPr lang="ko-KR" altLang="en-US"/>
+              <a:t>     별로 없어 보임.</a:t>
+            </a:r>
+            <a:endParaRPr lang="ko-KR" altLang="en-US"/>
+          </a:p>
+          <a:p>
+            <a:pPr lvl="0">
+              <a:defRPr lang="ko-KR" altLang="en-US"/>
+            </a:pPr>
             <a:endParaRPr lang="en-US" altLang="ko-KR"/>
-          </a:p>
-          <a:p>
-            <a:r>
-              <a:rPr lang="en-US" altLang="ko-KR" smtClean="0"/>
-              <a:t>     -</a:t>
-            </a:r>
-            <a:r>
-              <a:rPr lang="ko-KR" altLang="en-US" smtClean="0"/>
-              <a:t>데분프 과목에서 공부한 것 중에서만 아이디어가 떠오른 점</a:t>
-            </a:r>
-            <a:endParaRPr lang="en-US" altLang="ko-KR" smtClean="0"/>
-          </a:p>
-          <a:p>
-            <a:r>
-              <a:rPr lang="en-US" altLang="ko-KR"/>
-              <a:t> </a:t>
-            </a:r>
-            <a:r>
-              <a:rPr lang="en-US" altLang="ko-KR" smtClean="0"/>
-              <a:t>    -</a:t>
-            </a:r>
-            <a:r>
-              <a:rPr lang="ko-KR" altLang="en-US" smtClean="0"/>
-              <a:t>정제된 데이터가 별로 없음</a:t>
-            </a:r>
-            <a:endParaRPr lang="en-US" altLang="ko-KR"/>
-          </a:p>
-          <a:p>
-            <a:endParaRPr lang="en-US" altLang="ko-KR" smtClean="0"/>
           </a:p>
         </p:txBody>
       </p:sp>
@@ -9067,8 +8823,8 @@
         </p:nvSpPr>
         <p:spPr>
           <a:xfrm>
-            <a:off x="6670016" y="3574026"/>
-            <a:ext cx="2731838" cy="461665"/>
+            <a:off x="6617100" y="3574026"/>
+            <a:ext cx="2132565" cy="461665"/>
           </a:xfrm>
           <a:prstGeom prst="rect">
             <a:avLst/>
@@ -9080,9 +8836,12 @@
           </a:bodyPr>
           <a:lstStyle/>
           <a:p>
-            <a:r>
-              <a:rPr lang="ko-KR" altLang="en-US" sz="2400" smtClean="0"/>
-              <a:t>차후 보완하고 싶은 점 </a:t>
+            <a:pPr lvl="0">
+              <a:defRPr lang="ko-KR" altLang="en-US"/>
+            </a:pPr>
+            <a:r>
+              <a:rPr lang="ko-KR" altLang="en-US" sz="2400"/>
+              <a:t>보완하고 싶은 점 </a:t>
             </a:r>
             <a:endParaRPr lang="ko-KR" altLang="en-US" sz="2400"/>
           </a:p>
@@ -9096,8 +8855,8 @@
         </p:nvSpPr>
         <p:spPr>
           <a:xfrm>
-            <a:off x="6670016" y="4035691"/>
-            <a:ext cx="5573962" cy="1754326"/>
+            <a:off x="6670013" y="4035691"/>
+            <a:ext cx="5261002" cy="1458329"/>
           </a:xfrm>
           <a:prstGeom prst="rect">
             <a:avLst/>
@@ -9109,99 +8868,76 @@
           </a:bodyPr>
           <a:lstStyle/>
           <a:p>
-            <a:r>
-              <a:rPr lang="en-US" altLang="ko-KR" smtClean="0"/>
+            <a:pPr lvl="0">
+              <a:defRPr lang="ko-KR" altLang="en-US"/>
+            </a:pPr>
+            <a:r>
+              <a:rPr lang="en-US" altLang="ko-KR"/>
               <a:t>-tweet </a:t>
             </a:r>
             <a:r>
-              <a:rPr lang="ko-KR" altLang="en-US" smtClean="0"/>
-              <a:t>데이터는 </a:t>
-            </a:r>
-            <a:r>
-              <a:rPr lang="en-US" altLang="ko-KR" smtClean="0"/>
-              <a:t>String </a:t>
-            </a:r>
-            <a:r>
-              <a:rPr lang="ko-KR" altLang="en-US" smtClean="0"/>
-              <a:t>데이터가 포함되어있어서</a:t>
-            </a:r>
-            <a:endParaRPr lang="en-US" altLang="ko-KR" smtClean="0"/>
-          </a:p>
-          <a:p>
-            <a:r>
-              <a:rPr lang="ko-KR" altLang="en-US" smtClean="0"/>
-              <a:t>한 번 자연어 처리 모델을 통해서 감정 평가 분석을 해보고</a:t>
-            </a:r>
-            <a:endParaRPr lang="en-US" altLang="ko-KR" smtClean="0"/>
-          </a:p>
-          <a:p>
-            <a:r>
-              <a:rPr lang="ko-KR" altLang="en-US" smtClean="0"/>
-              <a:t>감정에 따라 분류한 후</a:t>
-            </a:r>
-            <a:r>
-              <a:rPr lang="en-US" altLang="ko-KR"/>
-              <a:t> </a:t>
-            </a:r>
-            <a:r>
-              <a:rPr lang="ko-KR" altLang="en-US" smtClean="0"/>
-              <a:t>각 데이터를 분석해보고 싶음</a:t>
-            </a:r>
-            <a:endParaRPr lang="en-US" altLang="ko-KR" smtClean="0"/>
-          </a:p>
-          <a:p>
-            <a:r>
-              <a:rPr lang="en-US" altLang="ko-KR" smtClean="0"/>
+              <a:rPr lang="ko-KR" altLang="en-US"/>
+              <a:t>데이터를 자연어 처리 모델을 통해 감정 평가 분석을</a:t>
+            </a:r>
+            <a:endParaRPr lang="ko-KR" altLang="en-US"/>
+          </a:p>
+          <a:p>
+            <a:pPr lvl="0">
+              <a:defRPr lang="ko-KR" altLang="en-US"/>
+            </a:pPr>
+            <a:r>
+              <a:rPr lang="ko-KR" altLang="en-US"/>
+              <a:t> 토대로 컬렉션을 분석해보고 싶음.</a:t>
+            </a:r>
+            <a:endParaRPr lang="ko-KR" altLang="en-US"/>
+          </a:p>
+          <a:p>
+            <a:pPr lvl="0">
+              <a:defRPr lang="ko-KR" altLang="en-US"/>
+            </a:pPr>
+            <a:r>
+              <a:rPr lang="en-US" altLang="ko-KR"/>
               <a:t>-</a:t>
             </a:r>
             <a:r>
-              <a:rPr lang="ko-KR" altLang="en-US" smtClean="0"/>
-              <a:t>플롯을 만들고 그 순서대로 데이터를 분석해보고 싶음</a:t>
-            </a:r>
-            <a:endParaRPr lang="en-US" altLang="ko-KR" smtClean="0"/>
-          </a:p>
-          <a:p>
-            <a:r>
-              <a:rPr lang="en-US" altLang="ko-KR" smtClean="0"/>
-              <a:t>- </a:t>
-            </a:r>
-            <a:r>
-              <a:rPr lang="ko-KR" altLang="en-US" smtClean="0"/>
-              <a:t>이번 데이터 분석은 한정된 데이터를 가지고 할 수 있는 것이</a:t>
-            </a:r>
-            <a:endParaRPr lang="en-US" altLang="ko-KR" smtClean="0"/>
-          </a:p>
-          <a:p>
-            <a:r>
-              <a:rPr lang="ko-KR" altLang="en-US" smtClean="0"/>
-              <a:t>많이 없었기에 이를 보완하기 위한 데이터셋을 직접 만들고 싶음 </a:t>
-            </a:r>
+              <a:rPr lang="ko-KR" altLang="en-US"/>
+              <a:t>스토리 플롯을 만들고 그 순서대로 데이터를 분석해보고 싶음</a:t>
+            </a:r>
+            <a:endParaRPr lang="ko-KR" altLang="en-US"/>
+          </a:p>
+          <a:p>
+            <a:pPr lvl="0">
+              <a:defRPr lang="ko-KR" altLang="en-US"/>
+            </a:pPr>
+            <a:r>
+              <a:rPr lang="en-US" altLang="ko-KR"/>
+              <a:t>-</a:t>
+            </a:r>
+            <a:r>
+              <a:rPr lang="ko-KR" altLang="en-US"/>
+              <a:t>데이터 셋을 직접 수집해서 만들어보고 싶음</a:t>
+            </a:r>
+            <a:endParaRPr lang="ko-KR" altLang="en-US"/>
+          </a:p>
+          <a:p>
+            <a:pPr lvl="0">
+              <a:defRPr lang="ko-KR" altLang="en-US"/>
+            </a:pPr>
             <a:endParaRPr lang="ko-KR" altLang="en-US"/>
           </a:p>
         </p:txBody>
       </p:sp>
     </p:spTree>
-    <p:extLst>
-      <p:ext uri="{BB962C8B-B14F-4D97-AF65-F5344CB8AC3E}">
-        <p14:creationId xmlns:p14="http://schemas.microsoft.com/office/powerpoint/2010/main" val="3253424262"/>
-      </p:ext>
-    </p:extLst>
   </p:cSld>
   <p:clrMapOvr>
     <a:masterClrMapping/>
   </p:clrMapOvr>
-  <p:timing>
-    <p:tnLst>
-      <p:par>
-        <p:cTn id="1" dur="indefinite" restart="never" nodeType="tmRoot"/>
-      </p:par>
-    </p:tnLst>
-  </p:timing>
+  <p:transition xmlns:mc="http://schemas.openxmlformats.org/markup-compatibility/2006" xmlns:hp="http://schemas.haansoft.com/office/presentation/8.0" mc:Ignorable="hp" hp:hslDur="500"/>
 </p:sld>
 </file>
 
-<file path=ppt/slides/slide2.xml><?xml version="1.0" encoding="utf-8"?>
-<p:sld xmlns:a="http://schemas.openxmlformats.org/drawingml/2006/main" xmlns:r="http://schemas.openxmlformats.org/officeDocument/2006/relationships" xmlns:p="http://schemas.openxmlformats.org/presentationml/2006/main">
+<file path=ppt/slides/slide16.xml><?xml version="1.0" encoding="utf-8"?>
+<p:sld xmlns:r="http://schemas.openxmlformats.org/officeDocument/2006/relationships" xmlns:c="http://schemas.openxmlformats.org/drawingml/2006/chart" xmlns:a="http://schemas.openxmlformats.org/drawingml/2006/main" xmlns:dgm="http://schemas.openxmlformats.org/drawingml/2006/diagram" xmlns:dsp="http://schemas.microsoft.com/office/drawing/2008/diagram" xmlns:p="http://schemas.openxmlformats.org/presentationml/2006/main" showMasterSp="0">
   <p:cSld>
     <p:spTree>
       <p:nvGrpSpPr>
@@ -9219,105 +8955,46 @@
       </p:grpSpPr>
       <p:sp>
         <p:nvSpPr>
-          <p:cNvPr id="2" name="제목 1"/>
+          <p:cNvPr id="2" name="Title 1"/>
           <p:cNvSpPr>
             <a:spLocks noGrp="1"/>
           </p:cNvSpPr>
           <p:nvPr>
-            <p:ph type="title"/>
+            <p:ph type="title" idx="0"/>
           </p:nvPr>
         </p:nvSpPr>
-        <p:spPr/>
+        <p:spPr>
+          <a:xfrm>
+            <a:off x="715433" y="3079496"/>
+            <a:ext cx="10972800" cy="960120"/>
+          </a:xfrm>
+        </p:spPr>
         <p:txBody>
           <a:bodyPr/>
           <a:lstStyle/>
           <a:p>
-            <a:r>
-              <a:rPr lang="ko-KR" altLang="en-US" smtClean="0"/>
-              <a:t>목차</a:t>
-            </a:r>
-            <a:endParaRPr lang="ko-KR" altLang="en-US"/>
-          </a:p>
-        </p:txBody>
-      </p:sp>
-      <p:sp>
-        <p:nvSpPr>
-          <p:cNvPr id="3" name="내용 개체 틀 2"/>
-          <p:cNvSpPr>
-            <a:spLocks noGrp="1"/>
-          </p:cNvSpPr>
-          <p:nvPr>
-            <p:ph idx="1"/>
-          </p:nvPr>
-        </p:nvSpPr>
-        <p:spPr/>
-        <p:txBody>
-          <a:bodyPr/>
-          <a:lstStyle/>
-          <a:p>
-            <a:r>
-              <a:rPr lang="en-US" altLang="ko-KR" smtClean="0"/>
-              <a:t> - NFT </a:t>
-            </a:r>
-            <a:r>
-              <a:rPr lang="ko-KR" altLang="en-US" smtClean="0"/>
-              <a:t>데이터</a:t>
-            </a:r>
-            <a:endParaRPr lang="en-US" altLang="ko-KR" smtClean="0"/>
-          </a:p>
-          <a:p>
-            <a:endParaRPr lang="en-US" altLang="ko-KR"/>
-          </a:p>
-          <a:p>
-            <a:r>
-              <a:rPr lang="en-US" altLang="ko-KR" smtClean="0"/>
-              <a:t>-</a:t>
-            </a:r>
-            <a:r>
-              <a:rPr lang="ko-KR" altLang="en-US"/>
-              <a:t> </a:t>
-            </a:r>
-            <a:r>
-              <a:rPr lang="ko-KR" altLang="en-US" smtClean="0"/>
-              <a:t>데이터 소개 및 분석 결과</a:t>
-            </a:r>
-            <a:endParaRPr lang="en-US" altLang="ko-KR" smtClean="0"/>
-          </a:p>
-          <a:p>
-            <a:endParaRPr lang="en-US" altLang="ko-KR"/>
-          </a:p>
-          <a:p>
-            <a:r>
-              <a:rPr lang="en-US" altLang="ko-KR" smtClean="0"/>
-              <a:t>-</a:t>
-            </a:r>
-            <a:r>
-              <a:rPr lang="ko-KR" altLang="en-US"/>
-              <a:t> </a:t>
-            </a:r>
-            <a:r>
-              <a:rPr lang="ko-KR" altLang="en-US" smtClean="0"/>
-              <a:t>아쉬운 점 및 추후 하고 싶은 것 </a:t>
-            </a:r>
-            <a:endParaRPr lang="en-US" altLang="ko-KR" smtClean="0"/>
+            <a:pPr>
+              <a:defRPr lang="ko-KR" altLang="en-US"/>
+            </a:pPr>
+            <a:r>
+              <a:rPr lang="ko-KR" altLang="en-US"/>
+              <a:t>끝</a:t>
+            </a:r>
+            <a:endParaRPr lang="ko-KR" altLang="en-US"/>
           </a:p>
         </p:txBody>
       </p:sp>
     </p:spTree>
-    <p:extLst>
-      <p:ext uri="{BB962C8B-B14F-4D97-AF65-F5344CB8AC3E}">
-        <p14:creationId xmlns:p14="http://schemas.microsoft.com/office/powerpoint/2010/main" val="1402310471"/>
-      </p:ext>
-    </p:extLst>
   </p:cSld>
   <p:clrMapOvr>
     <a:masterClrMapping/>
   </p:clrMapOvr>
+  <p:transition xmlns:mc="http://schemas.openxmlformats.org/markup-compatibility/2006" xmlns:hp="http://schemas.haansoft.com/office/presentation/8.0" mc:Ignorable="hp" hp:hslDur="500"/>
 </p:sld>
 </file>
 
-<file path=ppt/slides/slide3.xml><?xml version="1.0" encoding="utf-8"?>
-<p:sld xmlns:a="http://schemas.openxmlformats.org/drawingml/2006/main" xmlns:r="http://schemas.openxmlformats.org/officeDocument/2006/relationships" xmlns:p="http://schemas.openxmlformats.org/presentationml/2006/main">
+<file path=ppt/slides/slide2.xml><?xml version="1.0" encoding="utf-8"?>
+<p:sld xmlns:r="http://schemas.openxmlformats.org/officeDocument/2006/relationships" xmlns:c="http://schemas.openxmlformats.org/drawingml/2006/chart" xmlns:a="http://schemas.openxmlformats.org/drawingml/2006/main" xmlns:dgm="http://schemas.openxmlformats.org/drawingml/2006/diagram" xmlns:dsp="http://schemas.microsoft.com/office/drawing/2008/diagram" xmlns:p="http://schemas.openxmlformats.org/presentationml/2006/main" showMasterSp="0">
   <p:cSld>
     <p:spTree>
       <p:nvGrpSpPr>
@@ -9335,6 +9012,32 @@
       </p:grpSpPr>
       <p:sp>
         <p:nvSpPr>
+          <p:cNvPr id="2" name="제목 1"/>
+          <p:cNvSpPr>
+            <a:spLocks noGrp="1"/>
+          </p:cNvSpPr>
+          <p:nvPr>
+            <p:ph type="title" idx="0"/>
+          </p:nvPr>
+        </p:nvSpPr>
+        <p:spPr/>
+        <p:txBody>
+          <a:bodyPr/>
+          <a:lstStyle/>
+          <a:p>
+            <a:pPr lvl="0">
+              <a:defRPr lang="ko-KR" altLang="en-US"/>
+            </a:pPr>
+            <a:r>
+              <a:rPr lang="ko-KR" altLang="en-US"/>
+              <a:t>목차</a:t>
+            </a:r>
+            <a:endParaRPr lang="ko-KR" altLang="en-US"/>
+          </a:p>
+        </p:txBody>
+      </p:sp>
+      <p:sp>
+        <p:nvSpPr>
           <p:cNvPr id="3" name="내용 개체 틀 2"/>
           <p:cNvSpPr>
             <a:spLocks noGrp="1"/>
@@ -9343,423 +9046,77 @@
             <p:ph idx="1"/>
           </p:nvPr>
         </p:nvSpPr>
-        <p:spPr>
-          <a:xfrm>
-            <a:off x="609600" y="1302027"/>
-            <a:ext cx="10972800" cy="4525963"/>
-          </a:xfrm>
-        </p:spPr>
+        <p:spPr/>
         <p:txBody>
           <a:bodyPr/>
           <a:lstStyle/>
           <a:p>
-            <a:pPr marL="0" indent="0">
-              <a:buNone/>
-            </a:pPr>
-            <a:r>
-              <a:rPr lang="en-US" altLang="ko-KR" sz="2400" smtClean="0"/>
-              <a:t>Non-fungible token(</a:t>
-            </a:r>
-            <a:r>
-              <a:rPr lang="ko-KR" altLang="en-US" sz="2400" smtClean="0"/>
-              <a:t>대체불가토큰</a:t>
-            </a:r>
-            <a:r>
-              <a:rPr lang="en-US" altLang="ko-KR" sz="2400" smtClean="0"/>
-              <a:t>)</a:t>
-            </a:r>
-            <a:r>
-              <a:rPr lang="ko-KR" altLang="en-US" sz="2400" smtClean="0"/>
-              <a:t>으로 </a:t>
-            </a:r>
-            <a:r>
-              <a:rPr lang="en-US" altLang="ko-KR" sz="2400"/>
-              <a:t> </a:t>
-            </a:r>
-            <a:r>
-              <a:rPr lang="ko-KR" altLang="en-US" sz="2400" smtClean="0"/>
-              <a:t>비트코인 같은 대체가능한</a:t>
-            </a:r>
-            <a:r>
-              <a:rPr lang="en-US" altLang="ko-KR" sz="2400" smtClean="0"/>
-              <a:t>(fungible) </a:t>
-            </a:r>
-            <a:r>
-              <a:rPr lang="ko-KR" altLang="en-US" sz="2400" smtClean="0"/>
-              <a:t>토큰이 아닌</a:t>
-            </a:r>
-            <a:r>
-              <a:rPr lang="en-US" altLang="ko-KR" sz="2400" smtClean="0"/>
-              <a:t>, </a:t>
-            </a:r>
-            <a:r>
-              <a:rPr lang="ko-KR" altLang="en-US" sz="2400" smtClean="0"/>
-              <a:t>대체가 불가능한</a:t>
-            </a:r>
-            <a:r>
-              <a:rPr lang="en-US" altLang="ko-KR" sz="2400" smtClean="0"/>
-              <a:t>, </a:t>
-            </a:r>
-            <a:r>
-              <a:rPr lang="ko-KR" altLang="en-US" sz="2400" smtClean="0"/>
-              <a:t>즉 유일무의한</a:t>
-            </a:r>
-            <a:r>
-              <a:rPr lang="en-US" altLang="ko-KR" sz="2400" smtClean="0"/>
-              <a:t>(Uniqe) </a:t>
-            </a:r>
-            <a:r>
-              <a:rPr lang="ko-KR" altLang="en-US" sz="2400" smtClean="0"/>
-              <a:t>아이템을 말한다</a:t>
-            </a:r>
-            <a:r>
-              <a:rPr lang="en-US" altLang="ko-KR" sz="2400" smtClean="0"/>
-              <a:t>. </a:t>
-            </a:r>
-          </a:p>
-          <a:p>
-            <a:pPr marL="0" indent="0">
-              <a:buNone/>
-            </a:pPr>
-            <a:r>
-              <a:rPr lang="en-US" altLang="ko-KR" sz="2400" smtClean="0"/>
-              <a:t>Ex) </a:t>
-            </a:r>
-            <a:r>
-              <a:rPr lang="ko-KR" altLang="en-US" sz="2400" smtClean="0"/>
-              <a:t>리그오브레전드의 미니언 같은 경우</a:t>
-            </a:r>
-            <a:r>
-              <a:rPr lang="en-US" altLang="ko-KR" sz="2400" smtClean="0"/>
-              <a:t>, </a:t>
-            </a:r>
-            <a:r>
-              <a:rPr lang="ko-KR" altLang="en-US" sz="2400" smtClean="0"/>
-              <a:t>죽으면 대체할 수 있는 미니언이 나옴</a:t>
-            </a:r>
-            <a:r>
-              <a:rPr lang="en-US" altLang="ko-KR" sz="2400" smtClean="0"/>
-              <a:t>(</a:t>
-            </a:r>
-            <a:r>
-              <a:rPr lang="ko-KR" altLang="en-US" sz="2400" smtClean="0"/>
-              <a:t>똑같은 기능</a:t>
-            </a:r>
-            <a:r>
-              <a:rPr lang="en-US" altLang="ko-KR" sz="2400" smtClean="0"/>
-              <a:t>)</a:t>
-            </a:r>
-          </a:p>
-          <a:p>
-            <a:pPr marL="0" indent="0">
-              <a:buNone/>
-            </a:pPr>
-            <a:r>
-              <a:rPr lang="en-US" altLang="ko-KR" sz="2400"/>
-              <a:t> </a:t>
-            </a:r>
-            <a:r>
-              <a:rPr lang="en-US" altLang="ko-KR" sz="2400" smtClean="0"/>
-              <a:t>      </a:t>
-            </a:r>
-            <a:r>
-              <a:rPr lang="ko-KR" altLang="en-US" sz="2400" smtClean="0"/>
-              <a:t>챔피언의 경우</a:t>
-            </a:r>
-            <a:r>
-              <a:rPr lang="en-US" altLang="ko-KR" sz="2400" smtClean="0"/>
-              <a:t>, </a:t>
-            </a:r>
-            <a:r>
-              <a:rPr lang="ko-KR" altLang="en-US" sz="2400" smtClean="0"/>
-              <a:t>나가면 대체할 수 있는 챔피언이 없음 </a:t>
-            </a:r>
-            <a:endParaRPr lang="en-US" altLang="ko-KR" sz="2400"/>
-          </a:p>
-          <a:p>
-            <a:pPr marL="0" indent="0">
-              <a:buNone/>
-            </a:pPr>
-            <a:endParaRPr lang="en-US" altLang="ko-KR" sz="2400" smtClean="0"/>
-          </a:p>
-          <a:p>
-            <a:pPr marL="0" indent="0">
-              <a:buNone/>
-            </a:pPr>
-            <a:r>
-              <a:rPr lang="en-US" altLang="ko-KR" sz="2400" smtClean="0"/>
-              <a:t>NFT </a:t>
-            </a:r>
-            <a:r>
-              <a:rPr lang="ko-KR" altLang="en-US" sz="2400" smtClean="0"/>
-              <a:t>또한 비트코인 처럼 탈중앙화된 아이템임</a:t>
-            </a:r>
-            <a:r>
-              <a:rPr lang="en-US" altLang="ko-KR" sz="2400" smtClean="0"/>
-              <a:t>, </a:t>
-            </a:r>
-            <a:r>
-              <a:rPr lang="ko-KR" altLang="en-US" sz="2400" smtClean="0"/>
-              <a:t>거래 내용이 다 블록체인에 기록이 되기 때문에</a:t>
-            </a:r>
-            <a:endParaRPr lang="en-US" altLang="ko-KR" sz="2400" smtClean="0"/>
-          </a:p>
-          <a:p>
-            <a:pPr marL="0" indent="0">
-              <a:buNone/>
-            </a:pPr>
-            <a:r>
-              <a:rPr lang="en-US" altLang="ko-KR" sz="2400" smtClean="0"/>
-              <a:t>NFT</a:t>
-            </a:r>
-            <a:r>
-              <a:rPr lang="ko-KR" altLang="en-US" sz="2400" smtClean="0"/>
-              <a:t>를 누군가 가짜로 복제하여도 소유자가 누구인지 확인하므로써 자신만의 고유한 아이템임을 </a:t>
-            </a:r>
-            <a:endParaRPr lang="en-US" altLang="ko-KR" sz="2400" smtClean="0"/>
-          </a:p>
-          <a:p>
-            <a:pPr marL="0" indent="0">
-              <a:buNone/>
-            </a:pPr>
-            <a:r>
-              <a:rPr lang="ko-KR" altLang="en-US" sz="2400" smtClean="0"/>
-              <a:t>입증 가능함</a:t>
-            </a:r>
-            <a:r>
-              <a:rPr lang="en-US" altLang="ko-KR" sz="2400" smtClean="0"/>
-              <a:t>.</a:t>
-            </a:r>
-          </a:p>
-          <a:p>
-            <a:pPr marL="0" indent="0">
-              <a:buNone/>
-            </a:pPr>
-            <a:endParaRPr lang="en-US" altLang="ko-KR" sz="2400"/>
-          </a:p>
-          <a:p>
-            <a:pPr marL="0" indent="0">
-              <a:buNone/>
-            </a:pPr>
-            <a:endParaRPr lang="en-US" altLang="ko-KR" smtClean="0"/>
-          </a:p>
-        </p:txBody>
-      </p:sp>
-      <p:pic>
-        <p:nvPicPr>
-          <p:cNvPr id="1026" name="Picture 2" descr="https://www.technologyreview.kr/wp-content/uploads/2021/03/beeple_everydays_the_first_5000_days-1024x683.jpg"/>
-          <p:cNvPicPr>
-            <a:picLocks noChangeAspect="1" noChangeArrowheads="1"/>
-          </p:cNvPicPr>
-          <p:nvPr/>
-        </p:nvPicPr>
-        <p:blipFill>
-          <a:blip r:embed="rId2" cstate="print">
-            <a:extLst>
-              <a:ext uri="{28A0092B-C50C-407E-A947-70E740481C1C}">
-                <a14:useLocalDpi xmlns:a14="http://schemas.microsoft.com/office/drawing/2010/main" val="0"/>
-              </a:ext>
-            </a:extLst>
-          </a:blip>
-          <a:srcRect/>
-          <a:stretch>
-            <a:fillRect/>
-          </a:stretch>
-        </p:blipFill>
-        <p:spPr bwMode="auto">
-          <a:xfrm>
-            <a:off x="2696818" y="4606442"/>
-            <a:ext cx="2675323" cy="1784420"/>
-          </a:xfrm>
-          <a:prstGeom prst="rect">
-            <a:avLst/>
-          </a:prstGeom>
-          <a:noFill/>
-          <a:extLst>
-            <a:ext uri="{909E8E84-426E-40DD-AFC4-6F175D3DCCD1}">
-              <a14:hiddenFill xmlns:a14="http://schemas.microsoft.com/office/drawing/2010/main">
-                <a:solidFill>
-                  <a:srgbClr val="FFFFFF"/>
-                </a:solidFill>
-              </a14:hiddenFill>
-            </a:ext>
-          </a:extLst>
-        </p:spPr>
-      </p:pic>
-      <p:pic>
-        <p:nvPicPr>
-          <p:cNvPr id="1028" name="Picture 4" descr="크립토펑크는 어떻게 NFT 히트상품이 됐나 - 지디넷코리아"/>
-          <p:cNvPicPr>
-            <a:picLocks noChangeAspect="1" noChangeArrowheads="1"/>
-          </p:cNvPicPr>
-          <p:nvPr/>
-        </p:nvPicPr>
-        <p:blipFill>
-          <a:blip r:embed="rId3" cstate="print">
-            <a:extLst>
-              <a:ext uri="{28A0092B-C50C-407E-A947-70E740481C1C}">
-                <a14:useLocalDpi xmlns:a14="http://schemas.microsoft.com/office/drawing/2010/main" val="0"/>
-              </a:ext>
-            </a:extLst>
-          </a:blip>
-          <a:srcRect/>
-          <a:stretch>
-            <a:fillRect/>
-          </a:stretch>
-        </p:blipFill>
-        <p:spPr bwMode="auto">
-          <a:xfrm>
-            <a:off x="6015679" y="4704263"/>
-            <a:ext cx="2213921" cy="1660441"/>
-          </a:xfrm>
-          <a:prstGeom prst="rect">
-            <a:avLst/>
-          </a:prstGeom>
-          <a:noFill/>
-          <a:extLst>
-            <a:ext uri="{909E8E84-426E-40DD-AFC4-6F175D3DCCD1}">
-              <a14:hiddenFill xmlns:a14="http://schemas.microsoft.com/office/drawing/2010/main">
-                <a:solidFill>
-                  <a:srgbClr val="FFFFFF"/>
-                </a:solidFill>
-              </a14:hiddenFill>
-            </a:ext>
-          </a:extLst>
-        </p:spPr>
-      </p:pic>
-      <p:sp>
-        <p:nvSpPr>
-          <p:cNvPr id="7" name="제목 1"/>
-          <p:cNvSpPr txBox="1">
-            <a:spLocks/>
-          </p:cNvSpPr>
-          <p:nvPr/>
-        </p:nvSpPr>
-        <p:spPr>
-          <a:xfrm>
-            <a:off x="0" y="0"/>
-            <a:ext cx="12192000" cy="694267"/>
-          </a:xfrm>
-          <a:prstGeom prst="rect">
-            <a:avLst/>
-          </a:prstGeom>
-          <a:solidFill>
-            <a:schemeClr val="bg1"/>
-          </a:solidFill>
-          <a:ln>
-            <a:solidFill>
-              <a:schemeClr val="bg1"/>
-            </a:solidFill>
-          </a:ln>
-        </p:spPr>
-        <p:txBody>
-          <a:bodyPr vert="horz" lIns="91440" tIns="45720" rIns="91440" bIns="45720" rtlCol="0" anchor="ctr">
-            <a:normAutofit fontScale="90000" lnSpcReduction="10000"/>
-          </a:bodyPr>
-          <a:lstStyle>
-            <a:lvl1pPr algn="ctr" defTabSz="914400" rtl="0" eaLnBrk="1" latinLnBrk="1" hangingPunct="1">
-              <a:spcBef>
-                <a:spcPct val="0"/>
-              </a:spcBef>
-              <a:buNone/>
-              <a:defRPr sz="4400" kern="1200">
-                <a:solidFill>
-                  <a:schemeClr val="tx2"/>
-                </a:solidFill>
-                <a:latin typeface="+mj-lt"/>
-                <a:ea typeface="+mj-ea"/>
-                <a:cs typeface="+mj-cs"/>
-              </a:defRPr>
-            </a:lvl1pPr>
-            <a:lvl2pPr eaLnBrk="1" latinLnBrk="1" hangingPunct="1">
-              <a:defRPr>
-                <a:solidFill>
-                  <a:schemeClr val="tx2"/>
-                </a:solidFill>
-              </a:defRPr>
-            </a:lvl2pPr>
-            <a:lvl3pPr eaLnBrk="1" latinLnBrk="1" hangingPunct="1">
-              <a:defRPr>
-                <a:solidFill>
-                  <a:schemeClr val="tx2"/>
-                </a:solidFill>
-              </a:defRPr>
-            </a:lvl3pPr>
-            <a:lvl4pPr eaLnBrk="1" latinLnBrk="1" hangingPunct="1">
-              <a:defRPr>
-                <a:solidFill>
-                  <a:schemeClr val="tx2"/>
-                </a:solidFill>
-              </a:defRPr>
-            </a:lvl4pPr>
-            <a:lvl5pPr eaLnBrk="1" latinLnBrk="1" hangingPunct="1">
-              <a:defRPr>
-                <a:solidFill>
-                  <a:schemeClr val="tx2"/>
-                </a:solidFill>
-              </a:defRPr>
-            </a:lvl5pPr>
-            <a:lvl6pPr eaLnBrk="1" latinLnBrk="1" hangingPunct="1">
-              <a:defRPr>
-                <a:solidFill>
-                  <a:schemeClr val="tx2"/>
-                </a:solidFill>
-              </a:defRPr>
-            </a:lvl6pPr>
-            <a:lvl7pPr eaLnBrk="1" latinLnBrk="1" hangingPunct="1">
-              <a:defRPr>
-                <a:solidFill>
-                  <a:schemeClr val="tx2"/>
-                </a:solidFill>
-              </a:defRPr>
-            </a:lvl7pPr>
-            <a:lvl8pPr eaLnBrk="1" latinLnBrk="1" hangingPunct="1">
-              <a:defRPr>
-                <a:solidFill>
-                  <a:schemeClr val="tx2"/>
-                </a:solidFill>
-              </a:defRPr>
-            </a:lvl8pPr>
-            <a:lvl9pPr eaLnBrk="1" latinLnBrk="1" hangingPunct="1">
-              <a:defRPr>
-                <a:solidFill>
-                  <a:schemeClr val="tx2"/>
-                </a:solidFill>
-              </a:defRPr>
-            </a:lvl9pPr>
-          </a:lstStyle>
-          <a:p>
-            <a:r>
-              <a:rPr lang="en-US" altLang="ko-KR"/>
-              <a:t>NFT</a:t>
-            </a:r>
-            <a:r>
-              <a:rPr lang="ko-KR" altLang="en-US"/>
-              <a:t>란</a:t>
-            </a:r>
-            <a:r>
-              <a:rPr lang="en-US" altLang="ko-KR"/>
-              <a:t>?</a:t>
+            <a:pPr lvl="0">
+              <a:defRPr lang="ko-KR" altLang="en-US"/>
+            </a:pPr>
+            <a:r>
+              <a:rPr lang="en-US" altLang="ko-KR"/>
+              <a:t> - NFT </a:t>
+            </a:r>
+            <a:r>
+              <a:rPr lang="ko-KR" altLang="en-US"/>
+              <a:t>데이터</a:t>
+            </a:r>
+            <a:endParaRPr lang="ko-KR" altLang="en-US"/>
+          </a:p>
+          <a:p>
+            <a:pPr lvl="0">
+              <a:defRPr lang="ko-KR" altLang="en-US"/>
+            </a:pPr>
+            <a:endParaRPr lang="en-US" altLang="ko-KR"/>
+          </a:p>
+          <a:p>
+            <a:pPr lvl="0">
+              <a:defRPr lang="ko-KR" altLang="en-US"/>
+            </a:pPr>
+            <a:r>
+              <a:rPr lang="en-US" altLang="ko-KR"/>
+              <a:t>-</a:t>
+            </a:r>
+            <a:r>
+              <a:rPr lang="ko-KR" altLang="en-US"/>
+              <a:t> 데이터 분석 방법 및 결과</a:t>
+            </a:r>
+            <a:endParaRPr lang="ko-KR" altLang="en-US"/>
+          </a:p>
+          <a:p>
+            <a:pPr lvl="0">
+              <a:defRPr lang="ko-KR" altLang="en-US"/>
+            </a:pPr>
+            <a:endParaRPr lang="en-US" altLang="ko-KR"/>
+          </a:p>
+          <a:p>
+            <a:pPr lvl="0">
+              <a:defRPr lang="ko-KR" altLang="en-US"/>
+            </a:pPr>
+            <a:r>
+              <a:rPr lang="en-US" altLang="ko-KR"/>
+              <a:t>-</a:t>
+            </a:r>
+            <a:r>
+              <a:rPr lang="ko-KR" altLang="en-US"/>
+              <a:t> 결론 및 논의</a:t>
             </a:r>
             <a:endParaRPr lang="ko-KR" altLang="en-US"/>
           </a:p>
         </p:txBody>
       </p:sp>
     </p:spTree>
-    <p:extLst>
-      <p:ext uri="{BB962C8B-B14F-4D97-AF65-F5344CB8AC3E}">
-        <p14:creationId xmlns:p14="http://schemas.microsoft.com/office/powerpoint/2010/main" val="3171633661"/>
-      </p:ext>
-    </p:extLst>
   </p:cSld>
   <p:clrMapOvr>
     <a:masterClrMapping/>
   </p:clrMapOvr>
+  <p:transition xmlns:mc="http://schemas.openxmlformats.org/markup-compatibility/2006" xmlns:hp="http://schemas.haansoft.com/office/presentation/8.0" mc:Ignorable="hp" hp:hslDur="500"/>
 </p:sld>
 </file>
 
-<file path=ppt/slides/slide4.xml><?xml version="1.0" encoding="utf-8"?>
-<p:sld xmlns:a="http://schemas.openxmlformats.org/drawingml/2006/main" xmlns:r="http://schemas.openxmlformats.org/officeDocument/2006/relationships" xmlns:p="http://schemas.openxmlformats.org/presentationml/2006/main">
+<file path=ppt/slides/slide3.xml><?xml version="1.0" encoding="utf-8"?>
+<p:sld xmlns:r="http://schemas.openxmlformats.org/officeDocument/2006/relationships" xmlns:c="http://schemas.openxmlformats.org/drawingml/2006/chart" xmlns:a="http://schemas.openxmlformats.org/drawingml/2006/main" xmlns:dgm="http://schemas.openxmlformats.org/drawingml/2006/diagram" xmlns:dsp="http://schemas.microsoft.com/office/drawing/2008/diagram" xmlns:p="http://schemas.openxmlformats.org/presentationml/2006/main" showMasterSp="0">
   <p:cSld>
     <p:spTree>
       <p:nvGrpSpPr>
@@ -9787,81 +9144,98 @@
         </p:nvSpPr>
         <p:spPr>
           <a:xfrm>
-            <a:off x="231912" y="1575846"/>
+            <a:off x="282712" y="1177913"/>
             <a:ext cx="10690088" cy="2251087"/>
           </a:xfrm>
         </p:spPr>
         <p:txBody>
           <a:bodyPr>
-            <a:normAutofit lnSpcReduction="10000"/>
+            <a:normAutofit lnSpcReduction="0"/>
           </a:bodyPr>
           <a:lstStyle/>
           <a:p>
             <a:pPr marL="0" indent="0">
+              <a:lnSpc>
+                <a:spcPct val="90000"/>
+              </a:lnSpc>
               <a:buNone/>
-            </a:pPr>
-            <a:r>
-              <a:rPr lang="en-US" altLang="ko-KR" smtClean="0"/>
+              <a:defRPr lang="ko-KR" altLang="en-US"/>
+            </a:pPr>
+            <a:r>
+              <a:rPr lang="en-US" altLang="ko-KR"/>
               <a:t>1. </a:t>
             </a:r>
             <a:r>
-              <a:rPr lang="ko-KR" altLang="en-US" smtClean="0"/>
-              <a:t>요즘 유행</a:t>
-            </a:r>
-            <a:r>
-              <a:rPr lang="en-US" altLang="ko-KR" smtClean="0"/>
-              <a:t>, IT</a:t>
-            </a:r>
-            <a:r>
-              <a:rPr lang="ko-KR" altLang="en-US" smtClean="0"/>
-              <a:t>대학인데 요즘 트랜드는 알아야 한다고 생각해서</a:t>
-            </a:r>
-            <a:endParaRPr lang="en-US" altLang="ko-KR" smtClean="0"/>
+              <a:rPr lang="ko-KR" altLang="en-US"/>
+              <a:t>올해 좀 </a:t>
+            </a:r>
+            <a:r>
+              <a:rPr lang="en-US" altLang="ko-KR"/>
+              <a:t>Hot</a:t>
+            </a:r>
+            <a:r>
+              <a:rPr lang="ko-KR" altLang="en-US"/>
+              <a:t>한 주제여서 </a:t>
+            </a:r>
+            <a:endParaRPr lang="ko-KR" altLang="en-US"/>
           </a:p>
           <a:p>
             <a:pPr marL="0" indent="0">
+              <a:lnSpc>
+                <a:spcPct val="90000"/>
+              </a:lnSpc>
               <a:buNone/>
-            </a:pPr>
-            <a:r>
-              <a:rPr lang="en-US" altLang="ko-KR" smtClean="0"/>
+              <a:defRPr lang="ko-KR" altLang="en-US"/>
+            </a:pPr>
+            <a:r>
+              <a:rPr lang="en-US" altLang="ko-KR"/>
               <a:t>2. </a:t>
             </a:r>
             <a:r>
-              <a:rPr lang="ko-KR" altLang="en-US" smtClean="0"/>
-              <a:t>데이터를 알아보는 과정에서 얻는 통찰을 중요시해서</a:t>
-            </a:r>
-            <a:endParaRPr lang="en-US" altLang="ko-KR" smtClean="0"/>
+              <a:rPr lang="ko-KR" altLang="en-US"/>
+              <a:t>데이터를 알아보는 과정에서 얻는 통찰</a:t>
+            </a:r>
+            <a:endParaRPr lang="ko-KR" altLang="en-US"/>
           </a:p>
           <a:p>
             <a:pPr marL="0" indent="0">
+              <a:lnSpc>
+                <a:spcPct val="90000"/>
+              </a:lnSpc>
               <a:buNone/>
-            </a:pPr>
-            <a:r>
-              <a:rPr lang="en-US" altLang="ko-KR" smtClean="0"/>
+              <a:defRPr lang="ko-KR" altLang="en-US"/>
+            </a:pPr>
+            <a:r>
+              <a:rPr lang="en-US" altLang="ko-KR"/>
               <a:t>3. </a:t>
             </a:r>
             <a:r>
               <a:rPr lang="ko-KR" altLang="en-US"/>
               <a:t>주식 데이터 같은거 한번 다뤄보고 싶었음</a:t>
             </a:r>
+            <a:endParaRPr lang="ko-KR" altLang="en-US"/>
+          </a:p>
+          <a:p>
+            <a:pPr marL="0" indent="0">
+              <a:lnSpc>
+                <a:spcPct val="90000"/>
+              </a:lnSpc>
+              <a:buNone/>
+              <a:defRPr lang="ko-KR" altLang="en-US"/>
+            </a:pPr>
+            <a:r>
+              <a:rPr lang="en-US" altLang="ko-KR"/>
+              <a:t>4. </a:t>
+            </a:r>
+            <a:r>
+              <a:rPr lang="ko-KR" altLang="en-US"/>
+              <a:t>캐글에 데이터가 존재함 </a:t>
+            </a:r>
+            <a:r>
+              <a:rPr lang="en-US" altLang="ko-KR"/>
+              <a:t> </a:t>
+            </a:r>
             <a:endParaRPr lang="en-US" altLang="ko-KR"/>
-          </a:p>
-          <a:p>
-            <a:pPr marL="0" indent="0">
-              <a:buNone/>
-            </a:pPr>
-            <a:r>
-              <a:rPr lang="en-US" altLang="ko-KR" smtClean="0"/>
-              <a:t>4. </a:t>
-            </a:r>
-            <a:r>
-              <a:rPr lang="ko-KR" altLang="en-US" smtClean="0"/>
-              <a:t>캐글에 데이터가 존재함 </a:t>
-            </a:r>
-            <a:r>
-              <a:rPr lang="en-US" altLang="ko-KR" smtClean="0"/>
-              <a:t> </a:t>
-            </a:r>
           </a:p>
         </p:txBody>
       </p:sp>
@@ -9873,37 +9247,22 @@
           </p:cNvPicPr>
           <p:nvPr/>
         </p:nvPicPr>
-        <p:blipFill>
-          <a:blip r:embed="rId3" cstate="print">
-            <a:extLst>
-              <a:ext uri="{28A0092B-C50C-407E-A947-70E740481C1C}">
-                <a14:useLocalDpi xmlns:a14="http://schemas.microsoft.com/office/drawing/2010/main" val="0"/>
-              </a:ext>
-            </a:extLst>
-          </a:blip>
+        <p:blipFill rotWithShape="1">
+          <a:blip r:embed="rId3"/>
           <a:srcRect/>
           <a:stretch>
             <a:fillRect/>
           </a:stretch>
         </p:blipFill>
-        <p:spPr bwMode="auto">
+        <p:spPr>
           <a:xfrm>
-            <a:off x="1123218" y="3632162"/>
+            <a:off x="1059717" y="3594062"/>
             <a:ext cx="4568687" cy="2436634"/>
           </a:xfrm>
           <a:prstGeom prst="rect">
             <a:avLst/>
           </a:prstGeom>
           <a:noFill/>
-          <a:extLst>
-            <a:ext uri="{909E8E84-426E-40DD-AFC4-6F175D3DCCD1}">
-              <a14:hiddenFill xmlns:a14="http://schemas.microsoft.com/office/drawing/2010/main">
-                <a:solidFill>
-                  <a:srgbClr val="FFFFFF"/>
-                </a:solidFill>
-              </a14:hiddenFill>
-            </a:ext>
-          </a:extLst>
         </p:spPr>
       </p:pic>
       <p:pic>
@@ -9914,87 +9273,34 @@
           </p:cNvPicPr>
           <p:nvPr/>
         </p:nvPicPr>
-        <p:blipFill>
-          <a:blip r:embed="rId4" cstate="print">
-            <a:extLst>
-              <a:ext uri="{28A0092B-C50C-407E-A947-70E740481C1C}">
-                <a14:useLocalDpi xmlns:a14="http://schemas.microsoft.com/office/drawing/2010/main" val="0"/>
-              </a:ext>
-            </a:extLst>
-          </a:blip>
+        <p:blipFill rotWithShape="1">
+          <a:blip r:embed="rId4"/>
           <a:srcRect/>
           <a:stretch>
             <a:fillRect/>
           </a:stretch>
         </p:blipFill>
-        <p:spPr bwMode="auto">
+        <p:spPr>
           <a:xfrm>
             <a:off x="7440957" y="3632162"/>
             <a:ext cx="2309565" cy="2309566"/>
-          </a:xfrm>
-          <a:prstGeom prst="rect">
-            <a:avLst/>
-          </a:prstGeom>
-          <a:noFill/>
-          <a:extLst>
-            <a:ext uri="{909E8E84-426E-40DD-AFC4-6F175D3DCCD1}">
-              <a14:hiddenFill xmlns:a14="http://schemas.microsoft.com/office/drawing/2010/main">
-                <a:solidFill>
-                  <a:srgbClr val="FFFFFF"/>
-                </a:solidFill>
-              </a14:hiddenFill>
-            </a:ext>
-          </a:extLst>
-        </p:spPr>
-      </p:pic>
-      <p:sp>
-        <p:nvSpPr>
-          <p:cNvPr id="4" name="TextBox 3"/>
-          <p:cNvSpPr txBox="1"/>
-          <p:nvPr/>
-        </p:nvSpPr>
-        <p:spPr>
-          <a:xfrm>
-            <a:off x="1987826" y="6128893"/>
-            <a:ext cx="2302233" cy="369332"/>
           </a:xfrm>
           <a:prstGeom prst="rect">
             <a:avLst/>
           </a:prstGeom>
           <a:noFill/>
         </p:spPr>
-        <p:txBody>
-          <a:bodyPr wrap="none" rtlCol="0">
-            <a:spAutoFit/>
-          </a:bodyPr>
-          <a:lstStyle/>
-          <a:p>
-            <a:r>
-              <a:rPr lang="ko-KR" altLang="en-US" smtClean="0"/>
-              <a:t>브레이브 걸스 </a:t>
-            </a:r>
-            <a:r>
-              <a:rPr lang="en-US" altLang="ko-KR" smtClean="0"/>
-              <a:t>NFT </a:t>
-            </a:r>
-            <a:r>
-              <a:rPr lang="ko-KR" altLang="en-US" smtClean="0"/>
-              <a:t>민팅 </a:t>
-            </a:r>
-            <a:endParaRPr lang="ko-KR" altLang="en-US"/>
-          </a:p>
-        </p:txBody>
-      </p:sp>
-      <p:sp>
-        <p:nvSpPr>
-          <p:cNvPr id="7" name="TextBox 6"/>
+      </p:pic>
+      <p:sp>
+        <p:nvSpPr>
+          <p:cNvPr id="4" name="TextBox 3"/>
           <p:cNvSpPr txBox="1"/>
           <p:nvPr/>
         </p:nvSpPr>
         <p:spPr>
           <a:xfrm>
-            <a:off x="7990445" y="6128893"/>
-            <a:ext cx="1210588" cy="369332"/>
+            <a:off x="1987826" y="6128893"/>
+            <a:ext cx="2285089" cy="369332"/>
           </a:xfrm>
           <a:prstGeom prst="rect">
             <a:avLst/>
@@ -10002,17 +9308,61 @@
           <a:noFill/>
         </p:spPr>
         <p:txBody>
-          <a:bodyPr wrap="none" rtlCol="0">
+          <a:bodyPr wrap="none">
             <a:spAutoFit/>
           </a:bodyPr>
           <a:lstStyle/>
           <a:p>
-            <a:r>
-              <a:rPr lang="ko-KR" altLang="en-US" smtClean="0"/>
+            <a:pPr lvl="0">
+              <a:defRPr lang="ko-KR" altLang="en-US"/>
+            </a:pPr>
+            <a:r>
+              <a:rPr lang="ko-KR" altLang="en-US"/>
+              <a:t>브레이브 걸스 </a:t>
+            </a:r>
+            <a:r>
+              <a:rPr lang="en-US" altLang="ko-KR"/>
+              <a:t>NFT </a:t>
+            </a:r>
+            <a:r>
+              <a:rPr lang="ko-KR" altLang="en-US"/>
+              <a:t>민팅 </a:t>
+            </a:r>
+            <a:endParaRPr lang="ko-KR" altLang="en-US"/>
+          </a:p>
+        </p:txBody>
+      </p:sp>
+      <p:sp>
+        <p:nvSpPr>
+          <p:cNvPr id="7" name="TextBox 6"/>
+          <p:cNvSpPr txBox="1"/>
+          <p:nvPr/>
+        </p:nvSpPr>
+        <p:spPr>
+          <a:xfrm>
+            <a:off x="7990445" y="6128893"/>
+            <a:ext cx="1197370" cy="369332"/>
+          </a:xfrm>
+          <a:prstGeom prst="rect">
+            <a:avLst/>
+          </a:prstGeom>
+          <a:noFill/>
+        </p:spPr>
+        <p:txBody>
+          <a:bodyPr wrap="none">
+            <a:spAutoFit/>
+          </a:bodyPr>
+          <a:lstStyle/>
+          <a:p>
+            <a:pPr lvl="0">
+              <a:defRPr lang="ko-KR" altLang="en-US"/>
+            </a:pPr>
+            <a:r>
+              <a:rPr lang="ko-KR" altLang="en-US"/>
               <a:t>마미손 </a:t>
             </a:r>
             <a:r>
-              <a:rPr lang="en-US" altLang="ko-KR" smtClean="0"/>
+              <a:rPr lang="en-US" altLang="ko-KR"/>
               <a:t>NFT</a:t>
             </a:r>
             <a:endParaRPr lang="ko-KR" altLang="en-US"/>
@@ -10022,9 +9372,7 @@
       <p:sp>
         <p:nvSpPr>
           <p:cNvPr id="8" name="제목 1"/>
-          <p:cNvSpPr txBox="1">
-            <a:spLocks/>
-          </p:cNvSpPr>
+          <p:cNvSpPr txBox="1"/>
           <p:nvPr/>
         </p:nvSpPr>
         <p:spPr>
@@ -10040,13 +9388,13 @@
           </a:solidFill>
           <a:ln>
             <a:solidFill>
-              <a:schemeClr val="bg1"/>
+              <a:schemeClr val="tx1"/>
             </a:solidFill>
           </a:ln>
         </p:spPr>
         <p:txBody>
-          <a:bodyPr vert="horz" lIns="91440" tIns="45720" rIns="91440" bIns="45720" rtlCol="0" anchor="ctr">
-            <a:normAutofit fontScale="90000" lnSpcReduction="10000"/>
+          <a:bodyPr vert="horz" lIns="91440" tIns="45720" rIns="91440" bIns="45720" anchor="ctr">
+            <a:normAutofit fontScale="90000" lnSpcReduction="0"/>
           </a:bodyPr>
           <a:lstStyle>
             <a:lvl1pPr algn="ctr" defTabSz="914400" rtl="0" eaLnBrk="1" latinLnBrk="1" hangingPunct="1">
@@ -10121,6 +9469,12 @@
             </a:lvl9pPr>
           </a:lstStyle>
           <a:p>
+            <a:pPr lvl="0">
+              <a:lnSpc>
+                <a:spcPct val="90000"/>
+              </a:lnSpc>
+              <a:defRPr lang="ko-KR" altLang="en-US"/>
+            </a:pPr>
             <a:r>
               <a:rPr lang="en-US" altLang="ko-KR"/>
               <a:t>NFT </a:t>
@@ -10129,24 +9483,21 @@
               <a:rPr lang="ko-KR" altLang="en-US"/>
               <a:t>데이터 선택한 이유</a:t>
             </a:r>
+            <a:endParaRPr lang="ko-KR" altLang="en-US"/>
           </a:p>
         </p:txBody>
       </p:sp>
     </p:spTree>
-    <p:extLst>
-      <p:ext uri="{BB962C8B-B14F-4D97-AF65-F5344CB8AC3E}">
-        <p14:creationId xmlns:p14="http://schemas.microsoft.com/office/powerpoint/2010/main" val="1121789502"/>
-      </p:ext>
-    </p:extLst>
   </p:cSld>
   <p:clrMapOvr>
     <a:masterClrMapping/>
   </p:clrMapOvr>
+  <p:transition xmlns:mc="http://schemas.openxmlformats.org/markup-compatibility/2006" xmlns:hp="http://schemas.haansoft.com/office/presentation/8.0" mc:Ignorable="hp" hp:hslDur="500"/>
 </p:sld>
 </file>
 
-<file path=ppt/slides/slide5.xml><?xml version="1.0" encoding="utf-8"?>
-<p:sld xmlns:a="http://schemas.openxmlformats.org/drawingml/2006/main" xmlns:r="http://schemas.openxmlformats.org/officeDocument/2006/relationships" xmlns:p="http://schemas.openxmlformats.org/presentationml/2006/main">
+<file path=ppt/slides/slide4.xml><?xml version="1.0" encoding="utf-8"?>
+<p:sld xmlns:r="http://schemas.openxmlformats.org/officeDocument/2006/relationships" xmlns:c="http://schemas.openxmlformats.org/drawingml/2006/chart" xmlns:a="http://schemas.openxmlformats.org/drawingml/2006/main" xmlns:dgm="http://schemas.openxmlformats.org/drawingml/2006/diagram" xmlns:dsp="http://schemas.microsoft.com/office/drawing/2008/diagram" xmlns:p="http://schemas.openxmlformats.org/presentationml/2006/main" showMasterSp="0">
   <p:cSld>
     <p:spTree>
       <p:nvGrpSpPr>
@@ -10169,8 +9520,8 @@
           <p:nvPr/>
         </p:nvGrpSpPr>
         <p:grpSpPr>
-          <a:xfrm>
-            <a:off x="567267" y="4009730"/>
+          <a:xfrm rot="0">
+            <a:off x="514350" y="4009730"/>
             <a:ext cx="11438466" cy="2433403"/>
             <a:chOff x="841513" y="1543057"/>
             <a:chExt cx="9329530" cy="1680711"/>
@@ -10184,7 +9535,7 @@
             </p:cNvPicPr>
             <p:nvPr/>
           </p:nvPicPr>
-          <p:blipFill>
+          <p:blipFill rotWithShape="1">
             <a:blip r:embed="rId3"/>
             <a:stretch>
               <a:fillRect/>
@@ -10210,8 +9561,10 @@
           </p:nvPicPr>
           <p:blipFill rotWithShape="1">
             <a:blip r:embed="rId4"/>
-            <a:srcRect t="2553"/>
-            <a:stretch/>
+            <a:srcRect t="2550"/>
+            <a:stretch>
+              <a:fillRect/>
+            </a:stretch>
           </p:blipFill>
           <p:spPr>
             <a:xfrm>
@@ -10233,7 +9586,7 @@
         <p:spPr>
           <a:xfrm>
             <a:off x="1387227" y="2591896"/>
-            <a:ext cx="9804401" cy="923330"/>
+            <a:ext cx="9804401" cy="901874"/>
           </a:xfrm>
           <a:prstGeom prst="rect">
             <a:avLst/>
@@ -10248,65 +9601,54 @@
           </a:ln>
         </p:spPr>
         <p:txBody>
-          <a:bodyPr wrap="square" rtlCol="0">
+          <a:bodyPr wrap="square">
             <a:spAutoFit/>
           </a:bodyPr>
           <a:lstStyle/>
           <a:p>
-            <a:pPr algn="ctr"/>
-            <a:r>
-              <a:rPr lang="en-US" altLang="ko-KR" smtClean="0">
-                <a:solidFill>
-                  <a:srgbClr val="FF0000"/>
-                </a:solidFill>
-              </a:rPr>
-              <a:t>---</a:t>
-            </a:r>
-            <a:r>
-              <a:rPr lang="ko-KR" altLang="en-US" smtClean="0"/>
+            <a:pPr algn="ctr">
+              <a:defRPr lang="ko-KR" altLang="en-US"/>
+            </a:pPr>
+            <a:r>
+              <a:rPr lang="ko-KR" altLang="en-US" b="1"/>
               <a:t>데이터 전처리</a:t>
             </a:r>
-            <a:r>
-              <a:rPr lang="en-US" altLang="ko-KR" smtClean="0">
-                <a:solidFill>
-                  <a:srgbClr val="FF0000"/>
-                </a:solidFill>
-              </a:rPr>
-              <a:t>---</a:t>
-            </a:r>
-            <a:endParaRPr lang="en-US" altLang="ko-KR" smtClean="0"/>
-          </a:p>
-          <a:p>
-            <a:r>
-              <a:rPr lang="en-US" altLang="ko-KR" smtClean="0"/>
+            <a:endParaRPr lang="ko-KR" altLang="en-US" b="1"/>
+          </a:p>
+          <a:p>
+            <a:pPr lvl="0">
+              <a:defRPr lang="ko-KR" altLang="en-US"/>
+            </a:pPr>
+            <a:r>
+              <a:rPr lang="en-US" altLang="ko-KR"/>
               <a:t>-</a:t>
             </a:r>
             <a:r>
-              <a:rPr lang="ko-KR" altLang="en-US" smtClean="0"/>
+              <a:rPr lang="ko-KR" altLang="en-US"/>
               <a:t>데이터의 </a:t>
             </a:r>
             <a:r>
-              <a:rPr lang="en-US" altLang="ko-KR" smtClean="0"/>
+              <a:rPr lang="en-US" altLang="ko-KR"/>
               <a:t>Missing Value</a:t>
             </a:r>
             <a:r>
-              <a:rPr lang="ko-KR" altLang="en-US" smtClean="0"/>
+              <a:rPr lang="ko-KR" altLang="en-US"/>
               <a:t>는  </a:t>
             </a:r>
             <a:r>
-              <a:rPr lang="en-US" altLang="ko-KR" smtClean="0"/>
+              <a:rPr lang="en-US" altLang="ko-KR"/>
               <a:t>Wallet</a:t>
             </a:r>
             <a:r>
-              <a:rPr lang="ko-KR" altLang="en-US" smtClean="0"/>
+              <a:rPr lang="ko-KR" altLang="en-US"/>
               <a:t>관련  데이터만 </a:t>
             </a:r>
             <a:r>
-              <a:rPr lang="en-US" altLang="ko-KR" smtClean="0"/>
+              <a:rPr lang="en-US" altLang="ko-KR"/>
               <a:t>Mean</a:t>
             </a:r>
             <a:r>
-              <a:rPr lang="ko-KR" altLang="en-US" smtClean="0"/>
+              <a:rPr lang="ko-KR" altLang="en-US"/>
               <a:t>으로 취급하고 </a:t>
             </a:r>
             <a:r>
@@ -10314,70 +9656,71 @@
               <a:t> </a:t>
             </a:r>
             <a:r>
-              <a:rPr lang="ko-KR" altLang="en-US" smtClean="0"/>
+              <a:rPr lang="ko-KR" altLang="en-US"/>
               <a:t>다른 </a:t>
             </a:r>
             <a:r>
-              <a:rPr lang="en-US" altLang="ko-KR" smtClean="0"/>
+              <a:rPr lang="en-US" altLang="ko-KR"/>
               <a:t>Missing Value</a:t>
             </a:r>
             <a:r>
-              <a:rPr lang="ko-KR" altLang="en-US" smtClean="0"/>
+              <a:rPr lang="ko-KR" altLang="en-US"/>
               <a:t>들은 </a:t>
             </a:r>
             <a:r>
-              <a:rPr lang="en-US" altLang="ko-KR" smtClean="0"/>
+              <a:rPr lang="en-US" altLang="ko-KR"/>
               <a:t>0</a:t>
             </a:r>
             <a:r>
-              <a:rPr lang="ko-KR" altLang="en-US" smtClean="0"/>
+              <a:rPr lang="ko-KR" altLang="en-US"/>
               <a:t>으로 채움</a:t>
             </a:r>
-            <a:endParaRPr lang="en-US" altLang="ko-KR" smtClean="0"/>
-          </a:p>
-          <a:p>
-            <a:r>
-              <a:rPr lang="en-US" altLang="ko-KR" smtClean="0"/>
+            <a:endParaRPr lang="ko-KR" altLang="en-US"/>
+          </a:p>
+          <a:p>
+            <a:pPr lvl="0">
+              <a:defRPr lang="ko-KR" altLang="en-US"/>
+            </a:pPr>
+            <a:r>
+              <a:rPr lang="en-US" altLang="ko-KR"/>
               <a:t>-Wallet</a:t>
             </a:r>
             <a:r>
-              <a:rPr lang="ko-KR" altLang="en-US" smtClean="0"/>
+              <a:rPr lang="ko-KR" altLang="en-US"/>
               <a:t>은 활성화된 후 사라지지 않기 때문에</a:t>
             </a:r>
             <a:r>
-              <a:rPr lang="en-US" altLang="ko-KR" smtClean="0"/>
+              <a:rPr lang="en-US" altLang="ko-KR"/>
               <a:t>(</a:t>
             </a:r>
             <a:r>
-              <a:rPr lang="ko-KR" altLang="en-US" smtClean="0"/>
+              <a:rPr lang="ko-KR" altLang="en-US"/>
               <a:t>누적</a:t>
             </a:r>
             <a:r>
-              <a:rPr lang="en-US" altLang="ko-KR" smtClean="0"/>
+              <a:rPr lang="en-US" altLang="ko-KR"/>
               <a:t>)</a:t>
             </a:r>
             <a:r>
-              <a:rPr lang="ko-KR" altLang="en-US" smtClean="0"/>
+              <a:rPr lang="ko-KR" altLang="en-US"/>
               <a:t> </a:t>
             </a:r>
             <a:r>
-              <a:rPr lang="en-US" altLang="ko-KR" smtClean="0"/>
+              <a:rPr lang="en-US" altLang="ko-KR"/>
               <a:t>Mean</a:t>
             </a:r>
             <a:r>
-              <a:rPr lang="ko-KR" altLang="en-US" smtClean="0"/>
+              <a:rPr lang="ko-KR" altLang="en-US"/>
               <a:t>으로 취급</a:t>
             </a:r>
-            <a:endParaRPr lang="en-US" altLang="ko-KR" smtClean="0"/>
+            <a:endParaRPr lang="en-US" altLang="ko-KR"/>
           </a:p>
         </p:txBody>
       </p:sp>
       <p:sp>
         <p:nvSpPr>
           <p:cNvPr id="13" name="제목 1"/>
-          <p:cNvSpPr txBox="1">
-            <a:spLocks/>
-          </p:cNvSpPr>
+          <p:cNvSpPr txBox="1"/>
           <p:nvPr/>
         </p:nvSpPr>
         <p:spPr>
@@ -10393,13 +9736,13 @@
           </a:solidFill>
           <a:ln>
             <a:solidFill>
-              <a:schemeClr val="bg1"/>
+              <a:schemeClr val="tx1"/>
             </a:solidFill>
           </a:ln>
         </p:spPr>
         <p:txBody>
-          <a:bodyPr vert="horz" lIns="91440" tIns="45720" rIns="91440" bIns="45720" rtlCol="0" anchor="ctr">
-            <a:normAutofit fontScale="90000" lnSpcReduction="10000"/>
+          <a:bodyPr vert="horz" lIns="91440" tIns="45720" rIns="91440" bIns="45720" anchor="ctr">
+            <a:normAutofit fontScale="90000" lnSpcReduction="0"/>
           </a:bodyPr>
           <a:lstStyle>
             <a:lvl1pPr algn="ctr" defTabSz="914400" rtl="0" eaLnBrk="1" latinLnBrk="1" hangingPunct="1">
@@ -10474,20 +9817,26 @@
             </a:lvl9pPr>
           </a:lstStyle>
           <a:p>
-            <a:r>
-              <a:rPr lang="en-US" altLang="ko-KR" smtClean="0"/>
+            <a:pPr lvl="0">
+              <a:lnSpc>
+                <a:spcPct val="90000"/>
+              </a:lnSpc>
+              <a:defRPr lang="ko-KR" altLang="en-US"/>
+            </a:pPr>
+            <a:r>
+              <a:rPr lang="en-US" altLang="ko-KR"/>
               <a:t>NFT </a:t>
             </a:r>
             <a:r>
-              <a:rPr lang="ko-KR" altLang="en-US" smtClean="0"/>
+              <a:rPr lang="ko-KR" altLang="en-US"/>
               <a:t>시계열 데이터 </a:t>
             </a:r>
             <a:r>
-              <a:rPr lang="en-US" altLang="ko-KR" smtClean="0"/>
+              <a:rPr lang="en-US" altLang="ko-KR"/>
               <a:t>: </a:t>
             </a:r>
             <a:r>
-              <a:rPr lang="en-US" altLang="ko-KR" u="sng" smtClean="0">
+              <a:rPr lang="en-US" altLang="ko-KR" u="sng">
                 <a:hlinkClick r:id="rId5"/>
               </a:rPr>
               <a:t>NFT HistorySales</a:t>
@@ -10520,62 +9869,36 @@
           </a:ln>
         </p:spPr>
         <p:txBody>
-          <a:bodyPr wrap="square" rtlCol="0">
+          <a:bodyPr wrap="square">
             <a:spAutoFit/>
           </a:bodyPr>
           <a:lstStyle/>
           <a:p>
-            <a:pPr algn="ctr"/>
-            <a:r>
-              <a:rPr lang="en-US" altLang="ko-KR" smtClean="0">
-                <a:solidFill>
-                  <a:srgbClr val="FF0000"/>
-                </a:solidFill>
-              </a:rPr>
-              <a:t>---</a:t>
-            </a:r>
-            <a:r>
-              <a:rPr lang="ko-KR" altLang="en-US" smtClean="0"/>
+            <a:pPr algn="ctr">
+              <a:defRPr lang="ko-KR" altLang="en-US"/>
+            </a:pPr>
+            <a:r>
+              <a:rPr lang="ko-KR" altLang="en-US" b="1"/>
               <a:t>목표</a:t>
             </a:r>
-            <a:r>
-              <a:rPr lang="en-US" altLang="ko-KR" smtClean="0">
-                <a:solidFill>
-                  <a:srgbClr val="FF0000"/>
-                </a:solidFill>
-              </a:rPr>
-              <a:t>---</a:t>
-            </a:r>
-            <a:r>
-              <a:rPr lang="en-US" altLang="ko-KR" smtClean="0"/>
-              <a:t/>
-            </a:r>
             <a:br>
-              <a:rPr lang="en-US" altLang="ko-KR" smtClean="0"/>
+              <a:rPr lang="en-US" altLang="ko-KR"/>
             </a:br>
             <a:r>
-              <a:rPr lang="en-US" altLang="ko-KR" smtClean="0"/>
+              <a:rPr lang="en-US" altLang="ko-KR"/>
               <a:t>4</a:t>
             </a:r>
             <a:r>
-              <a:rPr lang="ko-KR" altLang="en-US" smtClean="0"/>
+              <a:rPr lang="ko-KR" altLang="en-US"/>
               <a:t>년간 </a:t>
             </a:r>
             <a:r>
-              <a:rPr lang="en-US" altLang="ko-KR" smtClean="0"/>
+              <a:rPr lang="en-US" altLang="ko-KR"/>
               <a:t>NFT</a:t>
             </a:r>
             <a:r>
-              <a:rPr lang="ko-KR" altLang="en-US" smtClean="0"/>
-              <a:t> </a:t>
-            </a:r>
-            <a:r>
-              <a:rPr lang="ko-KR" altLang="en-US"/>
-              <a:t>성장해온 </a:t>
-            </a:r>
-            <a:r>
-              <a:rPr lang="ko-KR" altLang="en-US" smtClean="0"/>
-              <a:t>추세 확인</a:t>
+              <a:rPr lang="ko-KR" altLang="en-US"/>
+              <a:t> 성장해온 추세 확인</a:t>
             </a:r>
             <a:endParaRPr lang="ko-KR" altLang="en-US"/>
           </a:p>
@@ -10590,7 +9913,7 @@
         <p:spPr>
           <a:xfrm>
             <a:off x="1387228" y="1421194"/>
-            <a:ext cx="9804401" cy="923330"/>
+            <a:ext cx="9804401" cy="910526"/>
           </a:xfrm>
           <a:prstGeom prst="rect">
             <a:avLst/>
@@ -10610,32 +9933,21 @@
           </a:bodyPr>
           <a:lstStyle/>
           <a:p>
-            <a:pPr algn="ctr"/>
-            <a:r>
-              <a:rPr lang="en-US" altLang="ko-KR" smtClean="0">
-                <a:solidFill>
-                  <a:srgbClr val="FF0000"/>
-                </a:solidFill>
-              </a:rPr>
-              <a:t>---</a:t>
-            </a:r>
-            <a:r>
-              <a:rPr lang="ko-KR" altLang="en-US" smtClean="0"/>
+            <a:pPr algn="ctr">
+              <a:defRPr lang="ko-KR" altLang="en-US"/>
+            </a:pPr>
+            <a:r>
+              <a:rPr lang="ko-KR" altLang="en-US" b="1"/>
               <a:t>데이터 설명</a:t>
             </a:r>
-            <a:r>
-              <a:rPr lang="en-US" altLang="ko-KR" smtClean="0">
-                <a:solidFill>
-                  <a:srgbClr val="FF0000"/>
-                </a:solidFill>
-              </a:rPr>
-              <a:t>---</a:t>
-            </a:r>
-            <a:endParaRPr lang="en-US" altLang="ko-KR" smtClean="0"/>
-          </a:p>
-          <a:p>
-            <a:r>
-              <a:rPr lang="en-US" altLang="ko-KR" smtClean="0"/>
+            <a:endParaRPr lang="ko-KR" altLang="en-US" b="1"/>
+          </a:p>
+          <a:p>
+            <a:pPr lvl="0">
+              <a:defRPr lang="ko-KR" altLang="en-US"/>
+            </a:pPr>
+            <a:r>
+              <a:rPr lang="en-US" altLang="ko-KR"/>
               <a:t>- 2017</a:t>
             </a:r>
             <a:r>
@@ -10688,102 +10000,85 @@
             </a:r>
             <a:r>
               <a:rPr lang="ko-KR" altLang="en-US"/>
-              <a:t>일까지의 </a:t>
-            </a:r>
-            <a:r>
-              <a:rPr lang="ko-KR" altLang="en-US"/>
-              <a:t>시계열 </a:t>
-            </a:r>
-            <a:r>
-              <a:rPr lang="ko-KR" altLang="en-US" smtClean="0"/>
-              <a:t>데이터</a:t>
+              <a:t>일까지의 시계열 데이터</a:t>
+            </a:r>
+            <a:endParaRPr lang="ko-KR" altLang="en-US"/>
+          </a:p>
+          <a:p>
+            <a:pPr lvl="0">
+              <a:defRPr lang="ko-KR" altLang="en-US"/>
+            </a:pPr>
+            <a:r>
+              <a:rPr lang="en-US" altLang="ko-KR"/>
+              <a:t>- [ NFT</a:t>
+            </a:r>
+            <a:r>
+              <a:rPr lang="ko-KR" altLang="en-US"/>
+              <a:t>의 판매액</a:t>
+            </a:r>
+            <a:r>
+              <a:rPr lang="en-US" altLang="ko-KR"/>
+              <a:t>, NFT </a:t>
+            </a:r>
+            <a:r>
+              <a:rPr lang="ko-KR" altLang="en-US"/>
+              <a:t>판매개수</a:t>
+            </a:r>
+            <a:r>
+              <a:rPr lang="en-US" altLang="ko-KR"/>
+              <a:t>, </a:t>
+            </a:r>
+            <a:r>
+              <a:rPr lang="ko-KR" altLang="en-US"/>
+              <a:t>누적 마켓 지갑수</a:t>
+            </a:r>
+            <a:r>
+              <a:rPr lang="en-US" altLang="ko-KR"/>
+              <a:t>, 1</a:t>
+            </a:r>
+            <a:r>
+              <a:rPr lang="ko-KR" altLang="en-US"/>
+              <a:t>차 시장 판매량</a:t>
+            </a:r>
+            <a:r>
+              <a:rPr lang="en-US" altLang="ko-KR"/>
+              <a:t>, 2</a:t>
+            </a:r>
+            <a:r>
+              <a:rPr lang="ko-KR" altLang="en-US"/>
+              <a:t>차 시장 판매량</a:t>
+            </a:r>
+            <a:r>
+              <a:rPr lang="en-US" altLang="ko-KR"/>
+              <a:t>, …] </a:t>
+            </a:r>
+            <a:r>
+              <a:rPr lang="ko-KR" altLang="en-US"/>
+              <a:t> </a:t>
+            </a:r>
+            <a:r>
+              <a:rPr lang="en-US" altLang="ko-KR"/>
+              <a:t> </a:t>
+            </a:r>
+            <a:r>
+              <a:rPr lang="ko-KR" altLang="en-US"/>
+              <a:t>등 정보 포함</a:t>
             </a:r>
             <a:endParaRPr lang="en-US" altLang="ko-KR"/>
           </a:p>
-          <a:p>
-            <a:r>
-              <a:rPr lang="en-US" altLang="ko-KR" smtClean="0"/>
-              <a:t>- [ </a:t>
-            </a:r>
-            <a:r>
-              <a:rPr lang="en-US" altLang="ko-KR"/>
-              <a:t>NFT</a:t>
-            </a:r>
-            <a:r>
-              <a:rPr lang="ko-KR" altLang="en-US"/>
-              <a:t>의 판매액</a:t>
-            </a:r>
-            <a:r>
-              <a:rPr lang="en-US" altLang="ko-KR"/>
-              <a:t>, NFT </a:t>
-            </a:r>
-            <a:r>
-              <a:rPr lang="ko-KR" altLang="en-US"/>
-              <a:t>판매개수</a:t>
-            </a:r>
-            <a:r>
-              <a:rPr lang="en-US" altLang="ko-KR"/>
-              <a:t>, </a:t>
-            </a:r>
-            <a:r>
-              <a:rPr lang="ko-KR" altLang="en-US"/>
-              <a:t>누적 마켓 지갑수</a:t>
-            </a:r>
-            <a:r>
-              <a:rPr lang="en-US" altLang="ko-KR"/>
-              <a:t>, 1</a:t>
-            </a:r>
-            <a:r>
-              <a:rPr lang="ko-KR" altLang="en-US"/>
-              <a:t>차 시장 판매량</a:t>
-            </a:r>
-            <a:r>
-              <a:rPr lang="en-US" altLang="ko-KR"/>
-              <a:t>, 2</a:t>
-            </a:r>
-            <a:r>
-              <a:rPr lang="ko-KR" altLang="en-US"/>
-              <a:t>차 시장 판매량</a:t>
-            </a:r>
-            <a:r>
-              <a:rPr lang="en-US" altLang="ko-KR"/>
-              <a:t>, </a:t>
-            </a:r>
-            <a:r>
-              <a:rPr lang="en-US" altLang="ko-KR"/>
-              <a:t>…] </a:t>
-            </a:r>
-            <a:r>
-              <a:rPr lang="ko-KR" altLang="en-US"/>
-              <a:t> </a:t>
-            </a:r>
-            <a:r>
-              <a:rPr lang="en-US" altLang="ko-KR"/>
-              <a:t> </a:t>
-            </a:r>
-            <a:r>
-              <a:rPr lang="ko-KR" altLang="en-US" smtClean="0"/>
-              <a:t>등 정보 포함</a:t>
-            </a:r>
-            <a:endParaRPr lang="en-US" altLang="ko-KR"/>
-          </a:p>
         </p:txBody>
       </p:sp>
     </p:spTree>
-    <p:extLst>
-      <p:ext uri="{BB962C8B-B14F-4D97-AF65-F5344CB8AC3E}">
-        <p14:creationId xmlns:p14="http://schemas.microsoft.com/office/powerpoint/2010/main" val="2909093976"/>
-      </p:ext>
-    </p:extLst>
   </p:cSld>
   <p:clrMapOvr>
     <a:masterClrMapping/>
   </p:clrMapOvr>
+  <p:transition xmlns:mc="http://schemas.openxmlformats.org/markup-compatibility/2006" xmlns:hp="http://schemas.haansoft.com/office/presentation/8.0" mc:Ignorable="hp" hp:hslDur="500"/>
 </p:sld>
 </file>
 
-<file path=ppt/slides/slide6.xml><?xml version="1.0" encoding="utf-8"?>
-<p:sld xmlns:a="http://schemas.openxmlformats.org/drawingml/2006/main" xmlns:r="http://schemas.openxmlformats.org/officeDocument/2006/relationships" xmlns:p="http://schemas.openxmlformats.org/presentationml/2006/main">
+<file path=ppt/slides/slide5.xml><?xml version="1.0" encoding="utf-8"?>
+<p:sld xmlns:r="http://schemas.openxmlformats.org/officeDocument/2006/relationships" xmlns:c="http://schemas.openxmlformats.org/drawingml/2006/chart" xmlns:a="http://schemas.openxmlformats.org/drawingml/2006/main" xmlns:dgm="http://schemas.openxmlformats.org/drawingml/2006/diagram" xmlns:dsp="http://schemas.microsoft.com/office/drawing/2008/diagram" xmlns:p="http://schemas.openxmlformats.org/presentationml/2006/main" showMasterSp="0">
   <p:cSld>
     <p:spTree>
       <p:nvGrpSpPr>
@@ -10809,14 +10104,8 @@
             <p:ph idx="1"/>
           </p:nvPr>
         </p:nvPicPr>
-        <p:blipFill>
-          <a:blip r:embed="rId2">
-            <a:extLst>
-              <a:ext uri="{28A0092B-C50C-407E-A947-70E740481C1C}">
-                <a14:useLocalDpi xmlns:a14="http://schemas.microsoft.com/office/drawing/2010/main" val="0"/>
-              </a:ext>
-            </a:extLst>
-          </a:blip>
+        <p:blipFill rotWithShape="1">
+          <a:blip r:embed="rId2"/>
           <a:stretch>
             <a:fillRect/>
           </a:stretch>
@@ -10838,7 +10127,7 @@
             <a:spLocks noGrp="1"/>
           </p:cNvSpPr>
           <p:nvPr>
-            <p:ph type="title"/>
+            <p:ph type="title" idx="0"/>
           </p:nvPr>
         </p:nvSpPr>
         <p:spPr>
@@ -10851,26 +10140,29 @@
           </a:solidFill>
           <a:ln>
             <a:solidFill>
-              <a:schemeClr val="bg1"/>
+              <a:schemeClr val="tx1"/>
             </a:solidFill>
           </a:ln>
         </p:spPr>
         <p:txBody>
           <a:bodyPr>
-            <a:normAutofit fontScale="90000"/>
+            <a:normAutofit fontScale="90000" lnSpcReduction="0"/>
           </a:bodyPr>
           <a:lstStyle/>
           <a:p>
-            <a:r>
-              <a:rPr lang="en-US" altLang="ko-KR" smtClean="0"/>
+            <a:pPr lvl="0">
+              <a:defRPr lang="ko-KR" altLang="en-US"/>
+            </a:pPr>
+            <a:r>
+              <a:rPr lang="en-US" altLang="ko-KR"/>
               <a:t>NFT </a:t>
             </a:r>
             <a:r>
-              <a:rPr lang="ko-KR" altLang="en-US" smtClean="0"/>
+              <a:rPr lang="ko-KR" altLang="en-US"/>
               <a:t>시계열 데이터 </a:t>
             </a:r>
             <a:r>
-              <a:rPr lang="en-US" altLang="ko-KR" smtClean="0"/>
+              <a:rPr lang="en-US" altLang="ko-KR"/>
               <a:t>: </a:t>
             </a:r>
             <a:r>
@@ -10892,7 +10184,7 @@
         <p:spPr>
           <a:xfrm>
             <a:off x="317288" y="1343970"/>
-            <a:ext cx="1673856" cy="369332"/>
+            <a:ext cx="1660102" cy="359100"/>
           </a:xfrm>
           <a:prstGeom prst="rect">
             <a:avLst/>
@@ -10900,17 +10192,20 @@
           <a:noFill/>
         </p:spPr>
         <p:txBody>
-          <a:bodyPr wrap="none" rtlCol="0">
+          <a:bodyPr wrap="none">
             <a:spAutoFit/>
           </a:bodyPr>
           <a:lstStyle/>
           <a:p>
-            <a:r>
-              <a:rPr lang="en-US" altLang="ko-KR" smtClean="0"/>
+            <a:pPr lvl="0">
+              <a:defRPr lang="ko-KR" altLang="en-US"/>
+            </a:pPr>
+            <a:r>
+              <a:rPr lang="en-US" altLang="ko-KR"/>
               <a:t>NFT </a:t>
             </a:r>
             <a:r>
-              <a:rPr lang="ko-KR" altLang="en-US" smtClean="0"/>
+              <a:rPr lang="ko-KR" altLang="en-US"/>
               <a:t>하루 판매량</a:t>
             </a:r>
             <a:endParaRPr lang="ko-KR" altLang="en-US"/>
@@ -10926,7 +10221,7 @@
         <p:spPr>
           <a:xfrm>
             <a:off x="188246" y="2732337"/>
-            <a:ext cx="2063385" cy="646331"/>
+            <a:ext cx="2027269" cy="646331"/>
           </a:xfrm>
           <a:prstGeom prst="rect">
             <a:avLst/>
@@ -10934,32 +10229,38 @@
           <a:noFill/>
         </p:spPr>
         <p:txBody>
-          <a:bodyPr wrap="none" rtlCol="0">
+          <a:bodyPr wrap="none">
             <a:spAutoFit/>
           </a:bodyPr>
           <a:lstStyle/>
           <a:p>
-            <a:r>
-              <a:rPr lang="en-US" altLang="ko-KR" smtClean="0"/>
+            <a:pPr lvl="0">
+              <a:defRPr lang="ko-KR" altLang="en-US"/>
+            </a:pPr>
+            <a:r>
+              <a:rPr lang="en-US" altLang="ko-KR"/>
               <a:t>NFT</a:t>
             </a:r>
             <a:r>
-              <a:rPr lang="ko-KR" altLang="en-US" smtClean="0"/>
+              <a:rPr lang="ko-KR" altLang="en-US"/>
               <a:t>마켓 활성화 지갑</a:t>
             </a:r>
-            <a:endParaRPr lang="en-US" altLang="ko-KR" smtClean="0"/>
-          </a:p>
-          <a:p>
-            <a:r>
-              <a:rPr lang="en-US" altLang="ko-KR" smtClean="0"/>
+            <a:endParaRPr lang="ko-KR" altLang="en-US"/>
+          </a:p>
+          <a:p>
+            <a:pPr lvl="0">
+              <a:defRPr lang="ko-KR" altLang="en-US"/>
+            </a:pPr>
+            <a:r>
+              <a:rPr lang="en-US" altLang="ko-KR"/>
               <a:t>(</a:t>
             </a:r>
             <a:r>
-              <a:rPr lang="ko-KR" altLang="en-US" smtClean="0"/>
+              <a:rPr lang="ko-KR" altLang="en-US"/>
               <a:t>이용자 수</a:t>
             </a:r>
             <a:r>
-              <a:rPr lang="en-US" altLang="ko-KR" smtClean="0"/>
+              <a:rPr lang="en-US" altLang="ko-KR"/>
               <a:t>)</a:t>
             </a:r>
             <a:endParaRPr lang="ko-KR" altLang="en-US"/>
@@ -10975,7 +10276,7 @@
         <p:spPr>
           <a:xfrm>
             <a:off x="310192" y="4127968"/>
-            <a:ext cx="1859805" cy="646331"/>
+            <a:ext cx="1848173" cy="646331"/>
           </a:xfrm>
           <a:prstGeom prst="rect">
             <a:avLst/>
@@ -10983,34 +10284,41 @@
           <a:noFill/>
         </p:spPr>
         <p:txBody>
-          <a:bodyPr wrap="none" rtlCol="0">
+          <a:bodyPr wrap="none">
             <a:spAutoFit/>
           </a:bodyPr>
           <a:lstStyle/>
           <a:p>
-            <a:r>
-              <a:rPr lang="en-US" altLang="ko-KR" smtClean="0"/>
+            <a:pPr lvl="0">
+              <a:defRPr lang="ko-KR" altLang="en-US"/>
+            </a:pPr>
+            <a:r>
+              <a:rPr lang="en-US" altLang="ko-KR"/>
               <a:t>NFT</a:t>
             </a:r>
             <a:r>
-              <a:rPr lang="ko-KR" altLang="en-US" smtClean="0"/>
+              <a:rPr lang="ko-KR" altLang="en-US"/>
               <a:t>마켓 거래 가격</a:t>
             </a:r>
-            <a:endParaRPr lang="en-US" altLang="ko-KR" smtClean="0"/>
-          </a:p>
-          <a:p>
-            <a:r>
-              <a:rPr lang="en-US" altLang="ko-KR" smtClean="0"/>
+            <a:endParaRPr lang="ko-KR" altLang="en-US"/>
+          </a:p>
+          <a:p>
+            <a:pPr lvl="0">
+              <a:defRPr lang="ko-KR" altLang="en-US"/>
+            </a:pPr>
+            <a:r>
+              <a:rPr lang="en-US" altLang="ko-KR"/>
               <a:t>(</a:t>
             </a:r>
             <a:r>
-              <a:rPr lang="ko-KR" altLang="en-US" smtClean="0"/>
+              <a:rPr lang="ko-KR" altLang="en-US"/>
               <a:t>단위당 약 천억원</a:t>
             </a:r>
             <a:r>
-              <a:rPr lang="en-US" altLang="ko-KR" smtClean="0"/>
+              <a:rPr lang="en-US" altLang="ko-KR"/>
               <a:t>)</a:t>
             </a:r>
+            <a:endParaRPr lang="en-US" altLang="ko-KR"/>
           </a:p>
         </p:txBody>
       </p:sp>
@@ -11023,7 +10331,7 @@
         <p:spPr>
           <a:xfrm>
             <a:off x="448734" y="5626568"/>
-            <a:ext cx="1542410" cy="923330"/>
+            <a:ext cx="1528656" cy="905677"/>
           </a:xfrm>
           <a:prstGeom prst="rect">
             <a:avLst/>
@@ -11031,55 +10339,53 @@
           <a:noFill/>
         </p:spPr>
         <p:txBody>
-          <a:bodyPr wrap="none" rtlCol="0">
+          <a:bodyPr wrap="none">
             <a:spAutoFit/>
           </a:bodyPr>
           <a:lstStyle/>
           <a:p>
-            <a:r>
-              <a:rPr lang="en-US" altLang="ko-KR" smtClean="0"/>
+            <a:pPr lvl="0">
+              <a:defRPr lang="ko-KR" altLang="en-US"/>
+            </a:pPr>
+            <a:r>
+              <a:rPr lang="en-US" altLang="ko-KR"/>
               <a:t>NFT </a:t>
             </a:r>
             <a:r>
-              <a:rPr lang="ko-KR" altLang="en-US" smtClean="0"/>
+              <a:rPr lang="ko-KR" altLang="en-US"/>
               <a:t>개당 평균 </a:t>
             </a:r>
-            <a:endParaRPr lang="en-US" altLang="ko-KR" smtClean="0"/>
-          </a:p>
-          <a:p>
-            <a:r>
-              <a:rPr lang="ko-KR" altLang="en-US" smtClean="0"/>
+            <a:endParaRPr lang="ko-KR" altLang="en-US"/>
+          </a:p>
+          <a:p>
+            <a:pPr lvl="0">
+              <a:defRPr lang="ko-KR" altLang="en-US"/>
+            </a:pPr>
+            <a:r>
+              <a:rPr lang="ko-KR" altLang="en-US"/>
               <a:t>판매가격</a:t>
             </a:r>
-            <a:endParaRPr lang="en-US" altLang="ko-KR" smtClean="0"/>
-          </a:p>
-          <a:p>
-            <a:endParaRPr lang="en-US" altLang="ko-KR" smtClean="0"/>
+            <a:endParaRPr lang="ko-KR" altLang="en-US"/>
+          </a:p>
+          <a:p>
+            <a:pPr lvl="0">
+              <a:defRPr lang="ko-KR" altLang="en-US"/>
+            </a:pPr>
+            <a:endParaRPr lang="en-US" altLang="ko-KR"/>
           </a:p>
         </p:txBody>
       </p:sp>
     </p:spTree>
-    <p:extLst>
-      <p:ext uri="{BB962C8B-B14F-4D97-AF65-F5344CB8AC3E}">
-        <p14:creationId xmlns:p14="http://schemas.microsoft.com/office/powerpoint/2010/main" val="1013847990"/>
-      </p:ext>
-    </p:extLst>
   </p:cSld>
   <p:clrMapOvr>
     <a:masterClrMapping/>
   </p:clrMapOvr>
-  <p:timing>
-    <p:tnLst>
-      <p:par>
-        <p:cTn id="1" dur="indefinite" restart="never" nodeType="tmRoot"/>
-      </p:par>
-    </p:tnLst>
-  </p:timing>
+  <p:transition xmlns:mc="http://schemas.openxmlformats.org/markup-compatibility/2006" xmlns:hp="http://schemas.haansoft.com/office/presentation/8.0" mc:Ignorable="hp" hp:hslDur="500"/>
 </p:sld>
 </file>
 
-<file path=ppt/slides/slide7.xml><?xml version="1.0" encoding="utf-8"?>
-<p:sld xmlns:a="http://schemas.openxmlformats.org/drawingml/2006/main" xmlns:r="http://schemas.openxmlformats.org/officeDocument/2006/relationships" xmlns:p="http://schemas.openxmlformats.org/presentationml/2006/main">
+<file path=ppt/slides/slide6.xml><?xml version="1.0" encoding="utf-8"?>
+<p:sld xmlns:r="http://schemas.openxmlformats.org/officeDocument/2006/relationships" xmlns:c="http://schemas.openxmlformats.org/drawingml/2006/chart" xmlns:a="http://schemas.openxmlformats.org/drawingml/2006/main" xmlns:dgm="http://schemas.openxmlformats.org/drawingml/2006/diagram" xmlns:dsp="http://schemas.microsoft.com/office/drawing/2008/diagram" xmlns:p="http://schemas.openxmlformats.org/presentationml/2006/main" showMasterSp="0">
   <p:cSld>
     <p:spTree>
       <p:nvGrpSpPr>
@@ -11098,9 +10404,7 @@
       <p:sp>
         <p:nvSpPr>
           <p:cNvPr id="4" name="제목 1"/>
-          <p:cNvSpPr txBox="1">
-            <a:spLocks/>
-          </p:cNvSpPr>
+          <p:cNvSpPr txBox="1"/>
           <p:nvPr/>
         </p:nvSpPr>
         <p:spPr>
@@ -11116,13 +10420,13 @@
           </a:solidFill>
           <a:ln>
             <a:solidFill>
-              <a:schemeClr val="bg1"/>
+              <a:schemeClr val="tx1"/>
             </a:solidFill>
           </a:ln>
         </p:spPr>
         <p:txBody>
-          <a:bodyPr vert="horz" lIns="91440" tIns="45720" rIns="91440" bIns="45720" rtlCol="0" anchor="ctr">
-            <a:normAutofit fontScale="90000" lnSpcReduction="10000"/>
+          <a:bodyPr vert="horz" lIns="91440" tIns="45720" rIns="91440" bIns="45720" anchor="ctr">
+            <a:normAutofit fontScale="90000" lnSpcReduction="0"/>
           </a:bodyPr>
           <a:lstStyle>
             <a:lvl1pPr algn="ctr" defTabSz="914400" rtl="0" eaLnBrk="1" latinLnBrk="1" hangingPunct="1">
@@ -11197,20 +10501,26 @@
             </a:lvl9pPr>
           </a:lstStyle>
           <a:p>
-            <a:r>
-              <a:rPr lang="en-US" altLang="ko-KR" smtClean="0"/>
+            <a:pPr lvl="0">
+              <a:lnSpc>
+                <a:spcPct val="90000"/>
+              </a:lnSpc>
+              <a:defRPr lang="ko-KR" altLang="en-US"/>
+            </a:pPr>
+            <a:r>
+              <a:rPr lang="en-US" altLang="ko-KR"/>
               <a:t>NFT </a:t>
             </a:r>
             <a:r>
-              <a:rPr lang="ko-KR" altLang="en-US" smtClean="0"/>
+              <a:rPr lang="ko-KR" altLang="en-US"/>
               <a:t>시계열 데이터 </a:t>
             </a:r>
             <a:r>
-              <a:rPr lang="en-US" altLang="ko-KR" smtClean="0"/>
+              <a:rPr lang="en-US" altLang="ko-KR"/>
               <a:t>: </a:t>
             </a:r>
             <a:r>
-              <a:rPr lang="en-US" altLang="ko-KR" u="sng" smtClean="0">
+              <a:rPr lang="en-US" altLang="ko-KR" u="sng">
                 <a:hlinkClick r:id="rId3"/>
               </a:rPr>
               <a:t>NFT HistorySales</a:t>
@@ -11227,21 +10537,15 @@
           </p:cNvPicPr>
           <p:nvPr/>
         </p:nvPicPr>
-        <p:blipFill>
-          <a:blip r:embed="rId4">
-            <a:extLst>
-              <a:ext uri="{28A0092B-C50C-407E-A947-70E740481C1C}">
-                <a14:useLocalDpi xmlns:a14="http://schemas.microsoft.com/office/drawing/2010/main" val="0"/>
-              </a:ext>
-            </a:extLst>
-          </a:blip>
+        <p:blipFill rotWithShape="1">
+          <a:blip r:embed="rId4"/>
           <a:stretch>
             <a:fillRect/>
           </a:stretch>
         </p:blipFill>
         <p:spPr>
           <a:xfrm>
-            <a:off x="516469" y="1406465"/>
+            <a:off x="465667" y="1457265"/>
             <a:ext cx="10684932" cy="4776793"/>
           </a:xfrm>
           <a:prstGeom prst="rect">
@@ -11258,7 +10562,7 @@
         <p:spPr>
           <a:xfrm>
             <a:off x="4724400" y="1037133"/>
-            <a:ext cx="3056734" cy="369332"/>
+            <a:ext cx="3025140" cy="369332"/>
           </a:xfrm>
           <a:prstGeom prst="rect">
             <a:avLst/>
@@ -11266,29 +10570,32 @@
           <a:noFill/>
         </p:spPr>
         <p:txBody>
-          <a:bodyPr wrap="none" rtlCol="0">
+          <a:bodyPr wrap="none">
             <a:spAutoFit/>
           </a:bodyPr>
           <a:lstStyle/>
           <a:p>
-            <a:r>
-              <a:rPr lang="en-US" altLang="ko-KR" smtClean="0"/>
+            <a:pPr lvl="0">
+              <a:defRPr lang="ko-KR" altLang="en-US"/>
+            </a:pPr>
+            <a:r>
+              <a:rPr lang="en-US" altLang="ko-KR"/>
               <a:t>1</a:t>
             </a:r>
             <a:r>
-              <a:rPr lang="ko-KR" altLang="en-US" smtClean="0"/>
+              <a:rPr lang="ko-KR" altLang="en-US"/>
               <a:t>차 시장 </a:t>
             </a:r>
             <a:r>
-              <a:rPr lang="en-US" altLang="ko-KR" smtClean="0"/>
+              <a:rPr lang="en-US" altLang="ko-KR"/>
               <a:t>Trend</a:t>
             </a:r>
             <a:r>
-              <a:rPr lang="ko-KR" altLang="en-US" smtClean="0"/>
+              <a:rPr lang="ko-KR" altLang="en-US"/>
               <a:t>와 </a:t>
             </a:r>
             <a:r>
-              <a:rPr lang="en-US" altLang="ko-KR" smtClean="0"/>
+              <a:rPr lang="en-US" altLang="ko-KR"/>
               <a:t>Seasonality </a:t>
             </a:r>
             <a:endParaRPr lang="ko-KR" altLang="en-US"/>
@@ -11304,7 +10611,7 @@
         <p:spPr>
           <a:xfrm>
             <a:off x="4428067" y="6183258"/>
-            <a:ext cx="3096810" cy="369332"/>
+            <a:ext cx="3064298" cy="358512"/>
           </a:xfrm>
           <a:prstGeom prst="rect">
             <a:avLst/>
@@ -11312,29 +10619,32 @@
           <a:noFill/>
         </p:spPr>
         <p:txBody>
-          <a:bodyPr wrap="none" rtlCol="0">
+          <a:bodyPr wrap="none">
             <a:spAutoFit/>
           </a:bodyPr>
           <a:lstStyle/>
           <a:p>
+            <a:pPr lvl="0">
+              <a:defRPr lang="ko-KR" altLang="en-US"/>
+            </a:pPr>
             <a:r>
               <a:rPr lang="en-US" altLang="ko-KR"/>
               <a:t>2</a:t>
             </a:r>
             <a:r>
-              <a:rPr lang="ko-KR" altLang="en-US" smtClean="0"/>
+              <a:rPr lang="ko-KR" altLang="en-US"/>
               <a:t>차 시장 </a:t>
             </a:r>
             <a:r>
-              <a:rPr lang="en-US" altLang="ko-KR" smtClean="0"/>
+              <a:rPr lang="en-US" altLang="ko-KR"/>
               <a:t>Trend</a:t>
             </a:r>
             <a:r>
-              <a:rPr lang="ko-KR" altLang="en-US" smtClean="0"/>
+              <a:rPr lang="ko-KR" altLang="en-US"/>
               <a:t>와 </a:t>
             </a:r>
             <a:r>
-              <a:rPr lang="en-US" altLang="ko-KR" smtClean="0"/>
+              <a:rPr lang="en-US" altLang="ko-KR"/>
               <a:t>Seasonality </a:t>
             </a:r>
             <a:endParaRPr lang="ko-KR" altLang="en-US"/>
@@ -11342,27 +10652,16 @@
         </p:txBody>
       </p:sp>
     </p:spTree>
-    <p:extLst>
-      <p:ext uri="{BB962C8B-B14F-4D97-AF65-F5344CB8AC3E}">
-        <p14:creationId xmlns:p14="http://schemas.microsoft.com/office/powerpoint/2010/main" val="2463445196"/>
-      </p:ext>
-    </p:extLst>
   </p:cSld>
   <p:clrMapOvr>
     <a:masterClrMapping/>
   </p:clrMapOvr>
-  <p:timing>
-    <p:tnLst>
-      <p:par>
-        <p:cTn id="1" dur="indefinite" restart="never" nodeType="tmRoot"/>
-      </p:par>
-    </p:tnLst>
-  </p:timing>
+  <p:transition xmlns:mc="http://schemas.openxmlformats.org/markup-compatibility/2006" xmlns:hp="http://schemas.haansoft.com/office/presentation/8.0" mc:Ignorable="hp" hp:hslDur="500"/>
 </p:sld>
 </file>
 
-<file path=ppt/slides/slide8.xml><?xml version="1.0" encoding="utf-8"?>
-<p:sld xmlns:a="http://schemas.openxmlformats.org/drawingml/2006/main" xmlns:r="http://schemas.openxmlformats.org/officeDocument/2006/relationships" xmlns:p="http://schemas.openxmlformats.org/presentationml/2006/main">
+<file path=ppt/slides/slide7.xml><?xml version="1.0" encoding="utf-8"?>
+<p:sld xmlns:r="http://schemas.openxmlformats.org/officeDocument/2006/relationships" xmlns:c="http://schemas.openxmlformats.org/drawingml/2006/chart" xmlns:a="http://schemas.openxmlformats.org/drawingml/2006/main" xmlns:dgm="http://schemas.openxmlformats.org/drawingml/2006/diagram" xmlns:dsp="http://schemas.microsoft.com/office/drawing/2008/diagram" xmlns:p="http://schemas.openxmlformats.org/presentationml/2006/main" showMasterSp="0">
   <p:cSld>
     <p:spTree>
       <p:nvGrpSpPr>
@@ -11381,9 +10680,7 @@
       <p:sp>
         <p:nvSpPr>
           <p:cNvPr id="4" name="제목 1"/>
-          <p:cNvSpPr txBox="1">
-            <a:spLocks/>
-          </p:cNvSpPr>
+          <p:cNvSpPr txBox="1"/>
           <p:nvPr/>
         </p:nvSpPr>
         <p:spPr>
@@ -11399,13 +10696,13 @@
           </a:solidFill>
           <a:ln>
             <a:solidFill>
-              <a:schemeClr val="bg1"/>
+              <a:schemeClr val="tx1"/>
             </a:solidFill>
           </a:ln>
         </p:spPr>
         <p:txBody>
-          <a:bodyPr vert="horz" lIns="91440" tIns="45720" rIns="91440" bIns="45720" rtlCol="0" anchor="ctr">
-            <a:normAutofit fontScale="90000" lnSpcReduction="10000"/>
+          <a:bodyPr vert="horz" lIns="91440" tIns="45720" rIns="91440" bIns="45720" anchor="ctr">
+            <a:normAutofit fontScale="90000" lnSpcReduction="0"/>
           </a:bodyPr>
           <a:lstStyle>
             <a:lvl1pPr algn="ctr" defTabSz="914400" rtl="0" eaLnBrk="1" latinLnBrk="1" hangingPunct="1">
@@ -11480,33 +10777,35 @@
             </a:lvl9pPr>
           </a:lstStyle>
           <a:p>
-            <a:r>
-              <a:rPr lang="en-US" altLang="ko-KR" smtClean="0"/>
+            <a:pPr lvl="0">
+              <a:lnSpc>
+                <a:spcPct val="90000"/>
+              </a:lnSpc>
+              <a:defRPr lang="ko-KR" altLang="en-US"/>
+            </a:pPr>
+            <a:r>
+              <a:rPr lang="en-US" altLang="ko-KR"/>
               <a:t>NFT </a:t>
             </a:r>
             <a:r>
-              <a:rPr lang="ko-KR" altLang="en-US" smtClean="0"/>
+              <a:rPr lang="ko-KR" altLang="en-US"/>
               <a:t>컬렉션 분석 </a:t>
             </a:r>
             <a:r>
               <a:rPr lang="en-US" altLang="ko-KR"/>
-              <a:t> </a:t>
-            </a:r>
-            <a:r>
-              <a:rPr lang="en-US" altLang="ko-KR" smtClean="0"/>
-              <a:t>: </a:t>
-            </a:r>
-            <a:r>
-              <a:rPr lang="en-US" altLang="ko-KR" smtClean="0">
-                <a:solidFill>
-                  <a:srgbClr val="FF0000"/>
+              <a:t> : </a:t>
+            </a:r>
+            <a:r>
+              <a:rPr lang="en-US" altLang="ko-KR">
+                <a:solidFill>
+                  <a:srgbClr val="ff0000"/>
                 </a:solidFill>
               </a:rPr>
               <a:t>cryptoslam Data</a:t>
             </a:r>
             <a:endParaRPr lang="ko-KR" altLang="en-US">
               <a:solidFill>
-                <a:srgbClr val="FF0000"/>
+                <a:srgbClr val="ff0000"/>
               </a:solidFill>
             </a:endParaRPr>
           </a:p>
@@ -11520,7 +10819,7 @@
           </p:cNvPicPr>
           <p:nvPr/>
         </p:nvPicPr>
-        <p:blipFill>
+        <p:blipFill rotWithShape="1">
           <a:blip r:embed="rId2"/>
           <a:stretch>
             <a:fillRect/>
@@ -11545,7 +10844,7 @@
         <p:spPr>
           <a:xfrm>
             <a:off x="4466167" y="776626"/>
-            <a:ext cx="2751667" cy="655795"/>
+            <a:ext cx="2751667" cy="640694"/>
           </a:xfrm>
           <a:prstGeom prst="rect">
             <a:avLst/>
@@ -11560,49 +10859,31 @@
           </a:ln>
         </p:spPr>
         <p:txBody>
-          <a:bodyPr wrap="square" rtlCol="0">
+          <a:bodyPr wrap="square">
             <a:spAutoFit/>
           </a:bodyPr>
           <a:lstStyle/>
           <a:p>
-            <a:pPr algn="ctr"/>
-            <a:r>
-              <a:rPr lang="en-US" altLang="ko-KR" smtClean="0">
-                <a:solidFill>
-                  <a:srgbClr val="FF0000"/>
-                </a:solidFill>
-              </a:rPr>
-              <a:t>---</a:t>
-            </a:r>
-            <a:r>
-              <a:rPr lang="ko-KR" altLang="en-US" smtClean="0"/>
+            <a:pPr algn="ctr">
+              <a:defRPr lang="ko-KR" altLang="en-US"/>
+            </a:pPr>
+            <a:r>
+              <a:rPr lang="ko-KR" altLang="en-US" b="1"/>
               <a:t>목표</a:t>
             </a:r>
-            <a:r>
-              <a:rPr lang="en-US" altLang="ko-KR" smtClean="0">
-                <a:solidFill>
-                  <a:srgbClr val="FF0000"/>
-                </a:solidFill>
-              </a:rPr>
-              <a:t>---</a:t>
-            </a:r>
-            <a:r>
-              <a:rPr lang="en-US" altLang="ko-KR" smtClean="0"/>
-              <a:t/>
-            </a:r>
             <a:br>
-              <a:rPr lang="en-US" altLang="ko-KR" smtClean="0"/>
+              <a:rPr lang="en-US" altLang="ko-KR"/>
             </a:br>
             <a:r>
-              <a:rPr lang="ko-KR" altLang="en-US" smtClean="0"/>
-              <a:t>데이터 간 차이 확인 </a:t>
+              <a:rPr lang="ko-KR" altLang="en-US"/>
+              <a:t>컬렉션 간 차이 확인 </a:t>
             </a:r>
             <a:r>
               <a:rPr lang="en-US" altLang="ko-KR"/>
               <a:t> </a:t>
             </a:r>
             <a:r>
-              <a:rPr lang="ko-KR" altLang="en-US" smtClean="0"/>
+              <a:rPr lang="ko-KR" altLang="en-US"/>
               <a:t>및 구분</a:t>
             </a:r>
             <a:endParaRPr lang="ko-KR" altLang="en-US"/>
@@ -11617,7 +10898,7 @@
           </p:cNvPicPr>
           <p:nvPr/>
         </p:nvPicPr>
-        <p:blipFill>
+        <p:blipFill rotWithShape="1">
           <a:blip r:embed="rId3"/>
           <a:stretch>
             <a:fillRect/>
@@ -11676,10 +10957,12 @@
           </a:fontRef>
         </p:style>
         <p:txBody>
-          <a:bodyPr rtlCol="0" anchor="ctr"/>
-          <a:lstStyle/>
-          <a:p>
-            <a:pPr algn="ctr"/>
+          <a:bodyPr anchor="ctr"/>
+          <a:lstStyle/>
+          <a:p>
+            <a:pPr algn="ctr">
+              <a:defRPr lang="ko-KR" altLang="en-US"/>
+            </a:pPr>
             <a:endParaRPr lang="ko-KR" altLang="en-US"/>
           </a:p>
         </p:txBody>
@@ -11701,13 +10984,16 @@
           <a:noFill/>
         </p:spPr>
         <p:txBody>
-          <a:bodyPr wrap="none" rtlCol="0">
+          <a:bodyPr wrap="none">
             <a:spAutoFit/>
           </a:bodyPr>
           <a:lstStyle/>
           <a:p>
-            <a:r>
-              <a:rPr lang="ko-KR" altLang="en-US" smtClean="0"/>
+            <a:pPr lvl="0">
+              <a:defRPr lang="ko-KR" altLang="en-US"/>
+            </a:pPr>
+            <a:r>
+              <a:rPr lang="ko-KR" altLang="en-US"/>
               <a:t>데이터 전처리</a:t>
             </a:r>
             <a:endParaRPr lang="ko-KR" altLang="en-US"/>
@@ -11723,7 +11009,7 @@
         <p:spPr>
           <a:xfrm>
             <a:off x="1122999" y="3001981"/>
-            <a:ext cx="9804401" cy="646331"/>
+            <a:ext cx="9804401" cy="634664"/>
           </a:xfrm>
           <a:prstGeom prst="rect">
             <a:avLst/>
@@ -11738,60 +11024,49 @@
           </a:ln>
         </p:spPr>
         <p:txBody>
-          <a:bodyPr wrap="square" rtlCol="0">
+          <a:bodyPr wrap="square">
             <a:spAutoFit/>
           </a:bodyPr>
           <a:lstStyle/>
           <a:p>
-            <a:pPr algn="ctr"/>
-            <a:r>
-              <a:rPr lang="en-US" altLang="ko-KR" smtClean="0">
-                <a:solidFill>
-                  <a:srgbClr val="FF0000"/>
-                </a:solidFill>
-              </a:rPr>
-              <a:t>---</a:t>
-            </a:r>
-            <a:r>
-              <a:rPr lang="ko-KR" altLang="en-US" smtClean="0"/>
+            <a:pPr algn="ctr">
+              <a:defRPr lang="ko-KR" altLang="en-US"/>
+            </a:pPr>
+            <a:r>
+              <a:rPr lang="ko-KR" altLang="en-US" b="1"/>
               <a:t>데이터 전처리</a:t>
             </a:r>
-            <a:r>
-              <a:rPr lang="en-US" altLang="ko-KR" smtClean="0">
-                <a:solidFill>
-                  <a:srgbClr val="FF0000"/>
-                </a:solidFill>
-              </a:rPr>
-              <a:t>---</a:t>
-            </a:r>
-            <a:endParaRPr lang="en-US" altLang="ko-KR" smtClean="0"/>
-          </a:p>
-          <a:p>
-            <a:r>
-              <a:rPr lang="en-US" altLang="ko-KR" smtClean="0"/>
+            <a:endParaRPr lang="ko-KR" altLang="en-US" b="1"/>
+          </a:p>
+          <a:p>
+            <a:pPr lvl="0">
+              <a:defRPr lang="ko-KR" altLang="en-US"/>
+            </a:pPr>
+            <a:r>
+              <a:rPr lang="en-US" altLang="ko-KR"/>
               <a:t>- </a:t>
             </a:r>
             <a:r>
-              <a:rPr lang="ko-KR" altLang="en-US" smtClean="0"/>
+              <a:rPr lang="ko-KR" altLang="en-US"/>
               <a:t>데이터를 다루기 쉽도록 </a:t>
             </a:r>
             <a:r>
-              <a:rPr lang="en-US" altLang="ko-KR" smtClean="0"/>
+              <a:rPr lang="en-US" altLang="ko-KR"/>
               <a:t>String </a:t>
             </a:r>
             <a:r>
-              <a:rPr lang="ko-KR" altLang="en-US" smtClean="0"/>
+              <a:rPr lang="ko-KR" altLang="en-US"/>
               <a:t>형태를 </a:t>
             </a:r>
             <a:r>
-              <a:rPr lang="en-US" altLang="ko-KR" smtClean="0"/>
+              <a:rPr lang="en-US" altLang="ko-KR"/>
               <a:t>Int</a:t>
             </a:r>
             <a:r>
-              <a:rPr lang="ko-KR" altLang="en-US" smtClean="0"/>
+              <a:rPr lang="ko-KR" altLang="en-US"/>
               <a:t>형태로 바꾸어줌</a:t>
             </a:r>
-            <a:endParaRPr lang="en-US" altLang="ko-KR" smtClean="0"/>
+            <a:endParaRPr lang="en-US" altLang="ko-KR"/>
           </a:p>
         </p:txBody>
       </p:sp>
@@ -11804,7 +11079,7 @@
         <p:spPr>
           <a:xfrm>
             <a:off x="1123000" y="1485105"/>
-            <a:ext cx="9804401" cy="1200329"/>
+            <a:ext cx="9804401" cy="1179990"/>
           </a:xfrm>
           <a:prstGeom prst="rect">
             <a:avLst/>
@@ -11824,137 +11099,133 @@
           </a:bodyPr>
           <a:lstStyle/>
           <a:p>
-            <a:pPr algn="ctr"/>
-            <a:r>
-              <a:rPr lang="en-US" altLang="ko-KR" smtClean="0">
-                <a:solidFill>
-                  <a:srgbClr val="FF0000"/>
-                </a:solidFill>
-              </a:rPr>
-              <a:t>---</a:t>
-            </a:r>
-            <a:r>
-              <a:rPr lang="ko-KR" altLang="en-US" smtClean="0"/>
+            <a:pPr algn="ctr">
+              <a:defRPr lang="ko-KR" altLang="en-US"/>
+            </a:pPr>
+            <a:r>
+              <a:rPr lang="ko-KR" altLang="en-US" b="1"/>
               <a:t>데이터 설명</a:t>
             </a:r>
-            <a:r>
-              <a:rPr lang="en-US" altLang="ko-KR" smtClean="0">
-                <a:solidFill>
-                  <a:srgbClr val="FF0000"/>
-                </a:solidFill>
-              </a:rPr>
-              <a:t>---</a:t>
-            </a:r>
-            <a:endParaRPr lang="en-US" altLang="ko-KR" smtClean="0"/>
-          </a:p>
-          <a:p>
-            <a:r>
-              <a:rPr lang="en-US" altLang="ko-KR" smtClean="0"/>
+            <a:endParaRPr lang="ko-KR" altLang="en-US" b="1"/>
+          </a:p>
+          <a:p>
+            <a:pPr lvl="0">
+              <a:defRPr lang="ko-KR" altLang="en-US"/>
+            </a:pPr>
+            <a:r>
+              <a:rPr lang="en-US" altLang="ko-KR"/>
               <a:t>- 11</a:t>
             </a:r>
             <a:r>
-              <a:rPr lang="ko-KR" altLang="en-US" smtClean="0"/>
+              <a:rPr lang="ko-KR" altLang="en-US"/>
               <a:t>월 </a:t>
             </a:r>
             <a:r>
-              <a:rPr lang="en-US" altLang="ko-KR" smtClean="0"/>
+              <a:rPr lang="en-US" altLang="ko-KR"/>
               <a:t>25</a:t>
             </a:r>
             <a:r>
-              <a:rPr lang="ko-KR" altLang="en-US" smtClean="0"/>
+              <a:rPr lang="ko-KR" altLang="en-US"/>
               <a:t>일 기준  </a:t>
             </a:r>
             <a:r>
-              <a:rPr lang="en-US" altLang="ko-KR" smtClean="0"/>
+              <a:rPr lang="en-US" altLang="ko-KR"/>
               <a:t>cryptoslam.io </a:t>
             </a:r>
             <a:r>
-              <a:rPr lang="ko-KR" altLang="en-US" smtClean="0"/>
+              <a:rPr lang="ko-KR" altLang="en-US"/>
               <a:t>사이트에서 제공하는 </a:t>
             </a:r>
             <a:r>
-              <a:rPr lang="en-US" altLang="ko-KR" smtClean="0"/>
+              <a:rPr lang="en-US" altLang="ko-KR"/>
               <a:t>NFT Collection </a:t>
             </a:r>
             <a:r>
-              <a:rPr lang="ko-KR" altLang="en-US" smtClean="0"/>
+              <a:rPr lang="ko-KR" altLang="en-US"/>
               <a:t>데이터</a:t>
             </a:r>
             <a:r>
-              <a:rPr lang="en-US" altLang="ko-KR" smtClean="0"/>
+              <a:rPr lang="en-US" altLang="ko-KR"/>
               <a:t>.</a:t>
             </a:r>
-          </a:p>
-          <a:p>
-            <a:r>
-              <a:rPr lang="en-US" altLang="ko-KR" smtClean="0"/>
+            <a:endParaRPr lang="en-US" altLang="ko-KR"/>
+          </a:p>
+          <a:p>
+            <a:pPr lvl="0">
+              <a:defRPr lang="ko-KR" altLang="en-US"/>
+            </a:pPr>
+            <a:r>
+              <a:rPr lang="en-US" altLang="ko-KR"/>
               <a:t>- 250</a:t>
             </a:r>
             <a:r>
-              <a:rPr lang="ko-KR" altLang="en-US" smtClean="0"/>
+              <a:rPr lang="ko-KR" altLang="en-US"/>
               <a:t>개의 </a:t>
             </a:r>
             <a:r>
-              <a:rPr lang="en-US" altLang="ko-KR" smtClean="0"/>
+              <a:rPr lang="en-US" altLang="ko-KR"/>
               <a:t>NFT Collections</a:t>
             </a:r>
             <a:r>
-              <a:rPr lang="ko-KR" altLang="en-US" smtClean="0"/>
+              <a:rPr lang="ko-KR" altLang="en-US"/>
               <a:t>이 </a:t>
             </a:r>
             <a:r>
-              <a:rPr lang="en-US" altLang="ko-KR" smtClean="0"/>
+              <a:rPr lang="en-US" altLang="ko-KR"/>
               <a:t>entity</a:t>
             </a:r>
             <a:r>
-              <a:rPr lang="ko-KR" altLang="en-US" smtClean="0"/>
+              <a:rPr lang="ko-KR" altLang="en-US"/>
               <a:t>로 존재하는 데이터 </a:t>
             </a:r>
-            <a:endParaRPr lang="en-US" altLang="ko-KR" smtClean="0"/>
-          </a:p>
-          <a:p>
-            <a:r>
-              <a:rPr lang="en-US" altLang="ko-KR" smtClean="0"/>
+            <a:endParaRPr lang="ko-KR" altLang="en-US"/>
+          </a:p>
+          <a:p>
+            <a:pPr lvl="0">
+              <a:defRPr lang="ko-KR" altLang="en-US"/>
+            </a:pPr>
+            <a:r>
+              <a:rPr lang="en-US" altLang="ko-KR"/>
               <a:t>- [ Collections, </a:t>
             </a:r>
             <a:r>
-              <a:rPr lang="ko-KR" altLang="en-US" smtClean="0"/>
+              <a:rPr lang="ko-KR" altLang="en-US"/>
               <a:t>판매액</a:t>
             </a:r>
             <a:r>
-              <a:rPr lang="en-US" altLang="ko-KR" smtClean="0"/>
+              <a:rPr lang="en-US" altLang="ko-KR"/>
               <a:t>, </a:t>
             </a:r>
             <a:r>
-              <a:rPr lang="ko-KR" altLang="en-US" smtClean="0"/>
+              <a:rPr lang="ko-KR" altLang="en-US"/>
               <a:t>구매자 수</a:t>
             </a:r>
             <a:r>
-              <a:rPr lang="en-US" altLang="ko-KR" smtClean="0"/>
+              <a:rPr lang="en-US" altLang="ko-KR"/>
               <a:t>, </a:t>
             </a:r>
             <a:r>
-              <a:rPr lang="ko-KR" altLang="en-US" smtClean="0"/>
+              <a:rPr lang="ko-KR" altLang="en-US"/>
               <a:t>트랜잭션 횟수</a:t>
             </a:r>
             <a:r>
-              <a:rPr lang="en-US" altLang="ko-KR" smtClean="0"/>
+              <a:rPr lang="en-US" altLang="ko-KR"/>
               <a:t>, </a:t>
             </a:r>
             <a:r>
-              <a:rPr lang="ko-KR" altLang="en-US" smtClean="0"/>
+              <a:rPr lang="ko-KR" altLang="en-US"/>
               <a:t>소유자 수 </a:t>
             </a:r>
             <a:r>
-              <a:rPr lang="en-US" altLang="ko-KR" smtClean="0"/>
+              <a:rPr lang="en-US" altLang="ko-KR"/>
               <a:t>] </a:t>
             </a:r>
             <a:r>
-              <a:rPr lang="ko-KR" altLang="en-US" smtClean="0"/>
+              <a:rPr lang="ko-KR" altLang="en-US"/>
               <a:t>로 열이 구성되어 있다</a:t>
             </a:r>
             <a:r>
-              <a:rPr lang="en-US" altLang="ko-KR" smtClean="0"/>
+              <a:rPr lang="en-US" altLang="ko-KR"/>
               <a:t>. </a:t>
             </a:r>
             <a:endParaRPr lang="en-US" altLang="ko-KR"/>
@@ -11962,27 +11233,16 @@
         </p:txBody>
       </p:sp>
     </p:spTree>
-    <p:extLst>
-      <p:ext uri="{BB962C8B-B14F-4D97-AF65-F5344CB8AC3E}">
-        <p14:creationId xmlns:p14="http://schemas.microsoft.com/office/powerpoint/2010/main" val="859102072"/>
-      </p:ext>
-    </p:extLst>
   </p:cSld>
   <p:clrMapOvr>
     <a:masterClrMapping/>
   </p:clrMapOvr>
-  <p:timing>
-    <p:tnLst>
-      <p:par>
-        <p:cTn id="1" dur="indefinite" restart="never" nodeType="tmRoot"/>
-      </p:par>
-    </p:tnLst>
-  </p:timing>
+  <p:transition xmlns:mc="http://schemas.openxmlformats.org/markup-compatibility/2006" xmlns:hp="http://schemas.haansoft.com/office/presentation/8.0" mc:Ignorable="hp" hp:hslDur="500"/>
 </p:sld>
 </file>
 
-<file path=ppt/slides/slide9.xml><?xml version="1.0" encoding="utf-8"?>
-<p:sld xmlns:a="http://schemas.openxmlformats.org/drawingml/2006/main" xmlns:r="http://schemas.openxmlformats.org/officeDocument/2006/relationships" xmlns:p="http://schemas.openxmlformats.org/presentationml/2006/main">
+<file path=ppt/slides/slide8.xml><?xml version="1.0" encoding="utf-8"?>
+<p:sld xmlns:r="http://schemas.openxmlformats.org/officeDocument/2006/relationships" xmlns:c="http://schemas.openxmlformats.org/drawingml/2006/chart" xmlns:a="http://schemas.openxmlformats.org/drawingml/2006/main" xmlns:dgm="http://schemas.openxmlformats.org/drawingml/2006/diagram" xmlns:dsp="http://schemas.microsoft.com/office/drawing/2008/diagram" xmlns:p="http://schemas.openxmlformats.org/presentationml/2006/main" showMasterSp="0">
   <p:cSld>
     <p:spTree>
       <p:nvGrpSpPr>
@@ -12001,9 +11261,7 @@
       <p:sp>
         <p:nvSpPr>
           <p:cNvPr id="4" name="제목 1"/>
-          <p:cNvSpPr txBox="1">
-            <a:spLocks/>
-          </p:cNvSpPr>
+          <p:cNvSpPr txBox="1"/>
           <p:nvPr/>
         </p:nvSpPr>
         <p:spPr>
@@ -12019,13 +11277,13 @@
           </a:solidFill>
           <a:ln>
             <a:solidFill>
-              <a:schemeClr val="bg1"/>
+              <a:schemeClr val="tx1"/>
             </a:solidFill>
           </a:ln>
         </p:spPr>
         <p:txBody>
-          <a:bodyPr vert="horz" lIns="91440" tIns="45720" rIns="91440" bIns="45720" rtlCol="0" anchor="ctr">
-            <a:normAutofit fontScale="90000" lnSpcReduction="10000"/>
+          <a:bodyPr vert="horz" lIns="91440" tIns="45720" rIns="91440" bIns="45720" anchor="ctr">
+            <a:normAutofit fontScale="90000" lnSpcReduction="0"/>
           </a:bodyPr>
           <a:lstStyle>
             <a:lvl1pPr algn="ctr" defTabSz="914400" rtl="0" eaLnBrk="1" latinLnBrk="1" hangingPunct="1">
@@ -12100,33 +11358,35 @@
             </a:lvl9pPr>
           </a:lstStyle>
           <a:p>
-            <a:r>
-              <a:rPr lang="en-US" altLang="ko-KR" smtClean="0"/>
+            <a:pPr lvl="0">
+              <a:lnSpc>
+                <a:spcPct val="90000"/>
+              </a:lnSpc>
+              <a:defRPr lang="ko-KR" altLang="en-US"/>
+            </a:pPr>
+            <a:r>
+              <a:rPr lang="en-US" altLang="ko-KR"/>
               <a:t>NFT </a:t>
             </a:r>
             <a:r>
-              <a:rPr lang="ko-KR" altLang="en-US" smtClean="0"/>
+              <a:rPr lang="ko-KR" altLang="en-US"/>
               <a:t>컬렉션 분석 </a:t>
             </a:r>
             <a:r>
               <a:rPr lang="en-US" altLang="ko-KR"/>
-              <a:t> </a:t>
-            </a:r>
-            <a:r>
-              <a:rPr lang="en-US" altLang="ko-KR" smtClean="0"/>
-              <a:t>: </a:t>
-            </a:r>
-            <a:r>
-              <a:rPr lang="en-US" altLang="ko-KR" smtClean="0">
-                <a:solidFill>
-                  <a:srgbClr val="FF0000"/>
+              <a:t> : </a:t>
+            </a:r>
+            <a:r>
+              <a:rPr lang="en-US" altLang="ko-KR">
+                <a:solidFill>
+                  <a:srgbClr val="ff0000"/>
                 </a:solidFill>
               </a:rPr>
               <a:t>cryptoslam Data</a:t>
             </a:r>
             <a:endParaRPr lang="ko-KR" altLang="en-US">
               <a:solidFill>
-                <a:srgbClr val="FF0000"/>
+                <a:srgbClr val="ff0000"/>
               </a:solidFill>
             </a:endParaRPr>
           </a:p>
@@ -12140,14 +11400,8 @@
           </p:cNvPicPr>
           <p:nvPr/>
         </p:nvPicPr>
-        <p:blipFill>
-          <a:blip r:embed="rId2">
-            <a:extLst>
-              <a:ext uri="{28A0092B-C50C-407E-A947-70E740481C1C}">
-                <a14:useLocalDpi xmlns:a14="http://schemas.microsoft.com/office/drawing/2010/main" val="0"/>
-              </a:ext>
-            </a:extLst>
-          </a:blip>
+        <p:blipFill rotWithShape="1">
+          <a:blip r:embed="rId3"/>
           <a:stretch>
             <a:fillRect/>
           </a:stretch>
@@ -12179,7 +11433,7 @@
         <p:spPr>
           <a:xfrm>
             <a:off x="1442851" y="1769301"/>
-            <a:ext cx="3758080" cy="923330"/>
+            <a:ext cx="3734939" cy="905319"/>
           </a:xfrm>
           <a:prstGeom prst="rect">
             <a:avLst/>
@@ -12187,54 +11441,63 @@
           <a:noFill/>
         </p:spPr>
         <p:txBody>
-          <a:bodyPr wrap="none" rtlCol="0">
+          <a:bodyPr wrap="none">
             <a:spAutoFit/>
           </a:bodyPr>
           <a:lstStyle/>
           <a:p>
-            <a:r>
-              <a:rPr lang="en-US" altLang="ko-KR" smtClean="0"/>
+            <a:pPr lvl="0">
+              <a:defRPr lang="ko-KR" altLang="en-US"/>
+            </a:pPr>
+            <a:r>
+              <a:rPr lang="en-US" altLang="ko-KR"/>
               <a:t>WCSS(k-mean clustering) </a:t>
             </a:r>
             <a:r>
-              <a:rPr lang="ko-KR" altLang="en-US" smtClean="0"/>
+              <a:rPr lang="ko-KR" altLang="en-US"/>
               <a:t>방법을 통해</a:t>
             </a:r>
-            <a:endParaRPr lang="en-US" altLang="ko-KR" smtClean="0"/>
-          </a:p>
-          <a:p>
-            <a:r>
-              <a:rPr lang="ko-KR" altLang="en-US" smtClean="0"/>
+            <a:endParaRPr lang="ko-KR" altLang="en-US"/>
+          </a:p>
+          <a:p>
+            <a:pPr lvl="0">
+              <a:defRPr lang="ko-KR" altLang="en-US"/>
+            </a:pPr>
+            <a:r>
+              <a:rPr lang="ko-KR" altLang="en-US"/>
               <a:t>데이터를 분할 할 </a:t>
             </a:r>
             <a:r>
-              <a:rPr lang="en-US" altLang="ko-KR" smtClean="0"/>
+              <a:rPr lang="en-US" altLang="ko-KR"/>
               <a:t>k </a:t>
             </a:r>
             <a:r>
-              <a:rPr lang="ko-KR" altLang="en-US" smtClean="0"/>
+              <a:rPr lang="ko-KR" altLang="en-US"/>
               <a:t>확인</a:t>
             </a:r>
             <a:r>
-              <a:rPr lang="en-US" altLang="ko-KR" smtClean="0"/>
+              <a:rPr lang="en-US" altLang="ko-KR"/>
               <a:t>, </a:t>
             </a:r>
             <a:r>
-              <a:rPr lang="ko-KR" altLang="en-US" smtClean="0"/>
+              <a:rPr lang="ko-KR" altLang="en-US"/>
               <a:t>결과 </a:t>
             </a:r>
             <a:r>
-              <a:rPr lang="en-US" altLang="ko-KR" smtClean="0"/>
+              <a:rPr lang="en-US" altLang="ko-KR"/>
               <a:t>2</a:t>
             </a:r>
             <a:r>
-              <a:rPr lang="ko-KR" altLang="en-US" smtClean="0"/>
+              <a:rPr lang="ko-KR" altLang="en-US"/>
               <a:t>개로 분할</a:t>
             </a:r>
-            <a:endParaRPr lang="en-US" altLang="ko-KR" smtClean="0"/>
-          </a:p>
-          <a:p>
-            <a:endParaRPr lang="en-US" altLang="ko-KR" smtClean="0"/>
+            <a:endParaRPr lang="ko-KR" altLang="en-US"/>
+          </a:p>
+          <a:p>
+            <a:pPr lvl="0">
+              <a:defRPr lang="ko-KR" altLang="en-US"/>
+            </a:pPr>
+            <a:endParaRPr lang="en-US" altLang="ko-KR"/>
           </a:p>
         </p:txBody>
       </p:sp>
@@ -12246,14 +11509,8 @@
           </p:cNvPicPr>
           <p:nvPr/>
         </p:nvPicPr>
-        <p:blipFill>
-          <a:blip r:embed="rId3">
-            <a:extLst>
-              <a:ext uri="{28A0092B-C50C-407E-A947-70E740481C1C}">
-                <a14:useLocalDpi xmlns:a14="http://schemas.microsoft.com/office/drawing/2010/main" val="0"/>
-              </a:ext>
-            </a:extLst>
-          </a:blip>
+        <p:blipFill rotWithShape="1">
+          <a:blip r:embed="rId4"/>
           <a:stretch>
             <a:fillRect/>
           </a:stretch>
@@ -12285,7 +11542,7 @@
         <p:spPr>
           <a:xfrm>
             <a:off x="1281984" y="4425829"/>
-            <a:ext cx="4301177" cy="1754326"/>
+            <a:ext cx="4114881" cy="1734941"/>
           </a:xfrm>
           <a:prstGeom prst="rect">
             <a:avLst/>
@@ -12293,88 +11550,98 @@
           <a:noFill/>
         </p:spPr>
         <p:txBody>
-          <a:bodyPr wrap="none" rtlCol="0">
+          <a:bodyPr wrap="none">
             <a:spAutoFit/>
           </a:bodyPr>
           <a:lstStyle/>
           <a:p>
-            <a:r>
-              <a:rPr lang="ko-KR" altLang="en-US" smtClean="0"/>
+            <a:pPr lvl="0">
+              <a:defRPr lang="ko-KR" altLang="en-US"/>
+            </a:pPr>
+            <a:r>
+              <a:rPr lang="ko-KR" altLang="en-US"/>
               <a:t>판매액 </a:t>
             </a:r>
             <a:r>
-              <a:rPr lang="en-US" altLang="ko-KR" smtClean="0"/>
+              <a:rPr lang="en-US" altLang="ko-KR"/>
               <a:t>100million(</a:t>
             </a:r>
             <a:r>
-              <a:rPr lang="ko-KR" altLang="en-US" smtClean="0"/>
+              <a:rPr lang="ko-KR" altLang="en-US"/>
               <a:t>약 </a:t>
             </a:r>
             <a:r>
-              <a:rPr lang="en-US" altLang="ko-KR" smtClean="0"/>
+              <a:rPr lang="en-US" altLang="ko-KR"/>
               <a:t>1000</a:t>
             </a:r>
             <a:r>
-              <a:rPr lang="ko-KR" altLang="en-US" smtClean="0"/>
+              <a:rPr lang="ko-KR" altLang="en-US"/>
               <a:t>억원</a:t>
             </a:r>
             <a:r>
-              <a:rPr lang="en-US" altLang="ko-KR" smtClean="0"/>
+              <a:rPr lang="en-US" altLang="ko-KR"/>
               <a:t>) </a:t>
             </a:r>
             <a:r>
-              <a:rPr lang="ko-KR" altLang="en-US" smtClean="0"/>
+              <a:rPr lang="ko-KR" altLang="en-US"/>
               <a:t>기준으로</a:t>
             </a:r>
-            <a:endParaRPr lang="en-US" altLang="ko-KR" smtClean="0"/>
-          </a:p>
-          <a:p>
-            <a:r>
-              <a:rPr lang="ko-KR" altLang="en-US" smtClean="0"/>
+            <a:endParaRPr lang="ko-KR" altLang="en-US"/>
+          </a:p>
+          <a:p>
+            <a:pPr lvl="0">
+              <a:defRPr lang="ko-KR" altLang="en-US"/>
+            </a:pPr>
+            <a:r>
+              <a:rPr lang="ko-KR" altLang="en-US"/>
               <a:t>컬렉션 데이터를 나눈 결과</a:t>
             </a:r>
             <a:r>
-              <a:rPr lang="en-US" altLang="ko-KR" smtClean="0"/>
+              <a:rPr lang="en-US" altLang="ko-KR"/>
               <a:t>.</a:t>
             </a:r>
-          </a:p>
-          <a:p>
-            <a:r>
-              <a:rPr lang="en-US" altLang="ko-KR" smtClean="0"/>
+            <a:endParaRPr lang="en-US" altLang="ko-KR"/>
+          </a:p>
+          <a:p>
+            <a:pPr lvl="0">
+              <a:defRPr lang="ko-KR" altLang="en-US"/>
+            </a:pPr>
+            <a:r>
+              <a:rPr lang="en-US" altLang="ko-KR"/>
               <a:t>100million group</a:t>
             </a:r>
             <a:r>
-              <a:rPr lang="ko-KR" altLang="en-US" smtClean="0"/>
+              <a:rPr lang="ko-KR" altLang="en-US"/>
               <a:t>이 약 </a:t>
             </a:r>
             <a:r>
-              <a:rPr lang="en-US" altLang="ko-KR" smtClean="0"/>
-              <a:t>9.43</a:t>
-            </a:r>
-            <a:r>
-              <a:rPr lang="en-US" altLang="ko-KR"/>
-              <a:t>%</a:t>
-            </a:r>
-            <a:r>
-              <a:rPr lang="ko-KR" altLang="en-US" smtClean="0"/>
+              <a:rPr lang="en-US" altLang="ko-KR"/>
+              <a:t>9.43%</a:t>
+            </a:r>
+            <a:r>
+              <a:rPr lang="ko-KR" altLang="en-US"/>
               <a:t> 존재함</a:t>
             </a:r>
             <a:r>
-              <a:rPr lang="en-US" altLang="ko-KR" smtClean="0"/>
+              <a:rPr lang="en-US" altLang="ko-KR"/>
               <a:t>(23</a:t>
             </a:r>
             <a:r>
-              <a:rPr lang="ko-KR" altLang="en-US" smtClean="0"/>
+              <a:rPr lang="ko-KR" altLang="en-US"/>
               <a:t>개</a:t>
             </a:r>
             <a:r>
-              <a:rPr lang="en-US" altLang="ko-KR" smtClean="0"/>
+              <a:rPr lang="en-US" altLang="ko-KR"/>
               <a:t>)</a:t>
             </a:r>
-          </a:p>
-          <a:p>
-            <a:r>
-              <a:rPr lang="ko-KR" altLang="en-US" smtClean="0"/>
+            <a:endParaRPr lang="en-US" altLang="ko-KR"/>
+          </a:p>
+          <a:p>
+            <a:pPr lvl="0">
+              <a:defRPr lang="ko-KR" altLang="en-US"/>
+            </a:pPr>
+            <a:r>
+              <a:rPr lang="ko-KR" altLang="en-US"/>
               <a:t>우린 이 데이터를 이용</a:t>
             </a:r>
             <a:r>
@@ -12384,21 +11651,27 @@
             <a:endParaRPr lang="en-US" altLang="ko-KR"/>
           </a:p>
           <a:p>
-            <a:r>
-              <a:rPr lang="en-US" altLang="ko-KR" smtClean="0"/>
+            <a:pPr lvl="0">
+              <a:defRPr lang="ko-KR" altLang="en-US"/>
+            </a:pPr>
+            <a:r>
+              <a:rPr lang="en-US" altLang="ko-KR"/>
               <a:t>(</a:t>
             </a:r>
             <a:r>
-              <a:rPr lang="ko-KR" altLang="en-US" smtClean="0"/>
+              <a:rPr lang="ko-KR" altLang="en-US"/>
               <a:t>상위 데이터일수록 유명한 데이터이므로 신뢰</a:t>
             </a:r>
             <a:r>
-              <a:rPr lang="en-US" altLang="ko-KR" smtClean="0"/>
+              <a:rPr lang="en-US" altLang="ko-KR"/>
               <a:t>)</a:t>
             </a:r>
             <a:endParaRPr lang="en-US" altLang="ko-KR"/>
           </a:p>
           <a:p>
+            <a:pPr lvl="0">
+              <a:defRPr lang="ko-KR" altLang="en-US"/>
+            </a:pPr>
             <a:endParaRPr lang="en-US" altLang="ko-KR"/>
           </a:p>
         </p:txBody>
@@ -12411,16 +11684,16 @@
           </p:cNvPicPr>
           <p:nvPr/>
         </p:nvPicPr>
-        <p:blipFill>
-          <a:blip r:embed="rId4"/>
+        <p:blipFill rotWithShape="1">
+          <a:blip r:embed="rId5"/>
           <a:stretch>
             <a:fillRect/>
           </a:stretch>
         </p:blipFill>
         <p:spPr>
           <a:xfrm>
-            <a:off x="9144063" y="3767666"/>
-            <a:ext cx="2704746" cy="2878666"/>
+            <a:off x="5603876" y="889000"/>
+            <a:ext cx="5220557" cy="5556248"/>
           </a:xfrm>
           <a:prstGeom prst="rect">
             <a:avLst/>
@@ -12436,64 +11709,454 @@
         </p:spPr>
       </p:pic>
     </p:spTree>
-    <p:extLst>
-      <p:ext uri="{BB962C8B-B14F-4D97-AF65-F5344CB8AC3E}">
-        <p14:creationId xmlns:p14="http://schemas.microsoft.com/office/powerpoint/2010/main" val="713901572"/>
-      </p:ext>
-    </p:extLst>
   </p:cSld>
   <p:clrMapOvr>
     <a:masterClrMapping/>
   </p:clrMapOvr>
+  <p:transition xmlns:mc="http://schemas.openxmlformats.org/markup-compatibility/2006" xmlns:hp="http://schemas.haansoft.com/office/presentation/8.0" mc:Ignorable="hp" hp:hslDur="500"/>
   <p:timing>
     <p:tnLst>
       <p:par>
-        <p:cTn id="1" dur="indefinite" restart="never" nodeType="tmRoot"/>
+        <p:cTn id="1" dur="indefinite" restart="never" nodeType="tmRoot">
+          <p:childTnLst>
+            <p:seq concurrent="1" nextAc="seek">
+              <p:cTn id="2" dur="indefinite" nodeType="mainSeq">
+                <p:childTnLst>
+                  <p:par>
+                    <p:cTn id="3" fill="hold">
+                      <p:stCondLst>
+                        <p:cond delay="indefinite"/>
+                      </p:stCondLst>
+                      <p:childTnLst>
+                        <p:par>
+                          <p:cTn id="4" fill="hold">
+                            <p:stCondLst>
+                              <p:cond delay="0"/>
+                            </p:stCondLst>
+                            <p:childTnLst>
+                              <p:par>
+                                <p:cTn id="5" presetID="1" presetClass="entr" presetSubtype="0" fill="hold" grpId="0" nodeType="clickEffect">
+                                  <p:stCondLst>
+                                    <p:cond delay="0"/>
+                                  </p:stCondLst>
+                                  <p:childTnLst>
+                                    <p:set>
+                                      <p:cBhvr>
+                                        <p:cTn id="6" dur="1" fill="hold">
+                                          <p:stCondLst>
+                                            <p:cond delay="0"/>
+                                          </p:stCondLst>
+                                        </p:cTn>
+                                        <p:tgtEl>
+                                          <p:spTgt spid="14"/>
+                                        </p:tgtEl>
+                                        <p:attrNameLst>
+                                          <p:attrName>style.visibility</p:attrName>
+                                        </p:attrNameLst>
+                                      </p:cBhvr>
+                                      <p:to>
+                                        <p:strVal val="visible"/>
+                                      </p:to>
+                                    </p:set>
+                                  </p:childTnLst>
+                                </p:cTn>
+                              </p:par>
+                            </p:childTnLst>
+                          </p:cTn>
+                        </p:par>
+                      </p:childTnLst>
+                    </p:cTn>
+                  </p:par>
+                </p:childTnLst>
+              </p:cTn>
+              <p:prevCondLst>
+                <p:cond evt="onPrev" delay="0">
+                  <p:tgtEl>
+                    <p:sldTgt/>
+                  </p:tgtEl>
+                </p:cond>
+              </p:prevCondLst>
+              <p:nextCondLst>
+                <p:cond evt="onNext" delay="0">
+                  <p:tgtEl>
+                    <p:sldTgt/>
+                  </p:tgtEl>
+                </p:cond>
+              </p:nextCondLst>
+            </p:seq>
+          </p:childTnLst>
+        </p:cTn>
       </p:par>
     </p:tnLst>
+    <p:bldLst>
+      <p:bldP spid="14" grpId="0" bldLvl="0" animBg="1" autoUpdateAnimBg="1"/>
+    </p:bldLst>
   </p:timing>
 </p:sld>
 </file>
 
+<file path=ppt/slides/slide9.xml><?xml version="1.0" encoding="utf-8"?>
+<p:sld xmlns:r="http://schemas.openxmlformats.org/officeDocument/2006/relationships" xmlns:c="http://schemas.openxmlformats.org/drawingml/2006/chart" xmlns:a="http://schemas.openxmlformats.org/drawingml/2006/main" xmlns:dgm="http://schemas.openxmlformats.org/drawingml/2006/diagram" xmlns:dsp="http://schemas.microsoft.com/office/drawing/2008/diagram" xmlns:p="http://schemas.openxmlformats.org/presentationml/2006/main" showMasterSp="0">
+  <p:cSld>
+    <p:spTree>
+      <p:nvGrpSpPr>
+        <p:cNvPr id="1" name=""/>
+        <p:cNvGrpSpPr/>
+        <p:nvPr/>
+      </p:nvGrpSpPr>
+      <p:grpSpPr>
+        <a:xfrm>
+          <a:off x="0" y="0"/>
+          <a:ext cx="0" cy="0"/>
+          <a:chOff x="0" y="0"/>
+          <a:chExt cx="0" cy="0"/>
+        </a:xfrm>
+      </p:grpSpPr>
+      <p:sp>
+        <p:nvSpPr>
+          <p:cNvPr id="4" name="제목 1"/>
+          <p:cNvSpPr txBox="1"/>
+          <p:nvPr/>
+        </p:nvSpPr>
+        <p:spPr>
+          <a:xfrm>
+            <a:off x="0" y="0"/>
+            <a:ext cx="12192000" cy="694267"/>
+          </a:xfrm>
+          <a:prstGeom prst="rect">
+            <a:avLst/>
+          </a:prstGeom>
+          <a:solidFill>
+            <a:schemeClr val="bg1"/>
+          </a:solidFill>
+          <a:ln>
+            <a:solidFill>
+              <a:schemeClr val="tx1"/>
+            </a:solidFill>
+          </a:ln>
+        </p:spPr>
+        <p:txBody>
+          <a:bodyPr vert="horz" lIns="91440" tIns="45720" rIns="91440" bIns="45720" anchor="ctr">
+            <a:normAutofit fontScale="90000" lnSpcReduction="0"/>
+          </a:bodyPr>
+          <a:lstStyle>
+            <a:lvl1pPr algn="ctr" defTabSz="914400" rtl="0" eaLnBrk="1" latinLnBrk="1" hangingPunct="1">
+              <a:spcBef>
+                <a:spcPct val="0"/>
+              </a:spcBef>
+              <a:buNone/>
+              <a:defRPr sz="4400" kern="1200">
+                <a:solidFill>
+                  <a:schemeClr val="tx2"/>
+                </a:solidFill>
+                <a:latin typeface="+mj-lt"/>
+                <a:ea typeface="+mj-ea"/>
+                <a:cs typeface="+mj-cs"/>
+              </a:defRPr>
+            </a:lvl1pPr>
+            <a:lvl2pPr eaLnBrk="1" latinLnBrk="1" hangingPunct="1">
+              <a:defRPr>
+                <a:solidFill>
+                  <a:schemeClr val="tx2"/>
+                </a:solidFill>
+              </a:defRPr>
+            </a:lvl2pPr>
+            <a:lvl3pPr eaLnBrk="1" latinLnBrk="1" hangingPunct="1">
+              <a:defRPr>
+                <a:solidFill>
+                  <a:schemeClr val="tx2"/>
+                </a:solidFill>
+              </a:defRPr>
+            </a:lvl3pPr>
+            <a:lvl4pPr eaLnBrk="1" latinLnBrk="1" hangingPunct="1">
+              <a:defRPr>
+                <a:solidFill>
+                  <a:schemeClr val="tx2"/>
+                </a:solidFill>
+              </a:defRPr>
+            </a:lvl4pPr>
+            <a:lvl5pPr eaLnBrk="1" latinLnBrk="1" hangingPunct="1">
+              <a:defRPr>
+                <a:solidFill>
+                  <a:schemeClr val="tx2"/>
+                </a:solidFill>
+              </a:defRPr>
+            </a:lvl5pPr>
+            <a:lvl6pPr eaLnBrk="1" latinLnBrk="1" hangingPunct="1">
+              <a:defRPr>
+                <a:solidFill>
+                  <a:schemeClr val="tx2"/>
+                </a:solidFill>
+              </a:defRPr>
+            </a:lvl6pPr>
+            <a:lvl7pPr eaLnBrk="1" latinLnBrk="1" hangingPunct="1">
+              <a:defRPr>
+                <a:solidFill>
+                  <a:schemeClr val="tx2"/>
+                </a:solidFill>
+              </a:defRPr>
+            </a:lvl7pPr>
+            <a:lvl8pPr eaLnBrk="1" latinLnBrk="1" hangingPunct="1">
+              <a:defRPr>
+                <a:solidFill>
+                  <a:schemeClr val="tx2"/>
+                </a:solidFill>
+              </a:defRPr>
+            </a:lvl8pPr>
+            <a:lvl9pPr eaLnBrk="1" latinLnBrk="1" hangingPunct="1">
+              <a:defRPr>
+                <a:solidFill>
+                  <a:schemeClr val="tx2"/>
+                </a:solidFill>
+              </a:defRPr>
+            </a:lvl9pPr>
+          </a:lstStyle>
+          <a:p>
+            <a:pPr lvl="0">
+              <a:lnSpc>
+                <a:spcPct val="90000"/>
+              </a:lnSpc>
+              <a:defRPr lang="ko-KR" altLang="en-US"/>
+            </a:pPr>
+            <a:r>
+              <a:rPr lang="en-US" altLang="ko-KR"/>
+              <a:t>NFT </a:t>
+            </a:r>
+            <a:r>
+              <a:rPr lang="ko-KR" altLang="en-US"/>
+              <a:t>컬렉션 분석 </a:t>
+            </a:r>
+            <a:r>
+              <a:rPr lang="en-US" altLang="ko-KR"/>
+              <a:t> : </a:t>
+            </a:r>
+            <a:r>
+              <a:rPr lang="en-US" altLang="ko-KR">
+                <a:solidFill>
+                  <a:srgbClr val="ff0000"/>
+                </a:solidFill>
+              </a:rPr>
+              <a:t>cryptoslam Data</a:t>
+            </a:r>
+            <a:endParaRPr lang="ko-KR" altLang="en-US">
+              <a:solidFill>
+                <a:srgbClr val="ff0000"/>
+              </a:solidFill>
+            </a:endParaRPr>
+          </a:p>
+        </p:txBody>
+      </p:sp>
+      <p:pic>
+        <p:nvPicPr>
+          <p:cNvPr id="2" name="그림 1"/>
+          <p:cNvPicPr>
+            <a:picLocks noChangeAspect="1"/>
+          </p:cNvPicPr>
+          <p:nvPr/>
+        </p:nvPicPr>
+        <p:blipFill rotWithShape="1">
+          <a:blip r:embed="rId3"/>
+          <a:stretch>
+            <a:fillRect/>
+          </a:stretch>
+        </p:blipFill>
+        <p:spPr>
+          <a:xfrm>
+            <a:off x="2091822" y="3200522"/>
+            <a:ext cx="7206993" cy="2895478"/>
+          </a:xfrm>
+          <a:prstGeom prst="rect">
+            <a:avLst/>
+          </a:prstGeom>
+        </p:spPr>
+      </p:pic>
+      <p:sp>
+        <p:nvSpPr>
+          <p:cNvPr id="3" name="TextBox 2"/>
+          <p:cNvSpPr txBox="1"/>
+          <p:nvPr/>
+        </p:nvSpPr>
+        <p:spPr>
+          <a:xfrm>
+            <a:off x="2294467" y="1667934"/>
+            <a:ext cx="7264823" cy="1178136"/>
+          </a:xfrm>
+          <a:prstGeom prst="rect">
+            <a:avLst/>
+          </a:prstGeom>
+          <a:noFill/>
+        </p:spPr>
+        <p:txBody>
+          <a:bodyPr wrap="none">
+            <a:spAutoFit/>
+          </a:bodyPr>
+          <a:lstStyle/>
+          <a:p>
+            <a:pPr lvl="0">
+              <a:defRPr lang="ko-KR" altLang="en-US"/>
+            </a:pPr>
+            <a:r>
+              <a:rPr lang="en-US" altLang="ko-KR"/>
+              <a:t>- </a:t>
+            </a:r>
+            <a:r>
+              <a:rPr lang="ko-KR" altLang="en-US"/>
+              <a:t>판매액과 소유주를 기준으로 데이터 관계를 확인 </a:t>
+            </a:r>
+            <a:r>
+              <a:rPr lang="en-US" altLang="ko-KR"/>
+              <a:t>-&gt; </a:t>
+            </a:r>
+            <a:r>
+              <a:rPr lang="ko-KR" altLang="en-US"/>
+              <a:t>이상점 발생</a:t>
+            </a:r>
+            <a:r>
+              <a:rPr lang="en-US" altLang="ko-KR"/>
+              <a:t> ( </a:t>
+            </a:r>
+            <a:r>
+              <a:rPr lang="ko-KR" altLang="en-US"/>
+              <a:t>왼쪽 표 </a:t>
+            </a:r>
+            <a:r>
+              <a:rPr lang="en-US" altLang="ko-KR"/>
+              <a:t>) </a:t>
+            </a:r>
+            <a:endParaRPr lang="en-US" altLang="ko-KR"/>
+          </a:p>
+          <a:p>
+            <a:pPr lvl="0">
+              <a:defRPr lang="ko-KR" altLang="en-US"/>
+            </a:pPr>
+            <a:r>
+              <a:rPr lang="en-US" altLang="ko-KR"/>
+              <a:t>- Owners</a:t>
+            </a:r>
+            <a:r>
+              <a:rPr lang="ko-KR" altLang="en-US"/>
+              <a:t>의 </a:t>
+            </a:r>
+            <a:r>
+              <a:rPr lang="en-US" altLang="ko-KR"/>
+              <a:t>IQR(</a:t>
+            </a:r>
+            <a:r>
+              <a:rPr lang="ko-KR" altLang="en-US"/>
+              <a:t>사분위</a:t>
+            </a:r>
+            <a:r>
+              <a:rPr lang="en-US" altLang="ko-KR"/>
+              <a:t>)</a:t>
+            </a:r>
+            <a:r>
+              <a:rPr lang="ko-KR" altLang="en-US"/>
+              <a:t>를 기준으로 이상점을 제거 한 후 데이터 관계 </a:t>
+            </a:r>
+            <a:r>
+              <a:rPr lang="en-US" altLang="ko-KR"/>
+              <a:t>( </a:t>
+            </a:r>
+            <a:r>
+              <a:rPr lang="ko-KR" altLang="en-US"/>
+              <a:t>오른쪽 표 </a:t>
+            </a:r>
+            <a:r>
+              <a:rPr lang="en-US" altLang="ko-KR"/>
+              <a:t>)</a:t>
+            </a:r>
+            <a:endParaRPr lang="en-US" altLang="ko-KR"/>
+          </a:p>
+          <a:p>
+            <a:pPr lvl="0">
+              <a:defRPr lang="ko-KR" altLang="en-US"/>
+            </a:pPr>
+            <a:r>
+              <a:rPr lang="en-US" altLang="ko-KR"/>
+              <a:t> </a:t>
+            </a:r>
+            <a:r>
+              <a:rPr lang="ko-KR" altLang="en-US"/>
+              <a:t>분석 </a:t>
+            </a:r>
+            <a:r>
+              <a:rPr lang="en-US" altLang="ko-KR"/>
+              <a:t>: Owners</a:t>
+            </a:r>
+            <a:r>
+              <a:rPr lang="ko-KR" altLang="en-US"/>
+              <a:t>을 기준으로 데이터에 대한 특이점이 보임</a:t>
+            </a:r>
+            <a:endParaRPr lang="ko-KR" altLang="en-US"/>
+          </a:p>
+          <a:p>
+            <a:pPr lvl="0">
+              <a:defRPr lang="ko-KR" altLang="en-US"/>
+            </a:pPr>
+            <a:r>
+              <a:rPr lang="ko-KR" altLang="en-US"/>
+              <a:t>       -&gt; </a:t>
+            </a:r>
+            <a:r>
+              <a:rPr lang="en-US" altLang="ko-KR"/>
+              <a:t>Owners</a:t>
+            </a:r>
+            <a:r>
+              <a:rPr lang="ko-KR" altLang="en-US"/>
+              <a:t>가 기준치를 벗어난 데이터는 뭔가 분석</a:t>
+            </a:r>
+            <a:endParaRPr lang="ko-KR" altLang="en-US"/>
+          </a:p>
+        </p:txBody>
+      </p:sp>
+    </p:spTree>
+  </p:cSld>
+  <p:clrMapOvr>
+    <a:masterClrMapping/>
+  </p:clrMapOvr>
+  <p:transition xmlns:mc="http://schemas.openxmlformats.org/markup-compatibility/2006" xmlns:hp="http://schemas.haansoft.com/office/presentation/8.0" mc:Ignorable="hp" hp:hslDur="500"/>
+</p:sld>
+</file>
+
 <file path=ppt/theme/theme1.xml><?xml version="1.0" encoding="utf-8"?>
-<a:theme xmlns:a="http://schemas.openxmlformats.org/drawingml/2006/main" name="New_Simple01">
+<a:theme xmlns:r="http://schemas.openxmlformats.org/officeDocument/2006/relationships" xmlns:c="http://schemas.openxmlformats.org/drawingml/2006/chart" xmlns:dgm="http://schemas.openxmlformats.org/drawingml/2006/diagram" xmlns:dsp="http://schemas.microsoft.com/office/drawing/2008/diagram" xmlns:a="http://schemas.openxmlformats.org/drawingml/2006/main" xmlns:pic="http://schemas.openxmlformats.org/drawingml/2006/picture" xmlns:wp="http://schemas.openxmlformats.org/drawingml/2006/wordprocessingDrawing" xmlns:xdr="http://schemas.openxmlformats.org/drawingml/2006/spreadsheetDrawing" name="New_Simple01">
   <a:themeElements>
     <a:clrScheme name="New_Simple01">
       <a:dk1>
         <a:sysClr val="windowText" lastClr="000000"/>
       </a:dk1>
       <a:lt1>
-        <a:sysClr val="window" lastClr="FFFFFF"/>
+        <a:sysClr val="window" lastClr="ffffff"/>
       </a:lt1>
       <a:dk2>
-        <a:srgbClr val="562B71"/>
+        <a:srgbClr val="562b71"/>
       </a:dk2>
       <a:lt2>
-        <a:srgbClr val="DFF0F7"/>
+        <a:srgbClr val="dff0f7"/>
       </a:lt2>
       <a:accent1>
-        <a:srgbClr val="6BA2DF"/>
+        <a:srgbClr val="6ba2df"/>
       </a:accent1>
       <a:accent2>
-        <a:srgbClr val="C0504D"/>
+        <a:srgbClr val="c0504d"/>
       </a:accent2>
       <a:accent3>
-        <a:srgbClr val="9BBB59"/>
+        <a:srgbClr val="9bbb59"/>
       </a:accent3>
       <a:accent4>
-        <a:srgbClr val="8064A2"/>
+        <a:srgbClr val="8064a2"/>
       </a:accent4>
       <a:accent5>
-        <a:srgbClr val="AA5E74"/>
+        <a:srgbClr val="aa5e74"/>
       </a:accent5>
       <a:accent6>
-        <a:srgbClr val="EF9031"/>
+        <a:srgbClr val="ef9031"/>
       </a:accent6>
       <a:hlink>
-        <a:srgbClr val="FF0000"/>
+        <a:srgbClr val="ff0000"/>
       </a:hlink>
       <a:folHlink>
-        <a:srgbClr val="92D050"/>
+        <a:srgbClr val="92d050"/>
       </a:folHlink>
     </a:clrScheme>
     <a:fontScheme name="배달의민족 주아 글씰체">
@@ -12613,20 +12276,6 @@
               </a:srgbClr>
             </a:outerShdw>
           </a:effectLst>
-          <a:scene3d>
-            <a:camera prst="orthographicFront">
-              <a:rot lat="0" lon="0" rev="0"/>
-            </a:camera>
-            <a:lightRig rig="glow" dir="t">
-              <a:rot lat="0" lon="0" rev="20040000"/>
-            </a:lightRig>
-          </a:scene3d>
-          <a:sp3d contourW="12700">
-            <a:bevelT w="38100" h="25400" prst="softRound"/>
-            <a:contourClr>
-              <a:schemeClr val="phClr"/>
-            </a:contourClr>
-          </a:sp3d>
         </a:effectStyle>
       </a:effectStyleLst>
       <a:bgFillStyleLst>
@@ -12674,55 +12323,53 @@
       </a:bgFillStyleLst>
     </a:fmtScheme>
   </a:themeElements>
-  <a:objectDefaults/>
-  <a:extraClrSchemeLst/>
 </a:theme>
 </file>
 
 <file path=ppt/theme/theme2.xml><?xml version="1.0" encoding="utf-8"?>
-<a:theme xmlns:a="http://schemas.openxmlformats.org/drawingml/2006/main" name="Office 테마">
+<a:theme xmlns:r="http://schemas.openxmlformats.org/officeDocument/2006/relationships" xmlns:c="http://schemas.openxmlformats.org/drawingml/2006/chart" xmlns:dgm="http://schemas.openxmlformats.org/drawingml/2006/diagram" xmlns:dsp="http://schemas.microsoft.com/office/drawing/2008/diagram" xmlns:a="http://schemas.openxmlformats.org/drawingml/2006/main" xmlns:pic="http://schemas.openxmlformats.org/drawingml/2006/picture" xmlns:wp="http://schemas.openxmlformats.org/drawingml/2006/wordprocessingDrawing" xmlns:xdr="http://schemas.openxmlformats.org/drawingml/2006/spreadsheetDrawing" name="Office 테마">
   <a:themeElements>
     <a:clrScheme name="Office">
       <a:dk1>
         <a:sysClr val="windowText" lastClr="000000"/>
       </a:dk1>
       <a:lt1>
-        <a:sysClr val="window" lastClr="FFFFFF"/>
+        <a:sysClr val="window" lastClr="ffffff"/>
       </a:lt1>
       <a:dk2>
-        <a:srgbClr val="44546A"/>
+        <a:srgbClr val="44546a"/>
       </a:dk2>
       <a:lt2>
-        <a:srgbClr val="E7E6E6"/>
+        <a:srgbClr val="e7e6e6"/>
       </a:lt2>
       <a:accent1>
-        <a:srgbClr val="5B9BD5"/>
+        <a:srgbClr val="5b9bd5"/>
       </a:accent1>
       <a:accent2>
-        <a:srgbClr val="ED7D31"/>
+        <a:srgbClr val="ed7d31"/>
       </a:accent2>
       <a:accent3>
-        <a:srgbClr val="A5A5A5"/>
+        <a:srgbClr val="a5a5a5"/>
       </a:accent3>
       <a:accent4>
-        <a:srgbClr val="FFC000"/>
+        <a:srgbClr val="ffc000"/>
       </a:accent4>
       <a:accent5>
-        <a:srgbClr val="4472C4"/>
+        <a:srgbClr val="4472c4"/>
       </a:accent5>
       <a:accent6>
-        <a:srgbClr val="70AD47"/>
+        <a:srgbClr val="70ad47"/>
       </a:accent6>
       <a:hlink>
-        <a:srgbClr val="0563C1"/>
+        <a:srgbClr val="0563c1"/>
       </a:hlink>
       <a:folHlink>
-        <a:srgbClr val="954F72"/>
+        <a:srgbClr val="954f72"/>
       </a:folHlink>
     </a:clrScheme>
     <a:fontScheme name="Office">
       <a:majorFont>
-        <a:latin typeface="맑은 고딕" panose="020F0302020204030204"/>
+        <a:latin typeface="맑은 고딕" panose="20"/>
         <a:ea typeface=""/>
         <a:cs typeface=""/>
         <a:font script="Jpan" typeface="游ゴシック Light"/>
@@ -12757,7 +12404,7 @@
         <a:font script="Geor" typeface="Sylfaen"/>
       </a:majorFont>
       <a:minorFont>
-        <a:latin typeface="맑은 고딕" panose="020F0502020204030204"/>
+        <a:latin typeface="맑은 고딕" panose="20"/>
         <a:ea typeface=""/>
         <a:cs typeface=""/>
         <a:font script="Jpan" typeface="游ゴシック"/>
@@ -12856,21 +12503,21 @@
             <a:schemeClr val="phClr"/>
           </a:solidFill>
           <a:prstDash val="solid"/>
-          <a:miter lim="800000"/>
+          <a:miter/>
         </a:ln>
         <a:ln w="12700" cap="flat" cmpd="sng" algn="ctr">
           <a:solidFill>
             <a:schemeClr val="phClr"/>
           </a:solidFill>
           <a:prstDash val="solid"/>
-          <a:miter lim="800000"/>
+          <a:miter/>
         </a:ln>
         <a:ln w="19050" cap="flat" cmpd="sng" algn="ctr">
           <a:solidFill>
             <a:schemeClr val="phClr"/>
           </a:solidFill>
           <a:prstDash val="solid"/>
-          <a:miter lim="800000"/>
+          <a:miter/>
         </a:ln>
       </a:lnStyleLst>
       <a:effectStyleLst>
@@ -12930,12 +12577,5 @@
       </a:bgFillStyleLst>
     </a:fmtScheme>
   </a:themeElements>
-  <a:objectDefaults/>
-  <a:extraClrSchemeLst/>
-  <a:extLst>
-    <a:ext uri="{05A4C25C-085E-4340-85A3-A5531E510DB2}">
-      <thm15:themeFamily xmlns:thm15="http://schemas.microsoft.com/office/thememl/2012/main" name="Office Theme" id="{62F939B6-93AF-4DB8-9C6B-D6C7DFDC589F}" vid="{4A3C46E8-61CC-4603-A589-7422A47A8E4A}"/>
-    </a:ext>
-  </a:extLst>
 </a:theme>
 </file>